--- a/202XXX NF Update.pptx
+++ b/202XXX NF Update.pptx
@@ -3619,7 +3619,7 @@
           <a:p>
             <a:r>
               <a:rPr lang="en-US" dirty="0"/>
-              <a:t>Method</a:t>
+              <a:t>Results</a:t>
             </a:r>
           </a:p>
         </p:txBody>
@@ -3653,6 +3653,178 @@
           </a:p>
         </p:txBody>
       </p:sp>
+      <p:sp>
+        <p:nvSpPr>
+          <p:cNvPr id="4" name="TextBox 3">
+            <a:extLst>
+              <a:ext uri="{FF2B5EF4-FFF2-40B4-BE49-F238E27FC236}">
+                <a16:creationId xmlns:a16="http://schemas.microsoft.com/office/drawing/2014/main" id="{653AE7B6-0D99-6BF7-9D22-0DB7141790F0}"/>
+              </a:ext>
+            </a:extLst>
+          </p:cNvPr>
+          <p:cNvSpPr txBox="1"/>
+          <p:nvPr/>
+        </p:nvSpPr>
+        <p:spPr>
+          <a:xfrm>
+            <a:off x="7890934" y="2321752"/>
+            <a:ext cx="4470400" cy="369332"/>
+          </a:xfrm>
+          <a:prstGeom prst="rect">
+            <a:avLst/>
+          </a:prstGeom>
+          <a:noFill/>
+        </p:spPr>
+        <p:txBody>
+          <a:bodyPr wrap="square" rtlCol="0">
+            <a:spAutoFit/>
+          </a:bodyPr>
+          <a:lstStyle/>
+          <a:p>
+            <a:r>
+              <a:rPr lang="en-US" dirty="0" err="1"/>
+              <a:t>pNFH</a:t>
+            </a:r>
+            <a:r>
+              <a:rPr lang="en-US" dirty="0"/>
+              <a:t> option 1: Pr040 b60v10</a:t>
+            </a:r>
+          </a:p>
+        </p:txBody>
+      </p:sp>
+      <p:pic>
+        <p:nvPicPr>
+          <p:cNvPr id="1028" name="Picture 4">
+            <a:extLst>
+              <a:ext uri="{FF2B5EF4-FFF2-40B4-BE49-F238E27FC236}">
+                <a16:creationId xmlns:a16="http://schemas.microsoft.com/office/drawing/2014/main" id="{E6D88134-A772-6422-BD52-E8481B162078}"/>
+              </a:ext>
+            </a:extLst>
+          </p:cNvPr>
+          <p:cNvPicPr>
+            <a:picLocks noChangeAspect="1" noChangeArrowheads="1"/>
+          </p:cNvPicPr>
+          <p:nvPr/>
+        </p:nvPicPr>
+        <p:blipFill>
+          <a:blip r:embed="rId2">
+            <a:extLst>
+              <a:ext uri="{28A0092B-C50C-407E-A947-70E740481C1C}">
+                <a14:useLocalDpi xmlns:a14="http://schemas.microsoft.com/office/drawing/2010/main" val="0"/>
+              </a:ext>
+            </a:extLst>
+          </a:blip>
+          <a:srcRect/>
+          <a:stretch>
+            <a:fillRect/>
+          </a:stretch>
+        </p:blipFill>
+        <p:spPr bwMode="auto">
+          <a:xfrm>
+            <a:off x="50799" y="3925954"/>
+            <a:ext cx="7662333" cy="2430396"/>
+          </a:xfrm>
+          <a:prstGeom prst="rect">
+            <a:avLst/>
+          </a:prstGeom>
+          <a:noFill/>
+          <a:extLst>
+            <a:ext uri="{909E8E84-426E-40DD-AFC4-6F175D3DCCD1}">
+              <a14:hiddenFill xmlns:a14="http://schemas.microsoft.com/office/drawing/2010/main">
+                <a:solidFill>
+                  <a:srgbClr val="FFFFFF"/>
+                </a:solidFill>
+              </a14:hiddenFill>
+            </a:ext>
+          </a:extLst>
+        </p:spPr>
+      </p:pic>
+      <p:sp>
+        <p:nvSpPr>
+          <p:cNvPr id="5" name="TextBox 4">
+            <a:extLst>
+              <a:ext uri="{FF2B5EF4-FFF2-40B4-BE49-F238E27FC236}">
+                <a16:creationId xmlns:a16="http://schemas.microsoft.com/office/drawing/2014/main" id="{6836F1B4-9477-615A-7D80-C335C41CB426}"/>
+              </a:ext>
+            </a:extLst>
+          </p:cNvPr>
+          <p:cNvSpPr txBox="1"/>
+          <p:nvPr/>
+        </p:nvSpPr>
+        <p:spPr>
+          <a:xfrm>
+            <a:off x="7874001" y="4790639"/>
+            <a:ext cx="4470400" cy="369332"/>
+          </a:xfrm>
+          <a:prstGeom prst="rect">
+            <a:avLst/>
+          </a:prstGeom>
+          <a:noFill/>
+        </p:spPr>
+        <p:txBody>
+          <a:bodyPr wrap="square" rtlCol="0">
+            <a:spAutoFit/>
+          </a:bodyPr>
+          <a:lstStyle/>
+          <a:p>
+            <a:r>
+              <a:rPr lang="en-US" dirty="0" err="1"/>
+              <a:t>pNFH</a:t>
+            </a:r>
+            <a:r>
+              <a:rPr lang="en-US" dirty="0"/>
+              <a:t> option 2: b60v15</a:t>
+            </a:r>
+          </a:p>
+        </p:txBody>
+      </p:sp>
+      <p:pic>
+        <p:nvPicPr>
+          <p:cNvPr id="1030" name="Picture 6">
+            <a:extLst>
+              <a:ext uri="{FF2B5EF4-FFF2-40B4-BE49-F238E27FC236}">
+                <a16:creationId xmlns:a16="http://schemas.microsoft.com/office/drawing/2014/main" id="{66A960E0-0328-1A70-DBAB-B3CF201E3457}"/>
+              </a:ext>
+            </a:extLst>
+          </p:cNvPr>
+          <p:cNvPicPr>
+            <a:picLocks noChangeAspect="1" noChangeArrowheads="1"/>
+          </p:cNvPicPr>
+          <p:nvPr/>
+        </p:nvPicPr>
+        <p:blipFill>
+          <a:blip r:embed="rId3">
+            <a:extLst>
+              <a:ext uri="{28A0092B-C50C-407E-A947-70E740481C1C}">
+                <a14:useLocalDpi xmlns:a14="http://schemas.microsoft.com/office/drawing/2010/main" val="0"/>
+              </a:ext>
+            </a:extLst>
+          </a:blip>
+          <a:srcRect/>
+          <a:stretch>
+            <a:fillRect/>
+          </a:stretch>
+        </p:blipFill>
+        <p:spPr bwMode="auto">
+          <a:xfrm>
+            <a:off x="50799" y="1475886"/>
+            <a:ext cx="7662333" cy="2430396"/>
+          </a:xfrm>
+          <a:prstGeom prst="rect">
+            <a:avLst/>
+          </a:prstGeom>
+          <a:noFill/>
+          <a:extLst>
+            <a:ext uri="{909E8E84-426E-40DD-AFC4-6F175D3DCCD1}">
+              <a14:hiddenFill xmlns:a14="http://schemas.microsoft.com/office/drawing/2010/main">
+                <a:solidFill>
+                  <a:srgbClr val="FFFFFF"/>
+                </a:solidFill>
+              </a14:hiddenFill>
+            </a:ext>
+          </a:extLst>
+        </p:spPr>
+      </p:pic>
     </p:spTree>
     <p:extLst>
       <p:ext uri="{BB962C8B-B14F-4D97-AF65-F5344CB8AC3E}">

--- a/202XXX NF Update.pptx
+++ b/202XXX NF Update.pptx
@@ -3268,7 +3268,7 @@
             </a:r>
             <a:r>
               <a:rPr lang="en-US" sz="1200" dirty="0"/>
-              <a:t>. 2023</a:t>
+              <a:t>. 2024</a:t>
             </a:r>
           </a:p>
         </p:txBody>
@@ -3531,7 +3531,7 @@
             </a:r>
             <a:r>
               <a:rPr lang="en-US" sz="1200" dirty="0"/>
-              <a:t>. 2023</a:t>
+              <a:t>. 2024</a:t>
             </a:r>
           </a:p>
         </p:txBody>

--- a/202XXX NF Update.pptx
+++ b/202XXX NF Update.pptx
@@ -219,7 +219,7 @@
           <a:p>
             <a:fld id="{14580B53-B3FA-440E-B97E-7F7743C74805}" type="datetimeFigureOut">
               <a:rPr lang="en-US" smtClean="0"/>
-              <a:t>1/11/2024</a:t>
+              <a:t>1/12/2024</a:t>
             </a:fld>
             <a:endParaRPr lang="en-US"/>
           </a:p>
@@ -396,7 +396,7 @@
           <a:p>
             <a:fld id="{DFF06B30-C56E-4ACA-940F-52D7F8EC3A48}" type="datetimeFigureOut">
               <a:rPr lang="en-US" smtClean="0"/>
-              <a:t>1/11/2024</a:t>
+              <a:t>1/12/2024</a:t>
             </a:fld>
             <a:endParaRPr lang="en-US"/>
           </a:p>
@@ -1153,7 +1153,7 @@
           <a:p>
             <a:fld id="{6D309A34-CB22-414B-B337-22A54F31417C}" type="datetime1">
               <a:rPr lang="en-US" smtClean="0"/>
-              <a:t>1/11/2024</a:t>
+              <a:t>1/12/2024</a:t>
             </a:fld>
             <a:endParaRPr lang="en-US"/>
           </a:p>
@@ -1300,7 +1300,7 @@
           <a:p>
             <a:fld id="{2875BB1A-84CA-4261-AA50-DA2DDF53AC57}" type="datetime1">
               <a:rPr lang="en-US" smtClean="0"/>
-              <a:t>1/11/2024</a:t>
+              <a:t>1/12/2024</a:t>
             </a:fld>
             <a:endParaRPr lang="en-US"/>
           </a:p>
@@ -1624,7 +1624,7 @@
           <a:p>
             <a:fld id="{01337600-D417-47B7-AA41-087585197EDC}" type="datetime1">
               <a:rPr lang="en-US" smtClean="0"/>
-              <a:t>1/11/2024</a:t>
+              <a:t>1/12/2024</a:t>
             </a:fld>
             <a:endParaRPr lang="en-US"/>
           </a:p>
@@ -1908,7 +1908,7 @@
           <a:p>
             <a:fld id="{D07EAAE8-4F5E-4E22-B18A-33ECA1052179}" type="datetime1">
               <a:rPr lang="en-US" smtClean="0"/>
-              <a:t>1/11/2024</a:t>
+              <a:t>1/12/2024</a:t>
             </a:fld>
             <a:endParaRPr lang="en-US"/>
           </a:p>
@@ -2187,7 +2187,7 @@
           <a:p>
             <a:fld id="{CE037CEF-216D-4711-8A5B-8A9A7F84D340}" type="datetime1">
               <a:rPr lang="en-US" smtClean="0"/>
-              <a:t>1/11/2024</a:t>
+              <a:t>1/12/2024</a:t>
             </a:fld>
             <a:endParaRPr lang="en-US"/>
           </a:p>
@@ -3825,6 +3825,104 @@
           </a:extLst>
         </p:spPr>
       </p:pic>
+      <p:sp>
+        <p:nvSpPr>
+          <p:cNvPr id="6" name="Rectangle 5">
+            <a:extLst>
+              <a:ext uri="{FF2B5EF4-FFF2-40B4-BE49-F238E27FC236}">
+                <a16:creationId xmlns:a16="http://schemas.microsoft.com/office/drawing/2014/main" id="{EE113ADF-F0CC-9D0B-D1FB-67A156FEC9C5}"/>
+              </a:ext>
+            </a:extLst>
+          </p:cNvPr>
+          <p:cNvSpPr/>
+          <p:nvPr/>
+        </p:nvSpPr>
+        <p:spPr>
+          <a:xfrm>
+            <a:off x="8771467" y="3428999"/>
+            <a:ext cx="2870200" cy="458463"/>
+          </a:xfrm>
+          <a:prstGeom prst="rect">
+            <a:avLst/>
+          </a:prstGeom>
+        </p:spPr>
+        <p:style>
+          <a:lnRef idx="2">
+            <a:schemeClr val="accent1">
+              <a:shade val="15000"/>
+            </a:schemeClr>
+          </a:lnRef>
+          <a:fillRef idx="1">
+            <a:schemeClr val="accent1"/>
+          </a:fillRef>
+          <a:effectRef idx="0">
+            <a:schemeClr val="accent1"/>
+          </a:effectRef>
+          <a:fontRef idx="minor">
+            <a:schemeClr val="lt1"/>
+          </a:fontRef>
+        </p:style>
+        <p:txBody>
+          <a:bodyPr rtlCol="0" anchor="ctr"/>
+          <a:lstStyle/>
+          <a:p>
+            <a:pPr algn="ctr"/>
+            <a:r>
+              <a:rPr lang="en-US" dirty="0"/>
+              <a:t>Waiting on additional pHD2</a:t>
+            </a:r>
+          </a:p>
+        </p:txBody>
+      </p:sp>
+      <p:sp>
+        <p:nvSpPr>
+          <p:cNvPr id="7" name="Rectangle 6">
+            <a:extLst>
+              <a:ext uri="{FF2B5EF4-FFF2-40B4-BE49-F238E27FC236}">
+                <a16:creationId xmlns:a16="http://schemas.microsoft.com/office/drawing/2014/main" id="{A88FC671-049A-7A7E-2412-0630254C38CB}"/>
+              </a:ext>
+            </a:extLst>
+          </p:cNvPr>
+          <p:cNvSpPr/>
+          <p:nvPr/>
+        </p:nvSpPr>
+        <p:spPr>
+          <a:xfrm>
+            <a:off x="8547100" y="5299697"/>
+            <a:ext cx="2870200" cy="458463"/>
+          </a:xfrm>
+          <a:prstGeom prst="rect">
+            <a:avLst/>
+          </a:prstGeom>
+        </p:spPr>
+        <p:style>
+          <a:lnRef idx="2">
+            <a:schemeClr val="accent1">
+              <a:shade val="15000"/>
+            </a:schemeClr>
+          </a:lnRef>
+          <a:fillRef idx="1">
+            <a:schemeClr val="accent1"/>
+          </a:fillRef>
+          <a:effectRef idx="0">
+            <a:schemeClr val="accent1"/>
+          </a:effectRef>
+          <a:fontRef idx="minor">
+            <a:schemeClr val="lt1"/>
+          </a:fontRef>
+        </p:style>
+        <p:txBody>
+          <a:bodyPr rtlCol="0" anchor="ctr"/>
+          <a:lstStyle/>
+          <a:p>
+            <a:pPr algn="ctr"/>
+            <a:r>
+              <a:rPr lang="en-US" dirty="0"/>
+              <a:t>Waiting on additional pH(D2) cs100</a:t>
+            </a:r>
+          </a:p>
+        </p:txBody>
+      </p:sp>
     </p:spTree>
     <p:extLst>
       <p:ext uri="{BB962C8B-B14F-4D97-AF65-F5344CB8AC3E}">

--- a/202XXX NF Update.pptx
+++ b/202XXX NF Update.pptx
@@ -3461,6 +3461,32 @@
               <a:t>Coarse-graining</a:t>
             </a:r>
           </a:p>
+          <a:p>
+            <a:endParaRPr lang="en-US" dirty="0"/>
+          </a:p>
+          <a:p>
+            <a:endParaRPr lang="en-US" dirty="0"/>
+          </a:p>
+          <a:p>
+            <a:endParaRPr lang="en-US" dirty="0"/>
+          </a:p>
+          <a:p>
+            <a:r>
+              <a:rPr lang="en-US" dirty="0"/>
+              <a:t>Application to NF (e.g. </a:t>
+            </a:r>
+            <a:r>
+              <a:rPr lang="en-US" dirty="0" err="1"/>
+              <a:t>pNFH</a:t>
+            </a:r>
+            <a:r>
+              <a:rPr lang="en-US" dirty="0"/>
+              <a:t>)</a:t>
+            </a:r>
+          </a:p>
+          <a:p>
+            <a:endParaRPr lang="en-US" dirty="0"/>
+          </a:p>
         </p:txBody>
       </p:sp>
       <p:sp>
@@ -3538,10 +3564,168 @@
       </p:sp>
       <p:pic>
         <p:nvPicPr>
-          <p:cNvPr id="9" name="Picture 8">
-            <a:extLst>
-              <a:ext uri="{FF2B5EF4-FFF2-40B4-BE49-F238E27FC236}">
-                <a16:creationId xmlns:a16="http://schemas.microsoft.com/office/drawing/2014/main" id="{222DC982-9756-CB4A-181C-46A8AE441226}"/>
+          <p:cNvPr id="1028" name="Picture 4">
+            <a:extLst>
+              <a:ext uri="{FF2B5EF4-FFF2-40B4-BE49-F238E27FC236}">
+                <a16:creationId xmlns:a16="http://schemas.microsoft.com/office/drawing/2014/main" id="{8B5B35A0-8DE2-80AE-CBDB-BE81A42C7EE9}"/>
+              </a:ext>
+            </a:extLst>
+          </p:cNvPr>
+          <p:cNvPicPr>
+            <a:picLocks noChangeAspect="1" noChangeArrowheads="1"/>
+          </p:cNvPicPr>
+          <p:nvPr/>
+        </p:nvPicPr>
+        <p:blipFill>
+          <a:blip r:embed="rId2">
+            <a:extLst>
+              <a:ext uri="{28A0092B-C50C-407E-A947-70E740481C1C}">
+                <a14:useLocalDpi xmlns:a14="http://schemas.microsoft.com/office/drawing/2010/main" val="0"/>
+              </a:ext>
+            </a:extLst>
+          </a:blip>
+          <a:srcRect/>
+          <a:stretch>
+            <a:fillRect/>
+          </a:stretch>
+        </p:blipFill>
+        <p:spPr bwMode="auto">
+          <a:xfrm>
+            <a:off x="1394529" y="4305552"/>
+            <a:ext cx="3281783" cy="2446510"/>
+          </a:xfrm>
+          <a:prstGeom prst="rect">
+            <a:avLst/>
+          </a:prstGeom>
+          <a:noFill/>
+          <a:extLst>
+            <a:ext uri="{909E8E84-426E-40DD-AFC4-6F175D3DCCD1}">
+              <a14:hiddenFill xmlns:a14="http://schemas.microsoft.com/office/drawing/2010/main">
+                <a:solidFill>
+                  <a:srgbClr val="FFFFFF"/>
+                </a:solidFill>
+              </a14:hiddenFill>
+            </a:ext>
+          </a:extLst>
+        </p:spPr>
+      </p:pic>
+      <p:grpSp>
+        <p:nvGrpSpPr>
+          <p:cNvPr id="6" name="Group 5">
+            <a:extLst>
+              <a:ext uri="{FF2B5EF4-FFF2-40B4-BE49-F238E27FC236}">
+                <a16:creationId xmlns:a16="http://schemas.microsoft.com/office/drawing/2014/main" id="{83644CDE-319B-7260-2862-8C78E13D28BE}"/>
+              </a:ext>
+            </a:extLst>
+          </p:cNvPr>
+          <p:cNvGrpSpPr/>
+          <p:nvPr/>
+        </p:nvGrpSpPr>
+        <p:grpSpPr>
+          <a:xfrm>
+            <a:off x="5155438" y="4899660"/>
+            <a:ext cx="5764406" cy="1426882"/>
+            <a:chOff x="5155438" y="5061492"/>
+            <a:chExt cx="5110627" cy="1265050"/>
+          </a:xfrm>
+        </p:grpSpPr>
+        <p:pic>
+          <p:nvPicPr>
+            <p:cNvPr id="1030" name="Picture 6">
+              <a:extLst>
+                <a:ext uri="{FF2B5EF4-FFF2-40B4-BE49-F238E27FC236}">
+                  <a16:creationId xmlns:a16="http://schemas.microsoft.com/office/drawing/2014/main" id="{9D8E2DA7-BA4D-5FD4-6B28-30C4A5169D25}"/>
+                </a:ext>
+              </a:extLst>
+            </p:cNvPr>
+            <p:cNvPicPr>
+              <a:picLocks noChangeAspect="1" noChangeArrowheads="1"/>
+            </p:cNvPicPr>
+            <p:nvPr/>
+          </p:nvPicPr>
+          <p:blipFill rotWithShape="1">
+            <a:blip r:embed="rId3">
+              <a:extLst>
+                <a:ext uri="{28A0092B-C50C-407E-A947-70E740481C1C}">
+                  <a14:useLocalDpi xmlns:a14="http://schemas.microsoft.com/office/drawing/2010/main" val="0"/>
+                </a:ext>
+              </a:extLst>
+            </a:blip>
+            <a:srcRect t="1" b="84583"/>
+            <a:stretch/>
+          </p:blipFill>
+          <p:spPr bwMode="auto">
+            <a:xfrm>
+              <a:off x="5155439" y="5061492"/>
+              <a:ext cx="5110626" cy="190366"/>
+            </a:xfrm>
+            <a:prstGeom prst="rect">
+              <a:avLst/>
+            </a:prstGeom>
+            <a:noFill/>
+            <a:extLst>
+              <a:ext uri="{909E8E84-426E-40DD-AFC4-6F175D3DCCD1}">
+                <a14:hiddenFill xmlns:a14="http://schemas.microsoft.com/office/drawing/2010/main">
+                  <a:solidFill>
+                    <a:srgbClr val="FFFFFF"/>
+                  </a:solidFill>
+                </a14:hiddenFill>
+              </a:ext>
+            </a:extLst>
+          </p:spPr>
+        </p:pic>
+        <p:pic>
+          <p:nvPicPr>
+            <p:cNvPr id="1032" name="Picture 8">
+              <a:extLst>
+                <a:ext uri="{FF2B5EF4-FFF2-40B4-BE49-F238E27FC236}">
+                  <a16:creationId xmlns:a16="http://schemas.microsoft.com/office/drawing/2014/main" id="{F5830B06-9941-9822-8235-6D3D57373D13}"/>
+                </a:ext>
+              </a:extLst>
+            </p:cNvPr>
+            <p:cNvPicPr>
+              <a:picLocks noChangeAspect="1" noChangeArrowheads="1"/>
+            </p:cNvPicPr>
+            <p:nvPr/>
+          </p:nvPicPr>
+          <p:blipFill rotWithShape="1">
+            <a:blip r:embed="rId4">
+              <a:extLst>
+                <a:ext uri="{28A0092B-C50C-407E-A947-70E740481C1C}">
+                  <a14:useLocalDpi xmlns:a14="http://schemas.microsoft.com/office/drawing/2010/main" val="0"/>
+                </a:ext>
+              </a:extLst>
+            </a:blip>
+            <a:srcRect t="17568"/>
+            <a:stretch/>
+          </p:blipFill>
+          <p:spPr bwMode="auto">
+            <a:xfrm>
+              <a:off x="5155438" y="5308599"/>
+              <a:ext cx="5110627" cy="1017943"/>
+            </a:xfrm>
+            <a:prstGeom prst="rect">
+              <a:avLst/>
+            </a:prstGeom>
+            <a:noFill/>
+            <a:extLst>
+              <a:ext uri="{909E8E84-426E-40DD-AFC4-6F175D3DCCD1}">
+                <a14:hiddenFill xmlns:a14="http://schemas.microsoft.com/office/drawing/2010/main">
+                  <a:solidFill>
+                    <a:srgbClr val="FFFFFF"/>
+                  </a:solidFill>
+                </a14:hiddenFill>
+              </a:ext>
+            </a:extLst>
+          </p:spPr>
+        </p:pic>
+      </p:grpSp>
+      <p:pic>
+        <p:nvPicPr>
+          <p:cNvPr id="8" name="Picture 7">
+            <a:extLst>
+              <a:ext uri="{FF2B5EF4-FFF2-40B4-BE49-F238E27FC236}">
+                <a16:creationId xmlns:a16="http://schemas.microsoft.com/office/drawing/2014/main" id="{90C7B0FB-D364-2241-405B-C0B69105140F}"/>
               </a:ext>
             </a:extLst>
           </p:cNvPr>
@@ -3550,16 +3734,15 @@
           </p:cNvPicPr>
           <p:nvPr/>
         </p:nvPicPr>
-        <p:blipFill>
-          <a:blip r:embed="rId2"/>
-          <a:stretch>
-            <a:fillRect/>
-          </a:stretch>
+        <p:blipFill rotWithShape="1">
+          <a:blip r:embed="rId5"/>
+          <a:srcRect t="1205" b="378"/>
+          <a:stretch/>
         </p:blipFill>
         <p:spPr>
           <a:xfrm>
-            <a:off x="2542251" y="2201054"/>
-            <a:ext cx="3818807" cy="2714883"/>
+            <a:off x="3510548" y="1600084"/>
+            <a:ext cx="5170904" cy="1983697"/>
           </a:xfrm>
           <a:prstGeom prst="rect">
             <a:avLst/>

--- a/202XXX NF Update.pptx
+++ b/202XXX NF Update.pptx
@@ -3591,8 +3591,8 @@
         </p:blipFill>
         <p:spPr bwMode="auto">
           <a:xfrm>
-            <a:off x="1394529" y="4305552"/>
-            <a:ext cx="3281783" cy="2446510"/>
+            <a:off x="1394529" y="4229100"/>
+            <a:ext cx="3384337" cy="2522962"/>
           </a:xfrm>
           <a:prstGeom prst="rect">
             <a:avLst/>
@@ -3623,8 +3623,8 @@
         </p:nvGrpSpPr>
         <p:grpSpPr>
           <a:xfrm>
-            <a:off x="5155438" y="4899660"/>
-            <a:ext cx="5764406" cy="1426882"/>
+            <a:off x="5155438" y="4744683"/>
+            <a:ext cx="6510912" cy="1611667"/>
             <a:chOff x="5155438" y="5061492"/>
             <a:chExt cx="5110627" cy="1265050"/>
           </a:xfrm>
@@ -3850,7 +3850,7 @@
         </p:nvSpPr>
         <p:spPr>
           <a:xfrm>
-            <a:off x="7890934" y="2321752"/>
+            <a:off x="7971367" y="5200921"/>
             <a:ext cx="4470400" cy="369332"/>
           </a:xfrm>
           <a:prstGeom prst="rect">
@@ -3870,17 +3870,56 @@
             </a:r>
             <a:r>
               <a:rPr lang="en-US" dirty="0"/>
-              <a:t> option 1: Pr040 b60v10</a:t>
+              <a:t> option 2: Pr040 b60v10</a:t>
+            </a:r>
+          </a:p>
+        </p:txBody>
+      </p:sp>
+      <p:sp>
+        <p:nvSpPr>
+          <p:cNvPr id="5" name="TextBox 4">
+            <a:extLst>
+              <a:ext uri="{FF2B5EF4-FFF2-40B4-BE49-F238E27FC236}">
+                <a16:creationId xmlns:a16="http://schemas.microsoft.com/office/drawing/2014/main" id="{6836F1B4-9477-615A-7D80-C335C41CB426}"/>
+              </a:ext>
+            </a:extLst>
+          </p:cNvPr>
+          <p:cNvSpPr txBox="1"/>
+          <p:nvPr/>
+        </p:nvSpPr>
+        <p:spPr>
+          <a:xfrm>
+            <a:off x="7971367" y="1995771"/>
+            <a:ext cx="4470400" cy="369332"/>
+          </a:xfrm>
+          <a:prstGeom prst="rect">
+            <a:avLst/>
+          </a:prstGeom>
+          <a:noFill/>
+        </p:spPr>
+        <p:txBody>
+          <a:bodyPr wrap="square" rtlCol="0">
+            <a:spAutoFit/>
+          </a:bodyPr>
+          <a:lstStyle/>
+          <a:p>
+            <a:r>
+              <a:rPr lang="en-US" dirty="0" err="1"/>
+              <a:t>pNFH</a:t>
+            </a:r>
+            <a:r>
+              <a:rPr lang="en-US" dirty="0"/>
+              <a:t> option 1: b60v15</a:t>
             </a:r>
           </a:p>
         </p:txBody>
       </p:sp>
       <p:pic>
         <p:nvPicPr>
-          <p:cNvPr id="1028" name="Picture 4">
-            <a:extLst>
-              <a:ext uri="{FF2B5EF4-FFF2-40B4-BE49-F238E27FC236}">
-                <a16:creationId xmlns:a16="http://schemas.microsoft.com/office/drawing/2014/main" id="{E6D88134-A772-6422-BD52-E8481B162078}"/>
+          <p:cNvPr id="2050" name="Picture 2">
+            <a:extLst>
+              <a:ext uri="{FF2B5EF4-FFF2-40B4-BE49-F238E27FC236}">
+                <a16:creationId xmlns:a16="http://schemas.microsoft.com/office/drawing/2014/main" id="{41152CC1-966B-D1C9-4EB3-AEEDCF3E833E}"/>
               </a:ext>
             </a:extLst>
           </p:cNvPr>
@@ -3904,7 +3943,7 @@
         </p:blipFill>
         <p:spPr bwMode="auto">
           <a:xfrm>
-            <a:off x="50799" y="3925954"/>
+            <a:off x="131232" y="1248004"/>
             <a:ext cx="7662333" cy="2430396"/>
           </a:xfrm>
           <a:prstGeom prst="rect">
@@ -3924,106 +3963,20 @@
       </p:pic>
       <p:sp>
         <p:nvSpPr>
-          <p:cNvPr id="5" name="TextBox 4">
-            <a:extLst>
-              <a:ext uri="{FF2B5EF4-FFF2-40B4-BE49-F238E27FC236}">
-                <a16:creationId xmlns:a16="http://schemas.microsoft.com/office/drawing/2014/main" id="{6836F1B4-9477-615A-7D80-C335C41CB426}"/>
-              </a:ext>
-            </a:extLst>
-          </p:cNvPr>
-          <p:cNvSpPr txBox="1"/>
+          <p:cNvPr id="8" name="Rectangle 7">
+            <a:extLst>
+              <a:ext uri="{FF2B5EF4-FFF2-40B4-BE49-F238E27FC236}">
+                <a16:creationId xmlns:a16="http://schemas.microsoft.com/office/drawing/2014/main" id="{C80888F7-7FF9-1DD3-582B-531D398E616C}"/>
+              </a:ext>
+            </a:extLst>
+          </p:cNvPr>
+          <p:cNvSpPr/>
           <p:nvPr/>
         </p:nvSpPr>
         <p:spPr>
           <a:xfrm>
-            <a:off x="7874001" y="4790639"/>
-            <a:ext cx="4470400" cy="369332"/>
-          </a:xfrm>
-          <a:prstGeom prst="rect">
-            <a:avLst/>
-          </a:prstGeom>
-          <a:noFill/>
-        </p:spPr>
-        <p:txBody>
-          <a:bodyPr wrap="square" rtlCol="0">
-            <a:spAutoFit/>
-          </a:bodyPr>
-          <a:lstStyle/>
-          <a:p>
-            <a:r>
-              <a:rPr lang="en-US" dirty="0" err="1"/>
-              <a:t>pNFH</a:t>
-            </a:r>
-            <a:r>
-              <a:rPr lang="en-US" dirty="0"/>
-              <a:t> option 2: b60v15</a:t>
-            </a:r>
-          </a:p>
-        </p:txBody>
-      </p:sp>
-      <p:pic>
-        <p:nvPicPr>
-          <p:cNvPr id="1030" name="Picture 6">
-            <a:extLst>
-              <a:ext uri="{FF2B5EF4-FFF2-40B4-BE49-F238E27FC236}">
-                <a16:creationId xmlns:a16="http://schemas.microsoft.com/office/drawing/2014/main" id="{66A960E0-0328-1A70-DBAB-B3CF201E3457}"/>
-              </a:ext>
-            </a:extLst>
-          </p:cNvPr>
-          <p:cNvPicPr>
-            <a:picLocks noChangeAspect="1" noChangeArrowheads="1"/>
-          </p:cNvPicPr>
-          <p:nvPr/>
-        </p:nvPicPr>
-        <p:blipFill>
-          <a:blip r:embed="rId3">
-            <a:extLst>
-              <a:ext uri="{28A0092B-C50C-407E-A947-70E740481C1C}">
-                <a14:useLocalDpi xmlns:a14="http://schemas.microsoft.com/office/drawing/2010/main" val="0"/>
-              </a:ext>
-            </a:extLst>
-          </a:blip>
-          <a:srcRect/>
-          <a:stretch>
-            <a:fillRect/>
-          </a:stretch>
-        </p:blipFill>
-        <p:spPr bwMode="auto">
-          <a:xfrm>
-            <a:off x="50799" y="1475886"/>
-            <a:ext cx="7662333" cy="2430396"/>
-          </a:xfrm>
-          <a:prstGeom prst="rect">
-            <a:avLst/>
-          </a:prstGeom>
-          <a:noFill/>
-          <a:extLst>
-            <a:ext uri="{909E8E84-426E-40DD-AFC4-6F175D3DCCD1}">
-              <a14:hiddenFill xmlns:a14="http://schemas.microsoft.com/office/drawing/2010/main">
-                <a:solidFill>
-                  <a:srgbClr val="FFFFFF"/>
-                </a:solidFill>
-              </a14:hiddenFill>
-            </a:ext>
-          </a:extLst>
-        </p:spPr>
-      </p:pic>
-      <p:sp>
-        <p:nvSpPr>
-          <p:cNvPr id="6" name="Rectangle 5">
-            <a:extLst>
-              <a:ext uri="{FF2B5EF4-FFF2-40B4-BE49-F238E27FC236}">
-                <a16:creationId xmlns:a16="http://schemas.microsoft.com/office/drawing/2014/main" id="{EE113ADF-F0CC-9D0B-D1FB-67A156FEC9C5}"/>
-              </a:ext>
-            </a:extLst>
-          </p:cNvPr>
-          <p:cNvSpPr/>
-          <p:nvPr/>
-        </p:nvSpPr>
-        <p:spPr>
-          <a:xfrm>
-            <a:off x="8771467" y="3428999"/>
-            <a:ext cx="2870200" cy="458463"/>
+            <a:off x="8410575" y="5953125"/>
+            <a:ext cx="2809875" cy="619125"/>
           </a:xfrm>
           <a:prstGeom prst="rect">
             <a:avLst/>
@@ -4052,56 +4005,7 @@
             <a:pPr algn="ctr"/>
             <a:r>
               <a:rPr lang="en-US" dirty="0"/>
-              <a:t>Waiting on additional pHD2</a:t>
-            </a:r>
-          </a:p>
-        </p:txBody>
-      </p:sp>
-      <p:sp>
-        <p:nvSpPr>
-          <p:cNvPr id="7" name="Rectangle 6">
-            <a:extLst>
-              <a:ext uri="{FF2B5EF4-FFF2-40B4-BE49-F238E27FC236}">
-                <a16:creationId xmlns:a16="http://schemas.microsoft.com/office/drawing/2014/main" id="{A88FC671-049A-7A7E-2412-0630254C38CB}"/>
-              </a:ext>
-            </a:extLst>
-          </p:cNvPr>
-          <p:cNvSpPr/>
-          <p:nvPr/>
-        </p:nvSpPr>
-        <p:spPr>
-          <a:xfrm>
-            <a:off x="8547100" y="5299697"/>
-            <a:ext cx="2870200" cy="458463"/>
-          </a:xfrm>
-          <a:prstGeom prst="rect">
-            <a:avLst/>
-          </a:prstGeom>
-        </p:spPr>
-        <p:style>
-          <a:lnRef idx="2">
-            <a:schemeClr val="accent1">
-              <a:shade val="15000"/>
-            </a:schemeClr>
-          </a:lnRef>
-          <a:fillRef idx="1">
-            <a:schemeClr val="accent1"/>
-          </a:fillRef>
-          <a:effectRef idx="0">
-            <a:schemeClr val="accent1"/>
-          </a:effectRef>
-          <a:fontRef idx="minor">
-            <a:schemeClr val="lt1"/>
-          </a:fontRef>
-        </p:style>
-        <p:txBody>
-          <a:bodyPr rtlCol="0" anchor="ctr"/>
-          <a:lstStyle/>
-          <a:p>
-            <a:pPr algn="ctr"/>
-            <a:r>
-              <a:rPr lang="en-US" dirty="0"/>
-              <a:t>Waiting on additional pH(D2) cs100</a:t>
+              <a:t>Waiting on pHPr040D2/10 only</a:t>
             </a:r>
           </a:p>
         </p:txBody>

--- a/202XXX NF Update.pptx
+++ b/202XXX NF Update.pptx
@@ -5,10 +5,10 @@
     <p:sldMasterId id="2147483684" r:id="rId1"/>
   </p:sldMasterIdLst>
   <p:notesMasterIdLst>
-    <p:notesMasterId r:id="rId7"/>
+    <p:notesMasterId r:id="rId10"/>
   </p:notesMasterIdLst>
   <p:handoutMasterIdLst>
-    <p:handoutMasterId r:id="rId8"/>
+    <p:handoutMasterId r:id="rId11"/>
   </p:handoutMasterIdLst>
   <p:sldIdLst>
     <p:sldId id="256" r:id="rId2"/>
@@ -16,6 +16,9 @@
     <p:sldId id="259" r:id="rId4"/>
     <p:sldId id="260" r:id="rId5"/>
     <p:sldId id="257" r:id="rId6"/>
+    <p:sldId id="261" r:id="rId7"/>
+    <p:sldId id="262" r:id="rId8"/>
+    <p:sldId id="263" r:id="rId9"/>
   </p:sldIdLst>
   <p:sldSz cx="12192000" cy="6858000"/>
   <p:notesSz cx="6858000" cy="9144000"/>
@@ -3928,7 +3931,7 @@
           </p:cNvPicPr>
           <p:nvPr/>
         </p:nvPicPr>
-        <p:blipFill>
+        <p:blipFill rotWithShape="1">
           <a:blip r:embed="rId2">
             <a:extLst>
               <a:ext uri="{28A0092B-C50C-407E-A947-70E740481C1C}">
@@ -3936,15 +3939,13 @@
               </a:ext>
             </a:extLst>
           </a:blip>
-          <a:srcRect/>
-          <a:stretch>
-            <a:fillRect/>
-          </a:stretch>
+          <a:srcRect l="67776"/>
+          <a:stretch/>
         </p:blipFill>
         <p:spPr bwMode="auto">
           <a:xfrm>
-            <a:off x="131232" y="1248004"/>
-            <a:ext cx="7662333" cy="2430396"/>
+            <a:off x="5324476" y="1149905"/>
+            <a:ext cx="2469089" cy="2430396"/>
           </a:xfrm>
           <a:prstGeom prst="rect">
             <a:avLst/>
@@ -4010,10 +4011,1506 @@
           </a:p>
         </p:txBody>
       </p:sp>
+      <p:pic>
+        <p:nvPicPr>
+          <p:cNvPr id="9" name="Picture 2">
+            <a:extLst>
+              <a:ext uri="{FF2B5EF4-FFF2-40B4-BE49-F238E27FC236}">
+                <a16:creationId xmlns:a16="http://schemas.microsoft.com/office/drawing/2014/main" id="{59C757AC-07CF-F64C-E6DF-BEA017341F1D}"/>
+              </a:ext>
+            </a:extLst>
+          </p:cNvPr>
+          <p:cNvPicPr>
+            <a:picLocks noChangeAspect="1" noChangeArrowheads="1"/>
+          </p:cNvPicPr>
+          <p:nvPr/>
+        </p:nvPicPr>
+        <p:blipFill rotWithShape="1">
+          <a:blip r:embed="rId2">
+            <a:extLst>
+              <a:ext uri="{28A0092B-C50C-407E-A947-70E740481C1C}">
+                <a14:useLocalDpi xmlns:a14="http://schemas.microsoft.com/office/drawing/2010/main" val="0"/>
+              </a:ext>
+            </a:extLst>
+          </a:blip>
+          <a:srcRect r="32224"/>
+          <a:stretch/>
+        </p:blipFill>
+        <p:spPr bwMode="auto">
+          <a:xfrm>
+            <a:off x="131232" y="2629129"/>
+            <a:ext cx="5193244" cy="2430396"/>
+          </a:xfrm>
+          <a:prstGeom prst="rect">
+            <a:avLst/>
+          </a:prstGeom>
+          <a:noFill/>
+          <a:extLst>
+            <a:ext uri="{909E8E84-426E-40DD-AFC4-6F175D3DCCD1}">
+              <a14:hiddenFill xmlns:a14="http://schemas.microsoft.com/office/drawing/2010/main">
+                <a:solidFill>
+                  <a:srgbClr val="FFFFFF"/>
+                </a:solidFill>
+              </a14:hiddenFill>
+            </a:ext>
+          </a:extLst>
+        </p:spPr>
+      </p:pic>
     </p:spTree>
     <p:extLst>
       <p:ext uri="{BB962C8B-B14F-4D97-AF65-F5344CB8AC3E}">
         <p14:creationId xmlns:p14="http://schemas.microsoft.com/office/powerpoint/2010/main" val="1943666839"/>
+      </p:ext>
+    </p:extLst>
+  </p:cSld>
+  <p:clrMapOvr>
+    <a:masterClrMapping/>
+  </p:clrMapOvr>
+</p:sld>
+</file>
+
+<file path=ppt/slides/slide6.xml><?xml version="1.0" encoding="utf-8"?>
+<p:sld xmlns:a="http://schemas.openxmlformats.org/drawingml/2006/main" xmlns:r="http://schemas.openxmlformats.org/officeDocument/2006/relationships" xmlns:p="http://schemas.openxmlformats.org/presentationml/2006/main">
+  <p:cSld>
+    <p:spTree>
+      <p:nvGrpSpPr>
+        <p:cNvPr id="1" name=""/>
+        <p:cNvGrpSpPr/>
+        <p:nvPr/>
+      </p:nvGrpSpPr>
+      <p:grpSpPr>
+        <a:xfrm>
+          <a:off x="0" y="0"/>
+          <a:ext cx="0" cy="0"/>
+          <a:chOff x="0" y="0"/>
+          <a:chExt cx="0" cy="0"/>
+        </a:xfrm>
+      </p:grpSpPr>
+      <p:sp>
+        <p:nvSpPr>
+          <p:cNvPr id="2" name="Title 1">
+            <a:extLst>
+              <a:ext uri="{FF2B5EF4-FFF2-40B4-BE49-F238E27FC236}">
+                <a16:creationId xmlns:a16="http://schemas.microsoft.com/office/drawing/2014/main" id="{23CDC1B1-E5BC-E498-0F62-109F6812D44E}"/>
+              </a:ext>
+            </a:extLst>
+          </p:cNvPr>
+          <p:cNvSpPr>
+            <a:spLocks noGrp="1"/>
+          </p:cNvSpPr>
+          <p:nvPr>
+            <p:ph type="title"/>
+          </p:nvPr>
+        </p:nvSpPr>
+        <p:spPr/>
+        <p:txBody>
+          <a:bodyPr/>
+          <a:lstStyle/>
+          <a:p>
+            <a:r>
+              <a:rPr lang="en-US" dirty="0"/>
+              <a:t>NFL</a:t>
+            </a:r>
+          </a:p>
+        </p:txBody>
+      </p:sp>
+      <p:sp>
+        <p:nvSpPr>
+          <p:cNvPr id="3" name="Slide Number Placeholder 2">
+            <a:extLst>
+              <a:ext uri="{FF2B5EF4-FFF2-40B4-BE49-F238E27FC236}">
+                <a16:creationId xmlns:a16="http://schemas.microsoft.com/office/drawing/2014/main" id="{BC52B724-F553-E9FB-1E36-6AE861F71B79}"/>
+              </a:ext>
+            </a:extLst>
+          </p:cNvPr>
+          <p:cNvSpPr>
+            <a:spLocks noGrp="1"/>
+          </p:cNvSpPr>
+          <p:nvPr>
+            <p:ph type="sldNum" sz="quarter" idx="12"/>
+          </p:nvPr>
+        </p:nvSpPr>
+        <p:spPr/>
+        <p:txBody>
+          <a:bodyPr/>
+          <a:lstStyle/>
+          <a:p>
+            <a:fld id="{B40DB54C-0C58-4481-B5FF-5C3F14CFF9B3}" type="slidenum">
+              <a:rPr lang="en-US" smtClean="0"/>
+              <a:t>6</a:t>
+            </a:fld>
+            <a:endParaRPr lang="en-US"/>
+          </a:p>
+        </p:txBody>
+      </p:sp>
+      <p:pic>
+        <p:nvPicPr>
+          <p:cNvPr id="8" name="Picture 4">
+            <a:extLst>
+              <a:ext uri="{FF2B5EF4-FFF2-40B4-BE49-F238E27FC236}">
+                <a16:creationId xmlns:a16="http://schemas.microsoft.com/office/drawing/2014/main" id="{607496E3-9CAB-26A8-FBFB-CFFB38AB2809}"/>
+              </a:ext>
+            </a:extLst>
+          </p:cNvPr>
+          <p:cNvPicPr>
+            <a:picLocks noChangeAspect="1" noChangeArrowheads="1"/>
+          </p:cNvPicPr>
+          <p:nvPr/>
+        </p:nvPicPr>
+        <p:blipFill>
+          <a:blip r:embed="rId2">
+            <a:extLst>
+              <a:ext uri="{28A0092B-C50C-407E-A947-70E740481C1C}">
+                <a14:useLocalDpi xmlns:a14="http://schemas.microsoft.com/office/drawing/2010/main" val="0"/>
+              </a:ext>
+            </a:extLst>
+          </a:blip>
+          <a:srcRect/>
+          <a:stretch>
+            <a:fillRect/>
+          </a:stretch>
+        </p:blipFill>
+        <p:spPr bwMode="auto">
+          <a:xfrm>
+            <a:off x="539003" y="2043306"/>
+            <a:ext cx="4435068" cy="3206390"/>
+          </a:xfrm>
+          <a:prstGeom prst="rect">
+            <a:avLst/>
+          </a:prstGeom>
+          <a:noFill/>
+          <a:extLst>
+            <a:ext uri="{909E8E84-426E-40DD-AFC4-6F175D3DCCD1}">
+              <a14:hiddenFill xmlns:a14="http://schemas.microsoft.com/office/drawing/2010/main">
+                <a:solidFill>
+                  <a:srgbClr val="FFFFFF"/>
+                </a:solidFill>
+              </a14:hiddenFill>
+            </a:ext>
+          </a:extLst>
+        </p:spPr>
+      </p:pic>
+      <p:sp>
+        <p:nvSpPr>
+          <p:cNvPr id="13" name="Content Placeholder 2">
+            <a:extLst>
+              <a:ext uri="{FF2B5EF4-FFF2-40B4-BE49-F238E27FC236}">
+                <a16:creationId xmlns:a16="http://schemas.microsoft.com/office/drawing/2014/main" id="{5299220D-6608-9E79-778B-F308954F095E}"/>
+              </a:ext>
+            </a:extLst>
+          </p:cNvPr>
+          <p:cNvSpPr txBox="1">
+            <a:spLocks/>
+          </p:cNvSpPr>
+          <p:nvPr/>
+        </p:nvSpPr>
+        <p:spPr>
+          <a:xfrm>
+            <a:off x="838200" y="1081157"/>
+            <a:ext cx="10515600" cy="5109249"/>
+          </a:xfrm>
+          <a:prstGeom prst="rect">
+            <a:avLst/>
+          </a:prstGeom>
+        </p:spPr>
+        <p:txBody>
+          <a:bodyPr/>
+          <a:lstStyle>
+            <a:lvl1pPr marL="228600" indent="-228600" algn="l" defTabSz="914400" rtl="0" eaLnBrk="1" latinLnBrk="0" hangingPunct="1">
+              <a:lnSpc>
+                <a:spcPct val="100000"/>
+              </a:lnSpc>
+              <a:spcBef>
+                <a:spcPts val="1000"/>
+              </a:spcBef>
+              <a:spcAft>
+                <a:spcPts val="1200"/>
+              </a:spcAft>
+              <a:buFont typeface="Arial" panose="020B0604020202020204" pitchFamily="34" charset="0"/>
+              <a:buChar char="•"/>
+              <a:defRPr sz="2400" kern="1200">
+                <a:solidFill>
+                  <a:schemeClr val="tx1"/>
+                </a:solidFill>
+                <a:latin typeface="Lucida Grande" pitchFamily="2" charset="0"/>
+                <a:ea typeface="Lucida Grande" pitchFamily="2" charset="0"/>
+                <a:cs typeface="Lucida Grande" pitchFamily="2" charset="0"/>
+              </a:defRPr>
+            </a:lvl1pPr>
+            <a:lvl2pPr marL="685800" indent="-228600" algn="l" defTabSz="914400" rtl="0" eaLnBrk="1" latinLnBrk="0" hangingPunct="1">
+              <a:lnSpc>
+                <a:spcPct val="100000"/>
+              </a:lnSpc>
+              <a:spcBef>
+                <a:spcPts val="500"/>
+              </a:spcBef>
+              <a:spcAft>
+                <a:spcPts val="1200"/>
+              </a:spcAft>
+              <a:buFont typeface="Arial" panose="020B0604020202020204" pitchFamily="34" charset="0"/>
+              <a:buChar char="•"/>
+              <a:defRPr sz="2000" kern="1200">
+                <a:solidFill>
+                  <a:schemeClr val="tx1"/>
+                </a:solidFill>
+                <a:latin typeface="Lucida Grande" pitchFamily="2" charset="0"/>
+                <a:ea typeface="Lucida Grande" pitchFamily="2" charset="0"/>
+                <a:cs typeface="Lucida Grande" pitchFamily="2" charset="0"/>
+              </a:defRPr>
+            </a:lvl2pPr>
+            <a:lvl3pPr marL="1143000" indent="-228600" algn="l" defTabSz="914400" rtl="0" eaLnBrk="1" latinLnBrk="0" hangingPunct="1">
+              <a:lnSpc>
+                <a:spcPct val="100000"/>
+              </a:lnSpc>
+              <a:spcBef>
+                <a:spcPts val="500"/>
+              </a:spcBef>
+              <a:spcAft>
+                <a:spcPts val="1200"/>
+              </a:spcAft>
+              <a:buFont typeface="Arial" panose="020B0604020202020204" pitchFamily="34" charset="0"/>
+              <a:buChar char="•"/>
+              <a:defRPr sz="1800" kern="1200">
+                <a:solidFill>
+                  <a:schemeClr val="tx1"/>
+                </a:solidFill>
+                <a:latin typeface="Lucida Grande" pitchFamily="2" charset="0"/>
+                <a:ea typeface="Lucida Grande" pitchFamily="2" charset="0"/>
+                <a:cs typeface="Lucida Grande" pitchFamily="2" charset="0"/>
+              </a:defRPr>
+            </a:lvl3pPr>
+            <a:lvl4pPr marL="1600200" indent="-228600" algn="l" defTabSz="914400" rtl="0" eaLnBrk="1" latinLnBrk="0" hangingPunct="1">
+              <a:lnSpc>
+                <a:spcPct val="100000"/>
+              </a:lnSpc>
+              <a:spcBef>
+                <a:spcPts val="500"/>
+              </a:spcBef>
+              <a:spcAft>
+                <a:spcPts val="1200"/>
+              </a:spcAft>
+              <a:buFont typeface="Arial" panose="020B0604020202020204" pitchFamily="34" charset="0"/>
+              <a:buChar char="•"/>
+              <a:defRPr sz="1600" kern="1200">
+                <a:solidFill>
+                  <a:schemeClr val="tx1"/>
+                </a:solidFill>
+                <a:latin typeface="Lucida Grande" pitchFamily="2" charset="0"/>
+                <a:ea typeface="Lucida Grande" pitchFamily="2" charset="0"/>
+                <a:cs typeface="Lucida Grande" pitchFamily="2" charset="0"/>
+              </a:defRPr>
+            </a:lvl4pPr>
+            <a:lvl5pPr marL="2057400" indent="-228600" algn="l" defTabSz="914400" rtl="0" eaLnBrk="1" latinLnBrk="0" hangingPunct="1">
+              <a:lnSpc>
+                <a:spcPct val="100000"/>
+              </a:lnSpc>
+              <a:spcBef>
+                <a:spcPts val="500"/>
+              </a:spcBef>
+              <a:spcAft>
+                <a:spcPts val="1200"/>
+              </a:spcAft>
+              <a:buFont typeface="Arial" panose="020B0604020202020204" pitchFamily="34" charset="0"/>
+              <a:buChar char="•"/>
+              <a:defRPr sz="1600" kern="1200">
+                <a:solidFill>
+                  <a:schemeClr val="tx1"/>
+                </a:solidFill>
+                <a:latin typeface="Lucida Grande" pitchFamily="2" charset="0"/>
+                <a:ea typeface="Lucida Grande" pitchFamily="2" charset="0"/>
+                <a:cs typeface="Lucida Grande" pitchFamily="2" charset="0"/>
+              </a:defRPr>
+            </a:lvl5pPr>
+            <a:lvl6pPr marL="2514600" indent="-228600" algn="l" defTabSz="914400" rtl="0" eaLnBrk="1" latinLnBrk="0" hangingPunct="1">
+              <a:lnSpc>
+                <a:spcPct val="90000"/>
+              </a:lnSpc>
+              <a:spcBef>
+                <a:spcPts val="500"/>
+              </a:spcBef>
+              <a:buFont typeface="Arial" panose="020B0604020202020204" pitchFamily="34" charset="0"/>
+              <a:buChar char="•"/>
+              <a:defRPr sz="1800" kern="1200">
+                <a:solidFill>
+                  <a:schemeClr val="tx1"/>
+                </a:solidFill>
+                <a:latin typeface="+mn-lt"/>
+                <a:ea typeface="+mn-ea"/>
+                <a:cs typeface="+mn-cs"/>
+              </a:defRPr>
+            </a:lvl6pPr>
+            <a:lvl7pPr marL="2971800" indent="-228600" algn="l" defTabSz="914400" rtl="0" eaLnBrk="1" latinLnBrk="0" hangingPunct="1">
+              <a:lnSpc>
+                <a:spcPct val="90000"/>
+              </a:lnSpc>
+              <a:spcBef>
+                <a:spcPts val="500"/>
+              </a:spcBef>
+              <a:buFont typeface="Arial" panose="020B0604020202020204" pitchFamily="34" charset="0"/>
+              <a:buChar char="•"/>
+              <a:defRPr sz="1800" kern="1200">
+                <a:solidFill>
+                  <a:schemeClr val="tx1"/>
+                </a:solidFill>
+                <a:latin typeface="+mn-lt"/>
+                <a:ea typeface="+mn-ea"/>
+                <a:cs typeface="+mn-cs"/>
+              </a:defRPr>
+            </a:lvl7pPr>
+            <a:lvl8pPr marL="3429000" indent="-228600" algn="l" defTabSz="914400" rtl="0" eaLnBrk="1" latinLnBrk="0" hangingPunct="1">
+              <a:lnSpc>
+                <a:spcPct val="90000"/>
+              </a:lnSpc>
+              <a:spcBef>
+                <a:spcPts val="500"/>
+              </a:spcBef>
+              <a:buFont typeface="Arial" panose="020B0604020202020204" pitchFamily="34" charset="0"/>
+              <a:buChar char="•"/>
+              <a:defRPr sz="1800" kern="1200">
+                <a:solidFill>
+                  <a:schemeClr val="tx1"/>
+                </a:solidFill>
+                <a:latin typeface="+mn-lt"/>
+                <a:ea typeface="+mn-ea"/>
+                <a:cs typeface="+mn-cs"/>
+              </a:defRPr>
+            </a:lvl8pPr>
+            <a:lvl9pPr marL="3886200" indent="-228600" algn="l" defTabSz="914400" rtl="0" eaLnBrk="1" latinLnBrk="0" hangingPunct="1">
+              <a:lnSpc>
+                <a:spcPct val="90000"/>
+              </a:lnSpc>
+              <a:spcBef>
+                <a:spcPts val="500"/>
+              </a:spcBef>
+              <a:buFont typeface="Arial" panose="020B0604020202020204" pitchFamily="34" charset="0"/>
+              <a:buChar char="•"/>
+              <a:defRPr sz="1800" kern="1200">
+                <a:solidFill>
+                  <a:schemeClr val="tx1"/>
+                </a:solidFill>
+                <a:latin typeface="+mn-lt"/>
+                <a:ea typeface="+mn-ea"/>
+                <a:cs typeface="+mn-cs"/>
+              </a:defRPr>
+            </a:lvl9pPr>
+          </a:lstStyle>
+          <a:p>
+            <a:r>
+              <a:rPr lang="en-US" dirty="0"/>
+              <a:t>Notes</a:t>
+            </a:r>
+          </a:p>
+        </p:txBody>
+      </p:sp>
+    </p:spTree>
+    <p:extLst>
+      <p:ext uri="{BB962C8B-B14F-4D97-AF65-F5344CB8AC3E}">
+        <p14:creationId xmlns:p14="http://schemas.microsoft.com/office/powerpoint/2010/main" val="236437119"/>
+      </p:ext>
+    </p:extLst>
+  </p:cSld>
+  <p:clrMapOvr>
+    <a:masterClrMapping/>
+  </p:clrMapOvr>
+</p:sld>
+</file>
+
+<file path=ppt/slides/slide7.xml><?xml version="1.0" encoding="utf-8"?>
+<p:sld xmlns:a="http://schemas.openxmlformats.org/drawingml/2006/main" xmlns:r="http://schemas.openxmlformats.org/officeDocument/2006/relationships" xmlns:p="http://schemas.openxmlformats.org/presentationml/2006/main">
+  <p:cSld>
+    <p:spTree>
+      <p:nvGrpSpPr>
+        <p:cNvPr id="1" name=""/>
+        <p:cNvGrpSpPr/>
+        <p:nvPr/>
+      </p:nvGrpSpPr>
+      <p:grpSpPr>
+        <a:xfrm>
+          <a:off x="0" y="0"/>
+          <a:ext cx="0" cy="0"/>
+          <a:chOff x="0" y="0"/>
+          <a:chExt cx="0" cy="0"/>
+        </a:xfrm>
+      </p:grpSpPr>
+      <p:sp>
+        <p:nvSpPr>
+          <p:cNvPr id="2" name="Title 1">
+            <a:extLst>
+              <a:ext uri="{FF2B5EF4-FFF2-40B4-BE49-F238E27FC236}">
+                <a16:creationId xmlns:a16="http://schemas.microsoft.com/office/drawing/2014/main" id="{4B66B44A-D7F2-4931-D8A0-B05F7297657C}"/>
+              </a:ext>
+            </a:extLst>
+          </p:cNvPr>
+          <p:cNvSpPr>
+            <a:spLocks noGrp="1"/>
+          </p:cNvSpPr>
+          <p:nvPr>
+            <p:ph type="title"/>
+          </p:nvPr>
+        </p:nvSpPr>
+        <p:spPr/>
+        <p:txBody>
+          <a:bodyPr/>
+          <a:lstStyle/>
+          <a:p>
+            <a:r>
+              <a:rPr lang="en-US" dirty="0"/>
+              <a:t>NFM</a:t>
+            </a:r>
+          </a:p>
+        </p:txBody>
+      </p:sp>
+      <p:sp>
+        <p:nvSpPr>
+          <p:cNvPr id="3" name="Slide Number Placeholder 2">
+            <a:extLst>
+              <a:ext uri="{FF2B5EF4-FFF2-40B4-BE49-F238E27FC236}">
+                <a16:creationId xmlns:a16="http://schemas.microsoft.com/office/drawing/2014/main" id="{A52B2DB3-22ED-D27D-809C-CEE2D613B5BD}"/>
+              </a:ext>
+            </a:extLst>
+          </p:cNvPr>
+          <p:cNvSpPr>
+            <a:spLocks noGrp="1"/>
+          </p:cNvSpPr>
+          <p:nvPr>
+            <p:ph type="sldNum" sz="quarter" idx="12"/>
+          </p:nvPr>
+        </p:nvSpPr>
+        <p:spPr/>
+        <p:txBody>
+          <a:bodyPr/>
+          <a:lstStyle/>
+          <a:p>
+            <a:fld id="{B40DB54C-0C58-4481-B5FF-5C3F14CFF9B3}" type="slidenum">
+              <a:rPr lang="en-US" smtClean="0"/>
+              <a:t>7</a:t>
+            </a:fld>
+            <a:endParaRPr lang="en-US"/>
+          </a:p>
+        </p:txBody>
+      </p:sp>
+      <p:pic>
+        <p:nvPicPr>
+          <p:cNvPr id="5" name="Picture 2">
+            <a:extLst>
+              <a:ext uri="{FF2B5EF4-FFF2-40B4-BE49-F238E27FC236}">
+                <a16:creationId xmlns:a16="http://schemas.microsoft.com/office/drawing/2014/main" id="{EB462CC9-CDE1-3B78-13F6-1ED0154C5BE6}"/>
+              </a:ext>
+            </a:extLst>
+          </p:cNvPr>
+          <p:cNvPicPr>
+            <a:picLocks noChangeAspect="1" noChangeArrowheads="1"/>
+          </p:cNvPicPr>
+          <p:nvPr/>
+        </p:nvPicPr>
+        <p:blipFill>
+          <a:blip r:embed="rId2">
+            <a:extLst>
+              <a:ext uri="{28A0092B-C50C-407E-A947-70E740481C1C}">
+                <a14:useLocalDpi xmlns:a14="http://schemas.microsoft.com/office/drawing/2010/main" val="0"/>
+              </a:ext>
+            </a:extLst>
+          </a:blip>
+          <a:srcRect/>
+          <a:stretch>
+            <a:fillRect/>
+          </a:stretch>
+        </p:blipFill>
+        <p:spPr bwMode="auto">
+          <a:xfrm>
+            <a:off x="330169" y="2644474"/>
+            <a:ext cx="3618658" cy="2616156"/>
+          </a:xfrm>
+          <a:prstGeom prst="rect">
+            <a:avLst/>
+          </a:prstGeom>
+          <a:noFill/>
+          <a:extLst>
+            <a:ext uri="{909E8E84-426E-40DD-AFC4-6F175D3DCCD1}">
+              <a14:hiddenFill xmlns:a14="http://schemas.microsoft.com/office/drawing/2010/main">
+                <a:solidFill>
+                  <a:srgbClr val="FFFFFF"/>
+                </a:solidFill>
+              </a14:hiddenFill>
+            </a:ext>
+          </a:extLst>
+        </p:spPr>
+      </p:pic>
+      <p:pic>
+        <p:nvPicPr>
+          <p:cNvPr id="13" name="Picture 22">
+            <a:extLst>
+              <a:ext uri="{FF2B5EF4-FFF2-40B4-BE49-F238E27FC236}">
+                <a16:creationId xmlns:a16="http://schemas.microsoft.com/office/drawing/2014/main" id="{3C53175C-7FB5-9EDD-E72E-6D26B4230C99}"/>
+              </a:ext>
+            </a:extLst>
+          </p:cNvPr>
+          <p:cNvPicPr>
+            <a:picLocks noChangeAspect="1" noChangeArrowheads="1"/>
+          </p:cNvPicPr>
+          <p:nvPr/>
+        </p:nvPicPr>
+        <p:blipFill>
+          <a:blip r:embed="rId3">
+            <a:extLst>
+              <a:ext uri="{28A0092B-C50C-407E-A947-70E740481C1C}">
+                <a14:useLocalDpi xmlns:a14="http://schemas.microsoft.com/office/drawing/2010/main" val="0"/>
+              </a:ext>
+            </a:extLst>
+          </a:blip>
+          <a:srcRect/>
+          <a:stretch>
+            <a:fillRect/>
+          </a:stretch>
+        </p:blipFill>
+        <p:spPr bwMode="auto">
+          <a:xfrm>
+            <a:off x="4496998" y="2539840"/>
+            <a:ext cx="3655203" cy="2720790"/>
+          </a:xfrm>
+          <a:prstGeom prst="rect">
+            <a:avLst/>
+          </a:prstGeom>
+          <a:noFill/>
+          <a:extLst>
+            <a:ext uri="{909E8E84-426E-40DD-AFC4-6F175D3DCCD1}">
+              <a14:hiddenFill xmlns:a14="http://schemas.microsoft.com/office/drawing/2010/main">
+                <a:solidFill>
+                  <a:srgbClr val="FFFFFF"/>
+                </a:solidFill>
+              </a14:hiddenFill>
+            </a:ext>
+          </a:extLst>
+        </p:spPr>
+      </p:pic>
+      <p:grpSp>
+        <p:nvGrpSpPr>
+          <p:cNvPr id="14" name="Group 13">
+            <a:extLst>
+              <a:ext uri="{FF2B5EF4-FFF2-40B4-BE49-F238E27FC236}">
+                <a16:creationId xmlns:a16="http://schemas.microsoft.com/office/drawing/2014/main" id="{EB6DE422-F25E-FB4B-DD3B-85E13D8DE93B}"/>
+              </a:ext>
+            </a:extLst>
+          </p:cNvPr>
+          <p:cNvGrpSpPr/>
+          <p:nvPr/>
+        </p:nvGrpSpPr>
+        <p:grpSpPr>
+          <a:xfrm>
+            <a:off x="8281986" y="1442575"/>
+            <a:ext cx="3109914" cy="2403798"/>
+            <a:chOff x="5369752" y="142807"/>
+            <a:chExt cx="3109914" cy="2403798"/>
+          </a:xfrm>
+        </p:grpSpPr>
+        <p:pic>
+          <p:nvPicPr>
+            <p:cNvPr id="15" name="Picture 8">
+              <a:extLst>
+                <a:ext uri="{FF2B5EF4-FFF2-40B4-BE49-F238E27FC236}">
+                  <a16:creationId xmlns:a16="http://schemas.microsoft.com/office/drawing/2014/main" id="{2D921732-F8ED-3F86-C573-84BA13342A5E}"/>
+                </a:ext>
+              </a:extLst>
+            </p:cNvPr>
+            <p:cNvPicPr>
+              <a:picLocks noChangeAspect="1" noChangeArrowheads="1"/>
+            </p:cNvPicPr>
+            <p:nvPr/>
+          </p:nvPicPr>
+          <p:blipFill>
+            <a:blip r:embed="rId4">
+              <a:extLst>
+                <a:ext uri="{28A0092B-C50C-407E-A947-70E740481C1C}">
+                  <a14:useLocalDpi xmlns:a14="http://schemas.microsoft.com/office/drawing/2010/main" val="0"/>
+                </a:ext>
+              </a:extLst>
+            </a:blip>
+            <a:srcRect/>
+            <a:stretch>
+              <a:fillRect/>
+            </a:stretch>
+          </p:blipFill>
+          <p:spPr bwMode="auto">
+            <a:xfrm>
+              <a:off x="5369752" y="142807"/>
+              <a:ext cx="3109914" cy="2403798"/>
+            </a:xfrm>
+            <a:prstGeom prst="rect">
+              <a:avLst/>
+            </a:prstGeom>
+            <a:noFill/>
+            <a:extLst>
+              <a:ext uri="{909E8E84-426E-40DD-AFC4-6F175D3DCCD1}">
+                <a14:hiddenFill xmlns:a14="http://schemas.microsoft.com/office/drawing/2010/main">
+                  <a:solidFill>
+                    <a:srgbClr val="FFFFFF"/>
+                  </a:solidFill>
+                </a14:hiddenFill>
+              </a:ext>
+            </a:extLst>
+          </p:spPr>
+        </p:pic>
+        <p:sp>
+          <p:nvSpPr>
+            <p:cNvPr id="16" name="TextBox 15">
+              <a:extLst>
+                <a:ext uri="{FF2B5EF4-FFF2-40B4-BE49-F238E27FC236}">
+                  <a16:creationId xmlns:a16="http://schemas.microsoft.com/office/drawing/2014/main" id="{13EAB834-7233-1363-D314-D5CC21955409}"/>
+                </a:ext>
+              </a:extLst>
+            </p:cNvPr>
+            <p:cNvSpPr txBox="1"/>
+            <p:nvPr/>
+          </p:nvSpPr>
+          <p:spPr>
+            <a:xfrm>
+              <a:off x="6417782" y="390593"/>
+              <a:ext cx="301686" cy="369332"/>
+            </a:xfrm>
+            <a:prstGeom prst="rect">
+              <a:avLst/>
+            </a:prstGeom>
+            <a:noFill/>
+          </p:spPr>
+          <p:txBody>
+            <a:bodyPr wrap="none" rtlCol="0">
+              <a:spAutoFit/>
+            </a:bodyPr>
+            <a:lstStyle/>
+            <a:p>
+              <a:r>
+                <a:rPr lang="en-US" dirty="0">
+                  <a:solidFill>
+                    <a:srgbClr val="C00000"/>
+                  </a:solidFill>
+                </a:rPr>
+                <a:t>3</a:t>
+              </a:r>
+            </a:p>
+          </p:txBody>
+        </p:sp>
+      </p:grpSp>
+      <p:grpSp>
+        <p:nvGrpSpPr>
+          <p:cNvPr id="17" name="Group 16">
+            <a:extLst>
+              <a:ext uri="{FF2B5EF4-FFF2-40B4-BE49-F238E27FC236}">
+                <a16:creationId xmlns:a16="http://schemas.microsoft.com/office/drawing/2014/main" id="{326865A0-BF77-206F-F667-E927C15D875A}"/>
+              </a:ext>
+            </a:extLst>
+          </p:cNvPr>
+          <p:cNvGrpSpPr/>
+          <p:nvPr/>
+        </p:nvGrpSpPr>
+        <p:grpSpPr>
+          <a:xfrm>
+            <a:off x="8368188" y="3966092"/>
+            <a:ext cx="2937510" cy="2270539"/>
+            <a:chOff x="3674846" y="4320986"/>
+            <a:chExt cx="2937510" cy="2270539"/>
+          </a:xfrm>
+        </p:grpSpPr>
+        <p:pic>
+          <p:nvPicPr>
+            <p:cNvPr id="18" name="Picture 14">
+              <a:extLst>
+                <a:ext uri="{FF2B5EF4-FFF2-40B4-BE49-F238E27FC236}">
+                  <a16:creationId xmlns:a16="http://schemas.microsoft.com/office/drawing/2014/main" id="{246952E5-18AC-C108-AF28-D56C2ED291FD}"/>
+                </a:ext>
+              </a:extLst>
+            </p:cNvPr>
+            <p:cNvPicPr>
+              <a:picLocks noChangeAspect="1" noChangeArrowheads="1"/>
+            </p:cNvPicPr>
+            <p:nvPr/>
+          </p:nvPicPr>
+          <p:blipFill>
+            <a:blip r:embed="rId5">
+              <a:extLst>
+                <a:ext uri="{28A0092B-C50C-407E-A947-70E740481C1C}">
+                  <a14:useLocalDpi xmlns:a14="http://schemas.microsoft.com/office/drawing/2010/main" val="0"/>
+                </a:ext>
+              </a:extLst>
+            </a:blip>
+            <a:srcRect/>
+            <a:stretch>
+              <a:fillRect/>
+            </a:stretch>
+          </p:blipFill>
+          <p:spPr bwMode="auto">
+            <a:xfrm>
+              <a:off x="3674846" y="4320986"/>
+              <a:ext cx="2937510" cy="2270539"/>
+            </a:xfrm>
+            <a:prstGeom prst="rect">
+              <a:avLst/>
+            </a:prstGeom>
+            <a:noFill/>
+            <a:extLst>
+              <a:ext uri="{909E8E84-426E-40DD-AFC4-6F175D3DCCD1}">
+                <a14:hiddenFill xmlns:a14="http://schemas.microsoft.com/office/drawing/2010/main">
+                  <a:solidFill>
+                    <a:srgbClr val="FFFFFF"/>
+                  </a:solidFill>
+                </a14:hiddenFill>
+              </a:ext>
+            </a:extLst>
+          </p:spPr>
+        </p:pic>
+        <p:sp>
+          <p:nvSpPr>
+            <p:cNvPr id="19" name="TextBox 18">
+              <a:extLst>
+                <a:ext uri="{FF2B5EF4-FFF2-40B4-BE49-F238E27FC236}">
+                  <a16:creationId xmlns:a16="http://schemas.microsoft.com/office/drawing/2014/main" id="{32C4B485-B6A5-9EBB-1632-5A4126F1E302}"/>
+                </a:ext>
+              </a:extLst>
+            </p:cNvPr>
+            <p:cNvSpPr txBox="1"/>
+            <p:nvPr/>
+          </p:nvSpPr>
+          <p:spPr>
+            <a:xfrm>
+              <a:off x="4794397" y="4469521"/>
+              <a:ext cx="301686" cy="369332"/>
+            </a:xfrm>
+            <a:prstGeom prst="rect">
+              <a:avLst/>
+            </a:prstGeom>
+            <a:noFill/>
+          </p:spPr>
+          <p:txBody>
+            <a:bodyPr wrap="none" rtlCol="0">
+              <a:spAutoFit/>
+            </a:bodyPr>
+            <a:lstStyle/>
+            <a:p>
+              <a:r>
+                <a:rPr lang="en-US" dirty="0">
+                  <a:solidFill>
+                    <a:srgbClr val="C00000"/>
+                  </a:solidFill>
+                </a:rPr>
+                <a:t>7</a:t>
+              </a:r>
+            </a:p>
+          </p:txBody>
+        </p:sp>
+      </p:grpSp>
+      <p:cxnSp>
+        <p:nvCxnSpPr>
+          <p:cNvPr id="21" name="Straight Arrow Connector 20">
+            <a:extLst>
+              <a:ext uri="{FF2B5EF4-FFF2-40B4-BE49-F238E27FC236}">
+                <a16:creationId xmlns:a16="http://schemas.microsoft.com/office/drawing/2014/main" id="{DA39E220-560B-0889-2559-61A33D16D2DD}"/>
+              </a:ext>
+            </a:extLst>
+          </p:cNvPr>
+          <p:cNvCxnSpPr>
+            <a:cxnSpLocks/>
+          </p:cNvCxnSpPr>
+          <p:nvPr/>
+        </p:nvCxnSpPr>
+        <p:spPr>
+          <a:xfrm>
+            <a:off x="6724650" y="4078916"/>
+            <a:ext cx="2605366" cy="197809"/>
+          </a:xfrm>
+          <a:prstGeom prst="straightConnector1">
+            <a:avLst/>
+          </a:prstGeom>
+          <a:ln w="19050">
+            <a:solidFill>
+              <a:srgbClr val="C00000"/>
+            </a:solidFill>
+            <a:tailEnd type="triangle"/>
+          </a:ln>
+        </p:spPr>
+        <p:style>
+          <a:lnRef idx="1">
+            <a:schemeClr val="accent1"/>
+          </a:lnRef>
+          <a:fillRef idx="0">
+            <a:schemeClr val="accent1"/>
+          </a:fillRef>
+          <a:effectRef idx="0">
+            <a:schemeClr val="accent1"/>
+          </a:effectRef>
+          <a:fontRef idx="minor">
+            <a:schemeClr val="tx1"/>
+          </a:fontRef>
+        </p:style>
+      </p:cxnSp>
+      <p:cxnSp>
+        <p:nvCxnSpPr>
+          <p:cNvPr id="23" name="Straight Arrow Connector 22">
+            <a:extLst>
+              <a:ext uri="{FF2B5EF4-FFF2-40B4-BE49-F238E27FC236}">
+                <a16:creationId xmlns:a16="http://schemas.microsoft.com/office/drawing/2014/main" id="{2955DE1A-A487-C6E6-1478-67F8A823BADE}"/>
+              </a:ext>
+            </a:extLst>
+          </p:cNvPr>
+          <p:cNvCxnSpPr>
+            <a:cxnSpLocks/>
+          </p:cNvCxnSpPr>
+          <p:nvPr/>
+        </p:nvCxnSpPr>
+        <p:spPr>
+          <a:xfrm flipV="1">
+            <a:off x="5768466" y="1971675"/>
+            <a:ext cx="3442209" cy="2107241"/>
+          </a:xfrm>
+          <a:prstGeom prst="straightConnector1">
+            <a:avLst/>
+          </a:prstGeom>
+          <a:ln w="19050">
+            <a:solidFill>
+              <a:srgbClr val="C00000"/>
+            </a:solidFill>
+            <a:tailEnd type="triangle"/>
+          </a:ln>
+        </p:spPr>
+        <p:style>
+          <a:lnRef idx="1">
+            <a:schemeClr val="accent1"/>
+          </a:lnRef>
+          <a:fillRef idx="0">
+            <a:schemeClr val="accent1"/>
+          </a:fillRef>
+          <a:effectRef idx="0">
+            <a:schemeClr val="accent1"/>
+          </a:effectRef>
+          <a:fontRef idx="minor">
+            <a:schemeClr val="tx1"/>
+          </a:fontRef>
+        </p:style>
+      </p:cxnSp>
+      <p:sp>
+        <p:nvSpPr>
+          <p:cNvPr id="28" name="Content Placeholder 2">
+            <a:extLst>
+              <a:ext uri="{FF2B5EF4-FFF2-40B4-BE49-F238E27FC236}">
+                <a16:creationId xmlns:a16="http://schemas.microsoft.com/office/drawing/2014/main" id="{1D5ED385-FDA4-7883-A6E7-C61E86BE1B5A}"/>
+              </a:ext>
+            </a:extLst>
+          </p:cNvPr>
+          <p:cNvSpPr txBox="1">
+            <a:spLocks/>
+          </p:cNvSpPr>
+          <p:nvPr/>
+        </p:nvSpPr>
+        <p:spPr>
+          <a:xfrm>
+            <a:off x="838200" y="1081157"/>
+            <a:ext cx="10515600" cy="5109249"/>
+          </a:xfrm>
+          <a:prstGeom prst="rect">
+            <a:avLst/>
+          </a:prstGeom>
+        </p:spPr>
+        <p:txBody>
+          <a:bodyPr/>
+          <a:lstStyle>
+            <a:lvl1pPr marL="228600" indent="-228600" algn="l" defTabSz="914400" rtl="0" eaLnBrk="1" latinLnBrk="0" hangingPunct="1">
+              <a:lnSpc>
+                <a:spcPct val="100000"/>
+              </a:lnSpc>
+              <a:spcBef>
+                <a:spcPts val="1000"/>
+              </a:spcBef>
+              <a:spcAft>
+                <a:spcPts val="1200"/>
+              </a:spcAft>
+              <a:buFont typeface="Arial" panose="020B0604020202020204" pitchFamily="34" charset="0"/>
+              <a:buChar char="•"/>
+              <a:defRPr sz="2400" kern="1200">
+                <a:solidFill>
+                  <a:schemeClr val="tx1"/>
+                </a:solidFill>
+                <a:latin typeface="Lucida Grande" pitchFamily="2" charset="0"/>
+                <a:ea typeface="Lucida Grande" pitchFamily="2" charset="0"/>
+                <a:cs typeface="Lucida Grande" pitchFamily="2" charset="0"/>
+              </a:defRPr>
+            </a:lvl1pPr>
+            <a:lvl2pPr marL="685800" indent="-228600" algn="l" defTabSz="914400" rtl="0" eaLnBrk="1" latinLnBrk="0" hangingPunct="1">
+              <a:lnSpc>
+                <a:spcPct val="100000"/>
+              </a:lnSpc>
+              <a:spcBef>
+                <a:spcPts val="500"/>
+              </a:spcBef>
+              <a:spcAft>
+                <a:spcPts val="1200"/>
+              </a:spcAft>
+              <a:buFont typeface="Arial" panose="020B0604020202020204" pitchFamily="34" charset="0"/>
+              <a:buChar char="•"/>
+              <a:defRPr sz="2000" kern="1200">
+                <a:solidFill>
+                  <a:schemeClr val="tx1"/>
+                </a:solidFill>
+                <a:latin typeface="Lucida Grande" pitchFamily="2" charset="0"/>
+                <a:ea typeface="Lucida Grande" pitchFamily="2" charset="0"/>
+                <a:cs typeface="Lucida Grande" pitchFamily="2" charset="0"/>
+              </a:defRPr>
+            </a:lvl2pPr>
+            <a:lvl3pPr marL="1143000" indent="-228600" algn="l" defTabSz="914400" rtl="0" eaLnBrk="1" latinLnBrk="0" hangingPunct="1">
+              <a:lnSpc>
+                <a:spcPct val="100000"/>
+              </a:lnSpc>
+              <a:spcBef>
+                <a:spcPts val="500"/>
+              </a:spcBef>
+              <a:spcAft>
+                <a:spcPts val="1200"/>
+              </a:spcAft>
+              <a:buFont typeface="Arial" panose="020B0604020202020204" pitchFamily="34" charset="0"/>
+              <a:buChar char="•"/>
+              <a:defRPr sz="1800" kern="1200">
+                <a:solidFill>
+                  <a:schemeClr val="tx1"/>
+                </a:solidFill>
+                <a:latin typeface="Lucida Grande" pitchFamily="2" charset="0"/>
+                <a:ea typeface="Lucida Grande" pitchFamily="2" charset="0"/>
+                <a:cs typeface="Lucida Grande" pitchFamily="2" charset="0"/>
+              </a:defRPr>
+            </a:lvl3pPr>
+            <a:lvl4pPr marL="1600200" indent="-228600" algn="l" defTabSz="914400" rtl="0" eaLnBrk="1" latinLnBrk="0" hangingPunct="1">
+              <a:lnSpc>
+                <a:spcPct val="100000"/>
+              </a:lnSpc>
+              <a:spcBef>
+                <a:spcPts val="500"/>
+              </a:spcBef>
+              <a:spcAft>
+                <a:spcPts val="1200"/>
+              </a:spcAft>
+              <a:buFont typeface="Arial" panose="020B0604020202020204" pitchFamily="34" charset="0"/>
+              <a:buChar char="•"/>
+              <a:defRPr sz="1600" kern="1200">
+                <a:solidFill>
+                  <a:schemeClr val="tx1"/>
+                </a:solidFill>
+                <a:latin typeface="Lucida Grande" pitchFamily="2" charset="0"/>
+                <a:ea typeface="Lucida Grande" pitchFamily="2" charset="0"/>
+                <a:cs typeface="Lucida Grande" pitchFamily="2" charset="0"/>
+              </a:defRPr>
+            </a:lvl4pPr>
+            <a:lvl5pPr marL="2057400" indent="-228600" algn="l" defTabSz="914400" rtl="0" eaLnBrk="1" latinLnBrk="0" hangingPunct="1">
+              <a:lnSpc>
+                <a:spcPct val="100000"/>
+              </a:lnSpc>
+              <a:spcBef>
+                <a:spcPts val="500"/>
+              </a:spcBef>
+              <a:spcAft>
+                <a:spcPts val="1200"/>
+              </a:spcAft>
+              <a:buFont typeface="Arial" panose="020B0604020202020204" pitchFamily="34" charset="0"/>
+              <a:buChar char="•"/>
+              <a:defRPr sz="1600" kern="1200">
+                <a:solidFill>
+                  <a:schemeClr val="tx1"/>
+                </a:solidFill>
+                <a:latin typeface="Lucida Grande" pitchFamily="2" charset="0"/>
+                <a:ea typeface="Lucida Grande" pitchFamily="2" charset="0"/>
+                <a:cs typeface="Lucida Grande" pitchFamily="2" charset="0"/>
+              </a:defRPr>
+            </a:lvl5pPr>
+            <a:lvl6pPr marL="2514600" indent="-228600" algn="l" defTabSz="914400" rtl="0" eaLnBrk="1" latinLnBrk="0" hangingPunct="1">
+              <a:lnSpc>
+                <a:spcPct val="90000"/>
+              </a:lnSpc>
+              <a:spcBef>
+                <a:spcPts val="500"/>
+              </a:spcBef>
+              <a:buFont typeface="Arial" panose="020B0604020202020204" pitchFamily="34" charset="0"/>
+              <a:buChar char="•"/>
+              <a:defRPr sz="1800" kern="1200">
+                <a:solidFill>
+                  <a:schemeClr val="tx1"/>
+                </a:solidFill>
+                <a:latin typeface="+mn-lt"/>
+                <a:ea typeface="+mn-ea"/>
+                <a:cs typeface="+mn-cs"/>
+              </a:defRPr>
+            </a:lvl6pPr>
+            <a:lvl7pPr marL="2971800" indent="-228600" algn="l" defTabSz="914400" rtl="0" eaLnBrk="1" latinLnBrk="0" hangingPunct="1">
+              <a:lnSpc>
+                <a:spcPct val="90000"/>
+              </a:lnSpc>
+              <a:spcBef>
+                <a:spcPts val="500"/>
+              </a:spcBef>
+              <a:buFont typeface="Arial" panose="020B0604020202020204" pitchFamily="34" charset="0"/>
+              <a:buChar char="•"/>
+              <a:defRPr sz="1800" kern="1200">
+                <a:solidFill>
+                  <a:schemeClr val="tx1"/>
+                </a:solidFill>
+                <a:latin typeface="+mn-lt"/>
+                <a:ea typeface="+mn-ea"/>
+                <a:cs typeface="+mn-cs"/>
+              </a:defRPr>
+            </a:lvl7pPr>
+            <a:lvl8pPr marL="3429000" indent="-228600" algn="l" defTabSz="914400" rtl="0" eaLnBrk="1" latinLnBrk="0" hangingPunct="1">
+              <a:lnSpc>
+                <a:spcPct val="90000"/>
+              </a:lnSpc>
+              <a:spcBef>
+                <a:spcPts val="500"/>
+              </a:spcBef>
+              <a:buFont typeface="Arial" panose="020B0604020202020204" pitchFamily="34" charset="0"/>
+              <a:buChar char="•"/>
+              <a:defRPr sz="1800" kern="1200">
+                <a:solidFill>
+                  <a:schemeClr val="tx1"/>
+                </a:solidFill>
+                <a:latin typeface="+mn-lt"/>
+                <a:ea typeface="+mn-ea"/>
+                <a:cs typeface="+mn-cs"/>
+              </a:defRPr>
+            </a:lvl8pPr>
+            <a:lvl9pPr marL="3886200" indent="-228600" algn="l" defTabSz="914400" rtl="0" eaLnBrk="1" latinLnBrk="0" hangingPunct="1">
+              <a:lnSpc>
+                <a:spcPct val="90000"/>
+              </a:lnSpc>
+              <a:spcBef>
+                <a:spcPts val="500"/>
+              </a:spcBef>
+              <a:buFont typeface="Arial" panose="020B0604020202020204" pitchFamily="34" charset="0"/>
+              <a:buChar char="•"/>
+              <a:defRPr sz="1800" kern="1200">
+                <a:solidFill>
+                  <a:schemeClr val="tx1"/>
+                </a:solidFill>
+                <a:latin typeface="+mn-lt"/>
+                <a:ea typeface="+mn-ea"/>
+                <a:cs typeface="+mn-cs"/>
+              </a:defRPr>
+            </a:lvl9pPr>
+          </a:lstStyle>
+          <a:p>
+            <a:r>
+              <a:rPr lang="en-US" dirty="0"/>
+              <a:t>Shoulder from the bimodal charge distribution</a:t>
+            </a:r>
+          </a:p>
+          <a:p>
+            <a:pPr lvl="1"/>
+            <a:r>
+              <a:rPr lang="en-US" dirty="0"/>
+              <a:t>Approx half of the chains in inner layer and balance in outer</a:t>
+            </a:r>
+          </a:p>
+        </p:txBody>
+      </p:sp>
+    </p:spTree>
+    <p:extLst>
+      <p:ext uri="{BB962C8B-B14F-4D97-AF65-F5344CB8AC3E}">
+        <p14:creationId xmlns:p14="http://schemas.microsoft.com/office/powerpoint/2010/main" val="2742560492"/>
+      </p:ext>
+    </p:extLst>
+  </p:cSld>
+  <p:clrMapOvr>
+    <a:masterClrMapping/>
+  </p:clrMapOvr>
+</p:sld>
+</file>
+
+<file path=ppt/slides/slide8.xml><?xml version="1.0" encoding="utf-8"?>
+<p:sld xmlns:a="http://schemas.openxmlformats.org/drawingml/2006/main" xmlns:r="http://schemas.openxmlformats.org/officeDocument/2006/relationships" xmlns:p="http://schemas.openxmlformats.org/presentationml/2006/main">
+  <p:cSld>
+    <p:spTree>
+      <p:nvGrpSpPr>
+        <p:cNvPr id="1" name=""/>
+        <p:cNvGrpSpPr/>
+        <p:nvPr/>
+      </p:nvGrpSpPr>
+      <p:grpSpPr>
+        <a:xfrm>
+          <a:off x="0" y="0"/>
+          <a:ext cx="0" cy="0"/>
+          <a:chOff x="0" y="0"/>
+          <a:chExt cx="0" cy="0"/>
+        </a:xfrm>
+      </p:grpSpPr>
+      <p:sp>
+        <p:nvSpPr>
+          <p:cNvPr id="2" name="Title 1">
+            <a:extLst>
+              <a:ext uri="{FF2B5EF4-FFF2-40B4-BE49-F238E27FC236}">
+                <a16:creationId xmlns:a16="http://schemas.microsoft.com/office/drawing/2014/main" id="{1F8246AC-7E72-A555-19BF-3EA7DDEDB59E}"/>
+              </a:ext>
+            </a:extLst>
+          </p:cNvPr>
+          <p:cNvSpPr>
+            <a:spLocks noGrp="1"/>
+          </p:cNvSpPr>
+          <p:nvPr>
+            <p:ph type="title"/>
+          </p:nvPr>
+        </p:nvSpPr>
+        <p:spPr/>
+        <p:txBody>
+          <a:bodyPr/>
+          <a:lstStyle/>
+          <a:p>
+            <a:r>
+              <a:rPr lang="en-US" dirty="0"/>
+              <a:t>NFH(D2)</a:t>
+            </a:r>
+          </a:p>
+        </p:txBody>
+      </p:sp>
+      <p:sp>
+        <p:nvSpPr>
+          <p:cNvPr id="3" name="Slide Number Placeholder 2">
+            <a:extLst>
+              <a:ext uri="{FF2B5EF4-FFF2-40B4-BE49-F238E27FC236}">
+                <a16:creationId xmlns:a16="http://schemas.microsoft.com/office/drawing/2014/main" id="{33F8F74B-90E6-2E17-9581-73EC6821BD76}"/>
+              </a:ext>
+            </a:extLst>
+          </p:cNvPr>
+          <p:cNvSpPr>
+            <a:spLocks noGrp="1"/>
+          </p:cNvSpPr>
+          <p:nvPr>
+            <p:ph type="sldNum" sz="quarter" idx="12"/>
+          </p:nvPr>
+        </p:nvSpPr>
+        <p:spPr/>
+        <p:txBody>
+          <a:bodyPr/>
+          <a:lstStyle/>
+          <a:p>
+            <a:fld id="{B40DB54C-0C58-4481-B5FF-5C3F14CFF9B3}" type="slidenum">
+              <a:rPr lang="en-US" smtClean="0"/>
+              <a:t>8</a:t>
+            </a:fld>
+            <a:endParaRPr lang="en-US"/>
+          </a:p>
+        </p:txBody>
+      </p:sp>
+      <p:pic>
+        <p:nvPicPr>
+          <p:cNvPr id="4" name="Picture 12">
+            <a:extLst>
+              <a:ext uri="{FF2B5EF4-FFF2-40B4-BE49-F238E27FC236}">
+                <a16:creationId xmlns:a16="http://schemas.microsoft.com/office/drawing/2014/main" id="{B09AC93E-C722-A661-AFB0-2E0007080751}"/>
+              </a:ext>
+            </a:extLst>
+          </p:cNvPr>
+          <p:cNvPicPr>
+            <a:picLocks noChangeAspect="1" noChangeArrowheads="1"/>
+          </p:cNvPicPr>
+          <p:nvPr/>
+        </p:nvPicPr>
+        <p:blipFill>
+          <a:blip r:embed="rId2">
+            <a:extLst>
+              <a:ext uri="{28A0092B-C50C-407E-A947-70E740481C1C}">
+                <a14:useLocalDpi xmlns:a14="http://schemas.microsoft.com/office/drawing/2010/main" val="0"/>
+              </a:ext>
+            </a:extLst>
+          </a:blip>
+          <a:srcRect/>
+          <a:stretch>
+            <a:fillRect/>
+          </a:stretch>
+        </p:blipFill>
+        <p:spPr bwMode="auto">
+          <a:xfrm>
+            <a:off x="1042532" y="2423046"/>
+            <a:ext cx="5824993" cy="2446911"/>
+          </a:xfrm>
+          <a:prstGeom prst="rect">
+            <a:avLst/>
+          </a:prstGeom>
+          <a:noFill/>
+          <a:extLst>
+            <a:ext uri="{909E8E84-426E-40DD-AFC4-6F175D3DCCD1}">
+              <a14:hiddenFill xmlns:a14="http://schemas.microsoft.com/office/drawing/2010/main">
+                <a:solidFill>
+                  <a:srgbClr val="FFFFFF"/>
+                </a:solidFill>
+              </a14:hiddenFill>
+            </a:ext>
+          </a:extLst>
+        </p:spPr>
+      </p:pic>
+      <p:grpSp>
+        <p:nvGrpSpPr>
+          <p:cNvPr id="5" name="Group 4">
+            <a:extLst>
+              <a:ext uri="{FF2B5EF4-FFF2-40B4-BE49-F238E27FC236}">
+                <a16:creationId xmlns:a16="http://schemas.microsoft.com/office/drawing/2014/main" id="{4C33686A-6CD6-8E6D-5F66-8595438A7BD5}"/>
+              </a:ext>
+            </a:extLst>
+          </p:cNvPr>
+          <p:cNvGrpSpPr/>
+          <p:nvPr/>
+        </p:nvGrpSpPr>
+        <p:grpSpPr>
+          <a:xfrm>
+            <a:off x="2074287" y="2861048"/>
+            <a:ext cx="3433325" cy="1154786"/>
+            <a:chOff x="6696635" y="1773370"/>
+            <a:chExt cx="3433325" cy="1154786"/>
+          </a:xfrm>
+        </p:grpSpPr>
+        <p:sp>
+          <p:nvSpPr>
+            <p:cNvPr id="6" name="TextBox 5">
+              <a:extLst>
+                <a:ext uri="{FF2B5EF4-FFF2-40B4-BE49-F238E27FC236}">
+                  <a16:creationId xmlns:a16="http://schemas.microsoft.com/office/drawing/2014/main" id="{1C6E9365-1A18-7F3A-AE24-491F44C8241A}"/>
+                </a:ext>
+              </a:extLst>
+            </p:cNvPr>
+            <p:cNvSpPr txBox="1"/>
+            <p:nvPr/>
+          </p:nvSpPr>
+          <p:spPr>
+            <a:xfrm>
+              <a:off x="7028329" y="1773370"/>
+              <a:ext cx="896470" cy="369332"/>
+            </a:xfrm>
+            <a:prstGeom prst="rect">
+              <a:avLst/>
+            </a:prstGeom>
+            <a:noFill/>
+          </p:spPr>
+          <p:txBody>
+            <a:bodyPr wrap="square" rtlCol="0">
+              <a:spAutoFit/>
+            </a:bodyPr>
+            <a:lstStyle/>
+            <a:p>
+              <a:r>
+                <a:rPr lang="en-US" dirty="0"/>
+                <a:t>NFH</a:t>
+              </a:r>
+            </a:p>
+          </p:txBody>
+        </p:sp>
+        <p:sp>
+          <p:nvSpPr>
+            <p:cNvPr id="7" name="TextBox 6">
+              <a:extLst>
+                <a:ext uri="{FF2B5EF4-FFF2-40B4-BE49-F238E27FC236}">
+                  <a16:creationId xmlns:a16="http://schemas.microsoft.com/office/drawing/2014/main" id="{5A449321-071F-84EC-F649-E90031DD6D24}"/>
+                </a:ext>
+              </a:extLst>
+            </p:cNvPr>
+            <p:cNvSpPr txBox="1"/>
+            <p:nvPr/>
+          </p:nvSpPr>
+          <p:spPr>
+            <a:xfrm>
+              <a:off x="7377672" y="2558824"/>
+              <a:ext cx="896470" cy="369332"/>
+            </a:xfrm>
+            <a:prstGeom prst="rect">
+              <a:avLst/>
+            </a:prstGeom>
+            <a:noFill/>
+          </p:spPr>
+          <p:txBody>
+            <a:bodyPr wrap="square" rtlCol="0">
+              <a:spAutoFit/>
+            </a:bodyPr>
+            <a:lstStyle/>
+            <a:p>
+              <a:r>
+                <a:rPr lang="en-US" dirty="0"/>
+                <a:t>NFHD2</a:t>
+              </a:r>
+            </a:p>
+          </p:txBody>
+        </p:sp>
+        <p:cxnSp>
+          <p:nvCxnSpPr>
+            <p:cNvPr id="8" name="Straight Arrow Connector 7">
+              <a:extLst>
+                <a:ext uri="{FF2B5EF4-FFF2-40B4-BE49-F238E27FC236}">
+                  <a16:creationId xmlns:a16="http://schemas.microsoft.com/office/drawing/2014/main" id="{0DC0E9D1-4832-2071-2604-12B8E5E5698F}"/>
+                </a:ext>
+              </a:extLst>
+            </p:cNvPr>
+            <p:cNvCxnSpPr>
+              <a:cxnSpLocks/>
+            </p:cNvCxnSpPr>
+            <p:nvPr/>
+          </p:nvCxnSpPr>
+          <p:spPr>
+            <a:xfrm flipH="1">
+              <a:off x="6696635" y="2743490"/>
+              <a:ext cx="691156" cy="0"/>
+            </a:xfrm>
+            <a:prstGeom prst="straightConnector1">
+              <a:avLst/>
+            </a:prstGeom>
+            <a:ln w="19050">
+              <a:solidFill>
+                <a:schemeClr val="tx1"/>
+              </a:solidFill>
+              <a:tailEnd type="triangle"/>
+            </a:ln>
+          </p:spPr>
+          <p:style>
+            <a:lnRef idx="1">
+              <a:schemeClr val="accent1"/>
+            </a:lnRef>
+            <a:fillRef idx="0">
+              <a:schemeClr val="accent1"/>
+            </a:fillRef>
+            <a:effectRef idx="0">
+              <a:schemeClr val="accent1"/>
+            </a:effectRef>
+            <a:fontRef idx="minor">
+              <a:schemeClr val="tx1"/>
+            </a:fontRef>
+          </p:style>
+        </p:cxnSp>
+        <p:cxnSp>
+          <p:nvCxnSpPr>
+            <p:cNvPr id="9" name="Straight Arrow Connector 8">
+              <a:extLst>
+                <a:ext uri="{FF2B5EF4-FFF2-40B4-BE49-F238E27FC236}">
+                  <a16:creationId xmlns:a16="http://schemas.microsoft.com/office/drawing/2014/main" id="{5F717E59-5F8B-D34A-2352-7B07CD87F9BA}"/>
+                </a:ext>
+              </a:extLst>
+            </p:cNvPr>
+            <p:cNvCxnSpPr>
+              <a:cxnSpLocks/>
+              <a:stCxn id="6" idx="1"/>
+            </p:cNvCxnSpPr>
+            <p:nvPr/>
+          </p:nvCxnSpPr>
+          <p:spPr>
+            <a:xfrm flipH="1">
+              <a:off x="6759388" y="1958036"/>
+              <a:ext cx="268941" cy="0"/>
+            </a:xfrm>
+            <a:prstGeom prst="straightConnector1">
+              <a:avLst/>
+            </a:prstGeom>
+            <a:ln w="19050">
+              <a:solidFill>
+                <a:schemeClr val="tx1"/>
+              </a:solidFill>
+              <a:tailEnd type="triangle"/>
+            </a:ln>
+          </p:spPr>
+          <p:style>
+            <a:lnRef idx="1">
+              <a:schemeClr val="accent1"/>
+            </a:lnRef>
+            <a:fillRef idx="0">
+              <a:schemeClr val="accent1"/>
+            </a:fillRef>
+            <a:effectRef idx="0">
+              <a:schemeClr val="accent1"/>
+            </a:effectRef>
+            <a:fontRef idx="minor">
+              <a:schemeClr val="tx1"/>
+            </a:fontRef>
+          </p:style>
+        </p:cxnSp>
+        <p:cxnSp>
+          <p:nvCxnSpPr>
+            <p:cNvPr id="10" name="Straight Arrow Connector 9">
+              <a:extLst>
+                <a:ext uri="{FF2B5EF4-FFF2-40B4-BE49-F238E27FC236}">
+                  <a16:creationId xmlns:a16="http://schemas.microsoft.com/office/drawing/2014/main" id="{EF63435C-C8A6-D7BD-5A54-D598D0613A57}"/>
+                </a:ext>
+              </a:extLst>
+            </p:cNvPr>
+            <p:cNvCxnSpPr>
+              <a:cxnSpLocks/>
+              <a:stCxn id="7" idx="3"/>
+            </p:cNvCxnSpPr>
+            <p:nvPr/>
+          </p:nvCxnSpPr>
+          <p:spPr>
+            <a:xfrm>
+              <a:off x="8274142" y="2743490"/>
+              <a:ext cx="1855818" cy="0"/>
+            </a:xfrm>
+            <a:prstGeom prst="straightConnector1">
+              <a:avLst/>
+            </a:prstGeom>
+            <a:ln w="19050">
+              <a:solidFill>
+                <a:schemeClr val="tx1"/>
+              </a:solidFill>
+              <a:tailEnd type="triangle"/>
+            </a:ln>
+          </p:spPr>
+          <p:style>
+            <a:lnRef idx="1">
+              <a:schemeClr val="accent1"/>
+            </a:lnRef>
+            <a:fillRef idx="0">
+              <a:schemeClr val="accent1"/>
+            </a:fillRef>
+            <a:effectRef idx="0">
+              <a:schemeClr val="accent1"/>
+            </a:effectRef>
+            <a:fontRef idx="minor">
+              <a:schemeClr val="tx1"/>
+            </a:fontRef>
+          </p:style>
+        </p:cxnSp>
+        <p:cxnSp>
+          <p:nvCxnSpPr>
+            <p:cNvPr id="11" name="Straight Arrow Connector 10">
+              <a:extLst>
+                <a:ext uri="{FF2B5EF4-FFF2-40B4-BE49-F238E27FC236}">
+                  <a16:creationId xmlns:a16="http://schemas.microsoft.com/office/drawing/2014/main" id="{1A542E35-063E-3EBB-6B51-9611CEE409B3}"/>
+                </a:ext>
+              </a:extLst>
+            </p:cNvPr>
+            <p:cNvCxnSpPr>
+              <a:cxnSpLocks/>
+            </p:cNvCxnSpPr>
+            <p:nvPr/>
+          </p:nvCxnSpPr>
+          <p:spPr>
+            <a:xfrm>
+              <a:off x="7646296" y="1955149"/>
+              <a:ext cx="2214723" cy="15779"/>
+            </a:xfrm>
+            <a:prstGeom prst="straightConnector1">
+              <a:avLst/>
+            </a:prstGeom>
+            <a:ln w="19050">
+              <a:solidFill>
+                <a:schemeClr val="tx1"/>
+              </a:solidFill>
+              <a:tailEnd type="triangle"/>
+            </a:ln>
+          </p:spPr>
+          <p:style>
+            <a:lnRef idx="1">
+              <a:schemeClr val="accent1"/>
+            </a:lnRef>
+            <a:fillRef idx="0">
+              <a:schemeClr val="accent1"/>
+            </a:fillRef>
+            <a:effectRef idx="0">
+              <a:schemeClr val="accent1"/>
+            </a:effectRef>
+            <a:fontRef idx="minor">
+              <a:schemeClr val="tx1"/>
+            </a:fontRef>
+          </p:style>
+        </p:cxnSp>
+      </p:grpSp>
+    </p:spTree>
+    <p:extLst>
+      <p:ext uri="{BB962C8B-B14F-4D97-AF65-F5344CB8AC3E}">
+        <p14:creationId xmlns:p14="http://schemas.microsoft.com/office/powerpoint/2010/main" val="889184620"/>
       </p:ext>
     </p:extLst>
   </p:cSld>

--- a/202XXX NF Update.pptx
+++ b/202XXX NF Update.pptx
@@ -4518,7 +4518,7 @@
         </p:blipFill>
         <p:spPr bwMode="auto">
           <a:xfrm>
-            <a:off x="330169" y="2644474"/>
+            <a:off x="558769" y="2882599"/>
             <a:ext cx="3618658" cy="2616156"/>
           </a:xfrm>
           <a:prstGeom prst="rect">
@@ -4565,7 +4565,7 @@
         </p:blipFill>
         <p:spPr bwMode="auto">
           <a:xfrm>
-            <a:off x="4496998" y="2539840"/>
+            <a:off x="4725598" y="2777965"/>
             <a:ext cx="3655203" cy="2720790"/>
           </a:xfrm>
           <a:prstGeom prst="rect">
@@ -4597,7 +4597,7 @@
         </p:nvGrpSpPr>
         <p:grpSpPr>
           <a:xfrm>
-            <a:off x="8281986" y="1442575"/>
+            <a:off x="8510586" y="1680700"/>
             <a:ext cx="3109914" cy="2403798"/>
             <a:chOff x="5369752" y="142807"/>
             <a:chExt cx="3109914" cy="2403798"/>
@@ -4704,7 +4704,7 @@
         </p:nvGrpSpPr>
         <p:grpSpPr>
           <a:xfrm>
-            <a:off x="8368188" y="3966092"/>
+            <a:off x="8596788" y="4204217"/>
             <a:ext cx="2937510" cy="2270539"/>
             <a:chOff x="3674846" y="4320986"/>
             <a:chExt cx="2937510" cy="2270539"/>
@@ -4813,7 +4813,7 @@
         </p:nvCxnSpPr>
         <p:spPr>
           <a:xfrm>
-            <a:off x="6724650" y="4078916"/>
+            <a:off x="6953250" y="4317041"/>
             <a:ext cx="2605366" cy="197809"/>
           </a:xfrm>
           <a:prstGeom prst="straightConnector1">
@@ -4857,7 +4857,7 @@
         </p:nvCxnSpPr>
         <p:spPr>
           <a:xfrm flipV="1">
-            <a:off x="5768466" y="1971675"/>
+            <a:off x="5997066" y="2209800"/>
             <a:ext cx="3442209" cy="2107241"/>
           </a:xfrm>
           <a:prstGeom prst="straightConnector1">
@@ -5191,59 +5191,12 @@
           </a:p>
         </p:txBody>
       </p:sp>
-      <p:pic>
-        <p:nvPicPr>
-          <p:cNvPr id="4" name="Picture 12">
-            <a:extLst>
-              <a:ext uri="{FF2B5EF4-FFF2-40B4-BE49-F238E27FC236}">
-                <a16:creationId xmlns:a16="http://schemas.microsoft.com/office/drawing/2014/main" id="{B09AC93E-C722-A661-AFB0-2E0007080751}"/>
-              </a:ext>
-            </a:extLst>
-          </p:cNvPr>
-          <p:cNvPicPr>
-            <a:picLocks noChangeAspect="1" noChangeArrowheads="1"/>
-          </p:cNvPicPr>
-          <p:nvPr/>
-        </p:nvPicPr>
-        <p:blipFill>
-          <a:blip r:embed="rId2">
-            <a:extLst>
-              <a:ext uri="{28A0092B-C50C-407E-A947-70E740481C1C}">
-                <a14:useLocalDpi xmlns:a14="http://schemas.microsoft.com/office/drawing/2010/main" val="0"/>
-              </a:ext>
-            </a:extLst>
-          </a:blip>
-          <a:srcRect/>
-          <a:stretch>
-            <a:fillRect/>
-          </a:stretch>
-        </p:blipFill>
-        <p:spPr bwMode="auto">
-          <a:xfrm>
-            <a:off x="1042532" y="2423046"/>
-            <a:ext cx="5824993" cy="2446911"/>
-          </a:xfrm>
-          <a:prstGeom prst="rect">
-            <a:avLst/>
-          </a:prstGeom>
-          <a:noFill/>
-          <a:extLst>
-            <a:ext uri="{909E8E84-426E-40DD-AFC4-6F175D3DCCD1}">
-              <a14:hiddenFill xmlns:a14="http://schemas.microsoft.com/office/drawing/2010/main">
-                <a:solidFill>
-                  <a:srgbClr val="FFFFFF"/>
-                </a:solidFill>
-              </a14:hiddenFill>
-            </a:ext>
-          </a:extLst>
-        </p:spPr>
-      </p:pic>
       <p:grpSp>
         <p:nvGrpSpPr>
-          <p:cNvPr id="5" name="Group 4">
-            <a:extLst>
-              <a:ext uri="{FF2B5EF4-FFF2-40B4-BE49-F238E27FC236}">
-                <a16:creationId xmlns:a16="http://schemas.microsoft.com/office/drawing/2014/main" id="{4C33686A-6CD6-8E6D-5F66-8595438A7BD5}"/>
+          <p:cNvPr id="13" name="Group 12">
+            <a:extLst>
+              <a:ext uri="{FF2B5EF4-FFF2-40B4-BE49-F238E27FC236}">
+                <a16:creationId xmlns:a16="http://schemas.microsoft.com/office/drawing/2014/main" id="{E45AB686-37F6-C18C-3E4D-C1964CCB31C8}"/>
               </a:ext>
             </a:extLst>
           </p:cNvPr>
@@ -5252,18 +5205,676 @@
         </p:nvGrpSpPr>
         <p:grpSpPr>
           <a:xfrm>
-            <a:off x="2074287" y="2861048"/>
-            <a:ext cx="3433325" cy="1154786"/>
-            <a:chOff x="6696635" y="1773370"/>
-            <a:chExt cx="3433325" cy="1154786"/>
+            <a:off x="3282677" y="4411089"/>
+            <a:ext cx="5824993" cy="2446911"/>
+            <a:chOff x="1042532" y="2423046"/>
+            <a:chExt cx="5824993" cy="2446911"/>
           </a:xfrm>
         </p:grpSpPr>
+        <p:pic>
+          <p:nvPicPr>
+            <p:cNvPr id="4" name="Picture 12">
+              <a:extLst>
+                <a:ext uri="{FF2B5EF4-FFF2-40B4-BE49-F238E27FC236}">
+                  <a16:creationId xmlns:a16="http://schemas.microsoft.com/office/drawing/2014/main" id="{B09AC93E-C722-A661-AFB0-2E0007080751}"/>
+                </a:ext>
+              </a:extLst>
+            </p:cNvPr>
+            <p:cNvPicPr>
+              <a:picLocks noChangeAspect="1" noChangeArrowheads="1"/>
+            </p:cNvPicPr>
+            <p:nvPr/>
+          </p:nvPicPr>
+          <p:blipFill>
+            <a:blip r:embed="rId2">
+              <a:extLst>
+                <a:ext uri="{28A0092B-C50C-407E-A947-70E740481C1C}">
+                  <a14:useLocalDpi xmlns:a14="http://schemas.microsoft.com/office/drawing/2010/main" val="0"/>
+                </a:ext>
+              </a:extLst>
+            </a:blip>
+            <a:srcRect/>
+            <a:stretch>
+              <a:fillRect/>
+            </a:stretch>
+          </p:blipFill>
+          <p:spPr bwMode="auto">
+            <a:xfrm>
+              <a:off x="1042532" y="2423046"/>
+              <a:ext cx="5824993" cy="2446911"/>
+            </a:xfrm>
+            <a:prstGeom prst="rect">
+              <a:avLst/>
+            </a:prstGeom>
+            <a:noFill/>
+            <a:extLst>
+              <a:ext uri="{909E8E84-426E-40DD-AFC4-6F175D3DCCD1}">
+                <a14:hiddenFill xmlns:a14="http://schemas.microsoft.com/office/drawing/2010/main">
+                  <a:solidFill>
+                    <a:srgbClr val="FFFFFF"/>
+                  </a:solidFill>
+                </a14:hiddenFill>
+              </a:ext>
+            </a:extLst>
+          </p:spPr>
+        </p:pic>
+        <p:grpSp>
+          <p:nvGrpSpPr>
+            <p:cNvPr id="5" name="Group 4">
+              <a:extLst>
+                <a:ext uri="{FF2B5EF4-FFF2-40B4-BE49-F238E27FC236}">
+                  <a16:creationId xmlns:a16="http://schemas.microsoft.com/office/drawing/2014/main" id="{4C33686A-6CD6-8E6D-5F66-8595438A7BD5}"/>
+                </a:ext>
+              </a:extLst>
+            </p:cNvPr>
+            <p:cNvGrpSpPr/>
+            <p:nvPr/>
+          </p:nvGrpSpPr>
+          <p:grpSpPr>
+            <a:xfrm>
+              <a:off x="2074287" y="2861048"/>
+              <a:ext cx="3433325" cy="1154786"/>
+              <a:chOff x="6696635" y="1773370"/>
+              <a:chExt cx="3433325" cy="1154786"/>
+            </a:xfrm>
+          </p:grpSpPr>
+          <p:sp>
+            <p:nvSpPr>
+              <p:cNvPr id="6" name="TextBox 5">
+                <a:extLst>
+                  <a:ext uri="{FF2B5EF4-FFF2-40B4-BE49-F238E27FC236}">
+                    <a16:creationId xmlns:a16="http://schemas.microsoft.com/office/drawing/2014/main" id="{1C6E9365-1A18-7F3A-AE24-491F44C8241A}"/>
+                  </a:ext>
+                </a:extLst>
+              </p:cNvPr>
+              <p:cNvSpPr txBox="1"/>
+              <p:nvPr/>
+            </p:nvSpPr>
+            <p:spPr>
+              <a:xfrm>
+                <a:off x="7028329" y="1773370"/>
+                <a:ext cx="896470" cy="369332"/>
+              </a:xfrm>
+              <a:prstGeom prst="rect">
+                <a:avLst/>
+              </a:prstGeom>
+              <a:noFill/>
+            </p:spPr>
+            <p:txBody>
+              <a:bodyPr wrap="square" rtlCol="0">
+                <a:spAutoFit/>
+              </a:bodyPr>
+              <a:lstStyle/>
+              <a:p>
+                <a:r>
+                  <a:rPr lang="en-US" dirty="0"/>
+                  <a:t>NFH</a:t>
+                </a:r>
+              </a:p>
+            </p:txBody>
+          </p:sp>
+          <p:sp>
+            <p:nvSpPr>
+              <p:cNvPr id="7" name="TextBox 6">
+                <a:extLst>
+                  <a:ext uri="{FF2B5EF4-FFF2-40B4-BE49-F238E27FC236}">
+                    <a16:creationId xmlns:a16="http://schemas.microsoft.com/office/drawing/2014/main" id="{5A449321-071F-84EC-F649-E90031DD6D24}"/>
+                  </a:ext>
+                </a:extLst>
+              </p:cNvPr>
+              <p:cNvSpPr txBox="1"/>
+              <p:nvPr/>
+            </p:nvSpPr>
+            <p:spPr>
+              <a:xfrm>
+                <a:off x="7377672" y="2558824"/>
+                <a:ext cx="896470" cy="369332"/>
+              </a:xfrm>
+              <a:prstGeom prst="rect">
+                <a:avLst/>
+              </a:prstGeom>
+              <a:noFill/>
+            </p:spPr>
+            <p:txBody>
+              <a:bodyPr wrap="square" rtlCol="0">
+                <a:spAutoFit/>
+              </a:bodyPr>
+              <a:lstStyle/>
+              <a:p>
+                <a:r>
+                  <a:rPr lang="en-US" dirty="0"/>
+                  <a:t>NFHD2</a:t>
+                </a:r>
+              </a:p>
+            </p:txBody>
+          </p:sp>
+          <p:cxnSp>
+            <p:nvCxnSpPr>
+              <p:cNvPr id="8" name="Straight Arrow Connector 7">
+                <a:extLst>
+                  <a:ext uri="{FF2B5EF4-FFF2-40B4-BE49-F238E27FC236}">
+                    <a16:creationId xmlns:a16="http://schemas.microsoft.com/office/drawing/2014/main" id="{0DC0E9D1-4832-2071-2604-12B8E5E5698F}"/>
+                  </a:ext>
+                </a:extLst>
+              </p:cNvPr>
+              <p:cNvCxnSpPr>
+                <a:cxnSpLocks/>
+              </p:cNvCxnSpPr>
+              <p:nvPr/>
+            </p:nvCxnSpPr>
+            <p:spPr>
+              <a:xfrm flipH="1">
+                <a:off x="6696635" y="2743490"/>
+                <a:ext cx="691156" cy="0"/>
+              </a:xfrm>
+              <a:prstGeom prst="straightConnector1">
+                <a:avLst/>
+              </a:prstGeom>
+              <a:ln w="19050">
+                <a:solidFill>
+                  <a:schemeClr val="tx1"/>
+                </a:solidFill>
+                <a:tailEnd type="triangle"/>
+              </a:ln>
+            </p:spPr>
+            <p:style>
+              <a:lnRef idx="1">
+                <a:schemeClr val="accent1"/>
+              </a:lnRef>
+              <a:fillRef idx="0">
+                <a:schemeClr val="accent1"/>
+              </a:fillRef>
+              <a:effectRef idx="0">
+                <a:schemeClr val="accent1"/>
+              </a:effectRef>
+              <a:fontRef idx="minor">
+                <a:schemeClr val="tx1"/>
+              </a:fontRef>
+            </p:style>
+          </p:cxnSp>
+          <p:cxnSp>
+            <p:nvCxnSpPr>
+              <p:cNvPr id="9" name="Straight Arrow Connector 8">
+                <a:extLst>
+                  <a:ext uri="{FF2B5EF4-FFF2-40B4-BE49-F238E27FC236}">
+                    <a16:creationId xmlns:a16="http://schemas.microsoft.com/office/drawing/2014/main" id="{5F717E59-5F8B-D34A-2352-7B07CD87F9BA}"/>
+                  </a:ext>
+                </a:extLst>
+              </p:cNvPr>
+              <p:cNvCxnSpPr>
+                <a:cxnSpLocks/>
+                <a:stCxn id="6" idx="1"/>
+              </p:cNvCxnSpPr>
+              <p:nvPr/>
+            </p:nvCxnSpPr>
+            <p:spPr>
+              <a:xfrm flipH="1">
+                <a:off x="6759388" y="1958036"/>
+                <a:ext cx="268941" cy="0"/>
+              </a:xfrm>
+              <a:prstGeom prst="straightConnector1">
+                <a:avLst/>
+              </a:prstGeom>
+              <a:ln w="19050">
+                <a:solidFill>
+                  <a:schemeClr val="tx1"/>
+                </a:solidFill>
+                <a:tailEnd type="triangle"/>
+              </a:ln>
+            </p:spPr>
+            <p:style>
+              <a:lnRef idx="1">
+                <a:schemeClr val="accent1"/>
+              </a:lnRef>
+              <a:fillRef idx="0">
+                <a:schemeClr val="accent1"/>
+              </a:fillRef>
+              <a:effectRef idx="0">
+                <a:schemeClr val="accent1"/>
+              </a:effectRef>
+              <a:fontRef idx="minor">
+                <a:schemeClr val="tx1"/>
+              </a:fontRef>
+            </p:style>
+          </p:cxnSp>
+          <p:cxnSp>
+            <p:nvCxnSpPr>
+              <p:cNvPr id="10" name="Straight Arrow Connector 9">
+                <a:extLst>
+                  <a:ext uri="{FF2B5EF4-FFF2-40B4-BE49-F238E27FC236}">
+                    <a16:creationId xmlns:a16="http://schemas.microsoft.com/office/drawing/2014/main" id="{EF63435C-C8A6-D7BD-5A54-D598D0613A57}"/>
+                  </a:ext>
+                </a:extLst>
+              </p:cNvPr>
+              <p:cNvCxnSpPr>
+                <a:cxnSpLocks/>
+                <a:stCxn id="7" idx="3"/>
+              </p:cNvCxnSpPr>
+              <p:nvPr/>
+            </p:nvCxnSpPr>
+            <p:spPr>
+              <a:xfrm>
+                <a:off x="8274142" y="2743490"/>
+                <a:ext cx="1855818" cy="0"/>
+              </a:xfrm>
+              <a:prstGeom prst="straightConnector1">
+                <a:avLst/>
+              </a:prstGeom>
+              <a:ln w="19050">
+                <a:solidFill>
+                  <a:schemeClr val="tx1"/>
+                </a:solidFill>
+                <a:tailEnd type="triangle"/>
+              </a:ln>
+            </p:spPr>
+            <p:style>
+              <a:lnRef idx="1">
+                <a:schemeClr val="accent1"/>
+              </a:lnRef>
+              <a:fillRef idx="0">
+                <a:schemeClr val="accent1"/>
+              </a:fillRef>
+              <a:effectRef idx="0">
+                <a:schemeClr val="accent1"/>
+              </a:effectRef>
+              <a:fontRef idx="minor">
+                <a:schemeClr val="tx1"/>
+              </a:fontRef>
+            </p:style>
+          </p:cxnSp>
+          <p:cxnSp>
+            <p:nvCxnSpPr>
+              <p:cNvPr id="11" name="Straight Arrow Connector 10">
+                <a:extLst>
+                  <a:ext uri="{FF2B5EF4-FFF2-40B4-BE49-F238E27FC236}">
+                    <a16:creationId xmlns:a16="http://schemas.microsoft.com/office/drawing/2014/main" id="{1A542E35-063E-3EBB-6B51-9611CEE409B3}"/>
+                  </a:ext>
+                </a:extLst>
+              </p:cNvPr>
+              <p:cNvCxnSpPr>
+                <a:cxnSpLocks/>
+              </p:cNvCxnSpPr>
+              <p:nvPr/>
+            </p:nvCxnSpPr>
+            <p:spPr>
+              <a:xfrm>
+                <a:off x="7646296" y="1955149"/>
+                <a:ext cx="2214723" cy="15779"/>
+              </a:xfrm>
+              <a:prstGeom prst="straightConnector1">
+                <a:avLst/>
+              </a:prstGeom>
+              <a:ln w="19050">
+                <a:solidFill>
+                  <a:schemeClr val="tx1"/>
+                </a:solidFill>
+                <a:tailEnd type="triangle"/>
+              </a:ln>
+            </p:spPr>
+            <p:style>
+              <a:lnRef idx="1">
+                <a:schemeClr val="accent1"/>
+              </a:lnRef>
+              <a:fillRef idx="0">
+                <a:schemeClr val="accent1"/>
+              </a:fillRef>
+              <a:effectRef idx="0">
+                <a:schemeClr val="accent1"/>
+              </a:effectRef>
+              <a:fontRef idx="minor">
+                <a:schemeClr val="tx1"/>
+              </a:fontRef>
+            </p:style>
+          </p:cxnSp>
+        </p:grpSp>
+      </p:grpSp>
+      <p:sp>
+        <p:nvSpPr>
+          <p:cNvPr id="12" name="Content Placeholder 2">
+            <a:extLst>
+              <a:ext uri="{FF2B5EF4-FFF2-40B4-BE49-F238E27FC236}">
+                <a16:creationId xmlns:a16="http://schemas.microsoft.com/office/drawing/2014/main" id="{DC750A4E-D70C-997F-12CA-CBCA5D9E8946}"/>
+              </a:ext>
+            </a:extLst>
+          </p:cNvPr>
+          <p:cNvSpPr txBox="1">
+            <a:spLocks/>
+          </p:cNvSpPr>
+          <p:nvPr/>
+        </p:nvSpPr>
+        <p:spPr>
+          <a:xfrm>
+            <a:off x="838200" y="1081157"/>
+            <a:ext cx="10515600" cy="5109249"/>
+          </a:xfrm>
+          <a:prstGeom prst="rect">
+            <a:avLst/>
+          </a:prstGeom>
+        </p:spPr>
+        <p:txBody>
+          <a:bodyPr/>
+          <a:lstStyle>
+            <a:lvl1pPr marL="228600" indent="-228600" algn="l" defTabSz="914400" rtl="0" eaLnBrk="1" latinLnBrk="0" hangingPunct="1">
+              <a:lnSpc>
+                <a:spcPct val="100000"/>
+              </a:lnSpc>
+              <a:spcBef>
+                <a:spcPts val="1000"/>
+              </a:spcBef>
+              <a:spcAft>
+                <a:spcPts val="1200"/>
+              </a:spcAft>
+              <a:buFont typeface="Arial" panose="020B0604020202020204" pitchFamily="34" charset="0"/>
+              <a:buChar char="•"/>
+              <a:defRPr sz="2400" kern="1200">
+                <a:solidFill>
+                  <a:schemeClr val="tx1"/>
+                </a:solidFill>
+                <a:latin typeface="Lucida Grande" pitchFamily="2" charset="0"/>
+                <a:ea typeface="Lucida Grande" pitchFamily="2" charset="0"/>
+                <a:cs typeface="Lucida Grande" pitchFamily="2" charset="0"/>
+              </a:defRPr>
+            </a:lvl1pPr>
+            <a:lvl2pPr marL="685800" indent="-228600" algn="l" defTabSz="914400" rtl="0" eaLnBrk="1" latinLnBrk="0" hangingPunct="1">
+              <a:lnSpc>
+                <a:spcPct val="100000"/>
+              </a:lnSpc>
+              <a:spcBef>
+                <a:spcPts val="500"/>
+              </a:spcBef>
+              <a:spcAft>
+                <a:spcPts val="1200"/>
+              </a:spcAft>
+              <a:buFont typeface="Arial" panose="020B0604020202020204" pitchFamily="34" charset="0"/>
+              <a:buChar char="•"/>
+              <a:defRPr sz="2000" kern="1200">
+                <a:solidFill>
+                  <a:schemeClr val="tx1"/>
+                </a:solidFill>
+                <a:latin typeface="Lucida Grande" pitchFamily="2" charset="0"/>
+                <a:ea typeface="Lucida Grande" pitchFamily="2" charset="0"/>
+                <a:cs typeface="Lucida Grande" pitchFamily="2" charset="0"/>
+              </a:defRPr>
+            </a:lvl2pPr>
+            <a:lvl3pPr marL="1143000" indent="-228600" algn="l" defTabSz="914400" rtl="0" eaLnBrk="1" latinLnBrk="0" hangingPunct="1">
+              <a:lnSpc>
+                <a:spcPct val="100000"/>
+              </a:lnSpc>
+              <a:spcBef>
+                <a:spcPts val="500"/>
+              </a:spcBef>
+              <a:spcAft>
+                <a:spcPts val="1200"/>
+              </a:spcAft>
+              <a:buFont typeface="Arial" panose="020B0604020202020204" pitchFamily="34" charset="0"/>
+              <a:buChar char="•"/>
+              <a:defRPr sz="1800" kern="1200">
+                <a:solidFill>
+                  <a:schemeClr val="tx1"/>
+                </a:solidFill>
+                <a:latin typeface="Lucida Grande" pitchFamily="2" charset="0"/>
+                <a:ea typeface="Lucida Grande" pitchFamily="2" charset="0"/>
+                <a:cs typeface="Lucida Grande" pitchFamily="2" charset="0"/>
+              </a:defRPr>
+            </a:lvl3pPr>
+            <a:lvl4pPr marL="1600200" indent="-228600" algn="l" defTabSz="914400" rtl="0" eaLnBrk="1" latinLnBrk="0" hangingPunct="1">
+              <a:lnSpc>
+                <a:spcPct val="100000"/>
+              </a:lnSpc>
+              <a:spcBef>
+                <a:spcPts val="500"/>
+              </a:spcBef>
+              <a:spcAft>
+                <a:spcPts val="1200"/>
+              </a:spcAft>
+              <a:buFont typeface="Arial" panose="020B0604020202020204" pitchFamily="34" charset="0"/>
+              <a:buChar char="•"/>
+              <a:defRPr sz="1600" kern="1200">
+                <a:solidFill>
+                  <a:schemeClr val="tx1"/>
+                </a:solidFill>
+                <a:latin typeface="Lucida Grande" pitchFamily="2" charset="0"/>
+                <a:ea typeface="Lucida Grande" pitchFamily="2" charset="0"/>
+                <a:cs typeface="Lucida Grande" pitchFamily="2" charset="0"/>
+              </a:defRPr>
+            </a:lvl4pPr>
+            <a:lvl5pPr marL="2057400" indent="-228600" algn="l" defTabSz="914400" rtl="0" eaLnBrk="1" latinLnBrk="0" hangingPunct="1">
+              <a:lnSpc>
+                <a:spcPct val="100000"/>
+              </a:lnSpc>
+              <a:spcBef>
+                <a:spcPts val="500"/>
+              </a:spcBef>
+              <a:spcAft>
+                <a:spcPts val="1200"/>
+              </a:spcAft>
+              <a:buFont typeface="Arial" panose="020B0604020202020204" pitchFamily="34" charset="0"/>
+              <a:buChar char="•"/>
+              <a:defRPr sz="1600" kern="1200">
+                <a:solidFill>
+                  <a:schemeClr val="tx1"/>
+                </a:solidFill>
+                <a:latin typeface="Lucida Grande" pitchFamily="2" charset="0"/>
+                <a:ea typeface="Lucida Grande" pitchFamily="2" charset="0"/>
+                <a:cs typeface="Lucida Grande" pitchFamily="2" charset="0"/>
+              </a:defRPr>
+            </a:lvl5pPr>
+            <a:lvl6pPr marL="2514600" indent="-228600" algn="l" defTabSz="914400" rtl="0" eaLnBrk="1" latinLnBrk="0" hangingPunct="1">
+              <a:lnSpc>
+                <a:spcPct val="90000"/>
+              </a:lnSpc>
+              <a:spcBef>
+                <a:spcPts val="500"/>
+              </a:spcBef>
+              <a:buFont typeface="Arial" panose="020B0604020202020204" pitchFamily="34" charset="0"/>
+              <a:buChar char="•"/>
+              <a:defRPr sz="1800" kern="1200">
+                <a:solidFill>
+                  <a:schemeClr val="tx1"/>
+                </a:solidFill>
+                <a:latin typeface="+mn-lt"/>
+                <a:ea typeface="+mn-ea"/>
+                <a:cs typeface="+mn-cs"/>
+              </a:defRPr>
+            </a:lvl6pPr>
+            <a:lvl7pPr marL="2971800" indent="-228600" algn="l" defTabSz="914400" rtl="0" eaLnBrk="1" latinLnBrk="0" hangingPunct="1">
+              <a:lnSpc>
+                <a:spcPct val="90000"/>
+              </a:lnSpc>
+              <a:spcBef>
+                <a:spcPts val="500"/>
+              </a:spcBef>
+              <a:buFont typeface="Arial" panose="020B0604020202020204" pitchFamily="34" charset="0"/>
+              <a:buChar char="•"/>
+              <a:defRPr sz="1800" kern="1200">
+                <a:solidFill>
+                  <a:schemeClr val="tx1"/>
+                </a:solidFill>
+                <a:latin typeface="+mn-lt"/>
+                <a:ea typeface="+mn-ea"/>
+                <a:cs typeface="+mn-cs"/>
+              </a:defRPr>
+            </a:lvl7pPr>
+            <a:lvl8pPr marL="3429000" indent="-228600" algn="l" defTabSz="914400" rtl="0" eaLnBrk="1" latinLnBrk="0" hangingPunct="1">
+              <a:lnSpc>
+                <a:spcPct val="90000"/>
+              </a:lnSpc>
+              <a:spcBef>
+                <a:spcPts val="500"/>
+              </a:spcBef>
+              <a:buFont typeface="Arial" panose="020B0604020202020204" pitchFamily="34" charset="0"/>
+              <a:buChar char="•"/>
+              <a:defRPr sz="1800" kern="1200">
+                <a:solidFill>
+                  <a:schemeClr val="tx1"/>
+                </a:solidFill>
+                <a:latin typeface="+mn-lt"/>
+                <a:ea typeface="+mn-ea"/>
+                <a:cs typeface="+mn-cs"/>
+              </a:defRPr>
+            </a:lvl8pPr>
+            <a:lvl9pPr marL="3886200" indent="-228600" algn="l" defTabSz="914400" rtl="0" eaLnBrk="1" latinLnBrk="0" hangingPunct="1">
+              <a:lnSpc>
+                <a:spcPct val="90000"/>
+              </a:lnSpc>
+              <a:spcBef>
+                <a:spcPts val="500"/>
+              </a:spcBef>
+              <a:buFont typeface="Arial" panose="020B0604020202020204" pitchFamily="34" charset="0"/>
+              <a:buChar char="•"/>
+              <a:defRPr sz="1800" kern="1200">
+                <a:solidFill>
+                  <a:schemeClr val="tx1"/>
+                </a:solidFill>
+                <a:latin typeface="+mn-lt"/>
+                <a:ea typeface="+mn-ea"/>
+                <a:cs typeface="+mn-cs"/>
+              </a:defRPr>
+            </a:lvl9pPr>
+          </a:lstStyle>
+          <a:p>
+            <a:r>
+              <a:rPr lang="en-US" dirty="0"/>
+              <a:t>Height increase from loss of oppositely charged region </a:t>
+            </a:r>
+          </a:p>
+          <a:p>
+            <a:pPr lvl="1"/>
+            <a:r>
+              <a:rPr lang="en-US" dirty="0"/>
+              <a:t>Note: Large decrease in volume due to lower D2 grafting density (in addition to loss of monomers): 0.03010 </a:t>
+            </a:r>
+            <a:r>
+              <a:rPr lang="en-US" dirty="0">
+                <a:sym typeface="Wingdings" panose="05000000000000000000" pitchFamily="2" charset="2"/>
+              </a:rPr>
+              <a:t> 0.01854 c/nm2</a:t>
+            </a:r>
+            <a:endParaRPr lang="en-US" dirty="0"/>
+          </a:p>
+        </p:txBody>
+      </p:sp>
+      <p:grpSp>
+        <p:nvGrpSpPr>
+          <p:cNvPr id="16" name="Group 15">
+            <a:extLst>
+              <a:ext uri="{FF2B5EF4-FFF2-40B4-BE49-F238E27FC236}">
+                <a16:creationId xmlns:a16="http://schemas.microsoft.com/office/drawing/2014/main" id="{739A9C79-2B81-FCD5-B0DB-BECEB42E1E4A}"/>
+              </a:ext>
+            </a:extLst>
+          </p:cNvPr>
+          <p:cNvGrpSpPr/>
+          <p:nvPr/>
+        </p:nvGrpSpPr>
+        <p:grpSpPr>
+          <a:xfrm>
+            <a:off x="2909116" y="2515230"/>
+            <a:ext cx="6924675" cy="1817726"/>
+            <a:chOff x="2185785" y="1608079"/>
+            <a:chExt cx="6924675" cy="1817726"/>
+          </a:xfrm>
+        </p:grpSpPr>
+        <p:pic>
+          <p:nvPicPr>
+            <p:cNvPr id="3074" name="Picture 2">
+              <a:extLst>
+                <a:ext uri="{FF2B5EF4-FFF2-40B4-BE49-F238E27FC236}">
+                  <a16:creationId xmlns:a16="http://schemas.microsoft.com/office/drawing/2014/main" id="{95F16A2D-092A-C28E-7D11-EE7322441C92}"/>
+                </a:ext>
+              </a:extLst>
+            </p:cNvPr>
+            <p:cNvPicPr>
+              <a:picLocks noChangeAspect="1" noChangeArrowheads="1"/>
+            </p:cNvPicPr>
+            <p:nvPr/>
+          </p:nvPicPr>
+          <p:blipFill>
+            <a:blip r:embed="rId3">
+              <a:extLst>
+                <a:ext uri="{28A0092B-C50C-407E-A947-70E740481C1C}">
+                  <a14:useLocalDpi xmlns:a14="http://schemas.microsoft.com/office/drawing/2010/main" val="0"/>
+                </a:ext>
+              </a:extLst>
+            </a:blip>
+            <a:srcRect/>
+            <a:stretch>
+              <a:fillRect/>
+            </a:stretch>
+          </p:blipFill>
+          <p:spPr bwMode="auto">
+            <a:xfrm>
+              <a:off x="2185785" y="1752583"/>
+              <a:ext cx="6924675" cy="1673222"/>
+            </a:xfrm>
+            <a:prstGeom prst="rect">
+              <a:avLst/>
+            </a:prstGeom>
+            <a:noFill/>
+            <a:extLst>
+              <a:ext uri="{909E8E84-426E-40DD-AFC4-6F175D3DCCD1}">
+                <a14:hiddenFill xmlns:a14="http://schemas.microsoft.com/office/drawing/2010/main">
+                  <a:solidFill>
+                    <a:srgbClr val="FFFFFF"/>
+                  </a:solidFill>
+                </a14:hiddenFill>
+              </a:ext>
+            </a:extLst>
+          </p:spPr>
+        </p:pic>
         <p:sp>
           <p:nvSpPr>
-            <p:cNvPr id="6" name="TextBox 5">
+            <p:cNvPr id="14" name="Rectangle 13">
               <a:extLst>
                 <a:ext uri="{FF2B5EF4-FFF2-40B4-BE49-F238E27FC236}">
-                  <a16:creationId xmlns:a16="http://schemas.microsoft.com/office/drawing/2014/main" id="{1C6E9365-1A18-7F3A-AE24-491F44C8241A}"/>
+                  <a16:creationId xmlns:a16="http://schemas.microsoft.com/office/drawing/2014/main" id="{69FF3488-41A5-8B19-81CD-57F4EA24894F}"/>
+                </a:ext>
+              </a:extLst>
+            </p:cNvPr>
+            <p:cNvSpPr/>
+            <p:nvPr/>
+          </p:nvSpPr>
+          <p:spPr>
+            <a:xfrm>
+              <a:off x="2688649" y="1847850"/>
+              <a:ext cx="426026" cy="1118068"/>
+            </a:xfrm>
+            <a:prstGeom prst="rect">
+              <a:avLst/>
+            </a:prstGeom>
+            <a:noFill/>
+            <a:ln w="38100"/>
+          </p:spPr>
+          <p:style>
+            <a:lnRef idx="2">
+              <a:schemeClr val="accent1">
+                <a:shade val="15000"/>
+              </a:schemeClr>
+            </a:lnRef>
+            <a:fillRef idx="1">
+              <a:schemeClr val="accent1"/>
+            </a:fillRef>
+            <a:effectRef idx="0">
+              <a:schemeClr val="accent1"/>
+            </a:effectRef>
+            <a:fontRef idx="minor">
+              <a:schemeClr val="lt1"/>
+            </a:fontRef>
+          </p:style>
+          <p:txBody>
+            <a:bodyPr rtlCol="0" anchor="ctr"/>
+            <a:lstStyle/>
+            <a:p>
+              <a:pPr algn="ctr"/>
+              <a:endParaRPr lang="en-US" dirty="0"/>
+            </a:p>
+          </p:txBody>
+        </p:sp>
+        <p:sp>
+          <p:nvSpPr>
+            <p:cNvPr id="15" name="TextBox 14">
+              <a:extLst>
+                <a:ext uri="{FF2B5EF4-FFF2-40B4-BE49-F238E27FC236}">
+                  <a16:creationId xmlns:a16="http://schemas.microsoft.com/office/drawing/2014/main" id="{00E7BE38-D2A2-FF84-949B-BC1CC26ACDE9}"/>
                 </a:ext>
               </a:extLst>
             </p:cNvPr>
@@ -5272,8 +5883,8 @@
           </p:nvSpPr>
           <p:spPr>
             <a:xfrm>
-              <a:off x="7028329" y="1773370"/>
-              <a:ext cx="896470" cy="369332"/>
+              <a:off x="3146969" y="1608079"/>
+              <a:ext cx="2353721" cy="369332"/>
             </a:xfrm>
             <a:prstGeom prst="rect">
               <a:avLst/>
@@ -5281,231 +5892,18 @@
             <a:noFill/>
           </p:spPr>
           <p:txBody>
-            <a:bodyPr wrap="square" rtlCol="0">
+            <a:bodyPr wrap="none" rtlCol="0">
               <a:spAutoFit/>
             </a:bodyPr>
             <a:lstStyle/>
             <a:p>
               <a:r>
                 <a:rPr lang="en-US" dirty="0"/>
-                <a:t>NFH</a:t>
+                <a:t>Approximate D2 region</a:t>
               </a:r>
             </a:p>
           </p:txBody>
         </p:sp>
-        <p:sp>
-          <p:nvSpPr>
-            <p:cNvPr id="7" name="TextBox 6">
-              <a:extLst>
-                <a:ext uri="{FF2B5EF4-FFF2-40B4-BE49-F238E27FC236}">
-                  <a16:creationId xmlns:a16="http://schemas.microsoft.com/office/drawing/2014/main" id="{5A449321-071F-84EC-F649-E90031DD6D24}"/>
-                </a:ext>
-              </a:extLst>
-            </p:cNvPr>
-            <p:cNvSpPr txBox="1"/>
-            <p:nvPr/>
-          </p:nvSpPr>
-          <p:spPr>
-            <a:xfrm>
-              <a:off x="7377672" y="2558824"/>
-              <a:ext cx="896470" cy="369332"/>
-            </a:xfrm>
-            <a:prstGeom prst="rect">
-              <a:avLst/>
-            </a:prstGeom>
-            <a:noFill/>
-          </p:spPr>
-          <p:txBody>
-            <a:bodyPr wrap="square" rtlCol="0">
-              <a:spAutoFit/>
-            </a:bodyPr>
-            <a:lstStyle/>
-            <a:p>
-              <a:r>
-                <a:rPr lang="en-US" dirty="0"/>
-                <a:t>NFHD2</a:t>
-              </a:r>
-            </a:p>
-          </p:txBody>
-        </p:sp>
-        <p:cxnSp>
-          <p:nvCxnSpPr>
-            <p:cNvPr id="8" name="Straight Arrow Connector 7">
-              <a:extLst>
-                <a:ext uri="{FF2B5EF4-FFF2-40B4-BE49-F238E27FC236}">
-                  <a16:creationId xmlns:a16="http://schemas.microsoft.com/office/drawing/2014/main" id="{0DC0E9D1-4832-2071-2604-12B8E5E5698F}"/>
-                </a:ext>
-              </a:extLst>
-            </p:cNvPr>
-            <p:cNvCxnSpPr>
-              <a:cxnSpLocks/>
-            </p:cNvCxnSpPr>
-            <p:nvPr/>
-          </p:nvCxnSpPr>
-          <p:spPr>
-            <a:xfrm flipH="1">
-              <a:off x="6696635" y="2743490"/>
-              <a:ext cx="691156" cy="0"/>
-            </a:xfrm>
-            <a:prstGeom prst="straightConnector1">
-              <a:avLst/>
-            </a:prstGeom>
-            <a:ln w="19050">
-              <a:solidFill>
-                <a:schemeClr val="tx1"/>
-              </a:solidFill>
-              <a:tailEnd type="triangle"/>
-            </a:ln>
-          </p:spPr>
-          <p:style>
-            <a:lnRef idx="1">
-              <a:schemeClr val="accent1"/>
-            </a:lnRef>
-            <a:fillRef idx="0">
-              <a:schemeClr val="accent1"/>
-            </a:fillRef>
-            <a:effectRef idx="0">
-              <a:schemeClr val="accent1"/>
-            </a:effectRef>
-            <a:fontRef idx="minor">
-              <a:schemeClr val="tx1"/>
-            </a:fontRef>
-          </p:style>
-        </p:cxnSp>
-        <p:cxnSp>
-          <p:nvCxnSpPr>
-            <p:cNvPr id="9" name="Straight Arrow Connector 8">
-              <a:extLst>
-                <a:ext uri="{FF2B5EF4-FFF2-40B4-BE49-F238E27FC236}">
-                  <a16:creationId xmlns:a16="http://schemas.microsoft.com/office/drawing/2014/main" id="{5F717E59-5F8B-D34A-2352-7B07CD87F9BA}"/>
-                </a:ext>
-              </a:extLst>
-            </p:cNvPr>
-            <p:cNvCxnSpPr>
-              <a:cxnSpLocks/>
-              <a:stCxn id="6" idx="1"/>
-            </p:cNvCxnSpPr>
-            <p:nvPr/>
-          </p:nvCxnSpPr>
-          <p:spPr>
-            <a:xfrm flipH="1">
-              <a:off x="6759388" y="1958036"/>
-              <a:ext cx="268941" cy="0"/>
-            </a:xfrm>
-            <a:prstGeom prst="straightConnector1">
-              <a:avLst/>
-            </a:prstGeom>
-            <a:ln w="19050">
-              <a:solidFill>
-                <a:schemeClr val="tx1"/>
-              </a:solidFill>
-              <a:tailEnd type="triangle"/>
-            </a:ln>
-          </p:spPr>
-          <p:style>
-            <a:lnRef idx="1">
-              <a:schemeClr val="accent1"/>
-            </a:lnRef>
-            <a:fillRef idx="0">
-              <a:schemeClr val="accent1"/>
-            </a:fillRef>
-            <a:effectRef idx="0">
-              <a:schemeClr val="accent1"/>
-            </a:effectRef>
-            <a:fontRef idx="minor">
-              <a:schemeClr val="tx1"/>
-            </a:fontRef>
-          </p:style>
-        </p:cxnSp>
-        <p:cxnSp>
-          <p:nvCxnSpPr>
-            <p:cNvPr id="10" name="Straight Arrow Connector 9">
-              <a:extLst>
-                <a:ext uri="{FF2B5EF4-FFF2-40B4-BE49-F238E27FC236}">
-                  <a16:creationId xmlns:a16="http://schemas.microsoft.com/office/drawing/2014/main" id="{EF63435C-C8A6-D7BD-5A54-D598D0613A57}"/>
-                </a:ext>
-              </a:extLst>
-            </p:cNvPr>
-            <p:cNvCxnSpPr>
-              <a:cxnSpLocks/>
-              <a:stCxn id="7" idx="3"/>
-            </p:cNvCxnSpPr>
-            <p:nvPr/>
-          </p:nvCxnSpPr>
-          <p:spPr>
-            <a:xfrm>
-              <a:off x="8274142" y="2743490"/>
-              <a:ext cx="1855818" cy="0"/>
-            </a:xfrm>
-            <a:prstGeom prst="straightConnector1">
-              <a:avLst/>
-            </a:prstGeom>
-            <a:ln w="19050">
-              <a:solidFill>
-                <a:schemeClr val="tx1"/>
-              </a:solidFill>
-              <a:tailEnd type="triangle"/>
-            </a:ln>
-          </p:spPr>
-          <p:style>
-            <a:lnRef idx="1">
-              <a:schemeClr val="accent1"/>
-            </a:lnRef>
-            <a:fillRef idx="0">
-              <a:schemeClr val="accent1"/>
-            </a:fillRef>
-            <a:effectRef idx="0">
-              <a:schemeClr val="accent1"/>
-            </a:effectRef>
-            <a:fontRef idx="minor">
-              <a:schemeClr val="tx1"/>
-            </a:fontRef>
-          </p:style>
-        </p:cxnSp>
-        <p:cxnSp>
-          <p:nvCxnSpPr>
-            <p:cNvPr id="11" name="Straight Arrow Connector 10">
-              <a:extLst>
-                <a:ext uri="{FF2B5EF4-FFF2-40B4-BE49-F238E27FC236}">
-                  <a16:creationId xmlns:a16="http://schemas.microsoft.com/office/drawing/2014/main" id="{1A542E35-063E-3EBB-6B51-9611CEE409B3}"/>
-                </a:ext>
-              </a:extLst>
-            </p:cNvPr>
-            <p:cNvCxnSpPr>
-              <a:cxnSpLocks/>
-            </p:cNvCxnSpPr>
-            <p:nvPr/>
-          </p:nvCxnSpPr>
-          <p:spPr>
-            <a:xfrm>
-              <a:off x="7646296" y="1955149"/>
-              <a:ext cx="2214723" cy="15779"/>
-            </a:xfrm>
-            <a:prstGeom prst="straightConnector1">
-              <a:avLst/>
-            </a:prstGeom>
-            <a:ln w="19050">
-              <a:solidFill>
-                <a:schemeClr val="tx1"/>
-              </a:solidFill>
-              <a:tailEnd type="triangle"/>
-            </a:ln>
-          </p:spPr>
-          <p:style>
-            <a:lnRef idx="1">
-              <a:schemeClr val="accent1"/>
-            </a:lnRef>
-            <a:fillRef idx="0">
-              <a:schemeClr val="accent1"/>
-            </a:fillRef>
-            <a:effectRef idx="0">
-              <a:schemeClr val="accent1"/>
-            </a:effectRef>
-            <a:fontRef idx="minor">
-              <a:schemeClr val="tx1"/>
-            </a:fontRef>
-          </p:style>
-        </p:cxnSp>
       </p:grpSp>
     </p:spTree>
     <p:extLst>

--- a/202XXX NF Update.pptx
+++ b/202XXX NF Update.pptx
@@ -5,10 +5,10 @@
     <p:sldMasterId id="2147483684" r:id="rId1"/>
   </p:sldMasterIdLst>
   <p:notesMasterIdLst>
-    <p:notesMasterId r:id="rId10"/>
+    <p:notesMasterId r:id="rId11"/>
   </p:notesMasterIdLst>
   <p:handoutMasterIdLst>
-    <p:handoutMasterId r:id="rId11"/>
+    <p:handoutMasterId r:id="rId12"/>
   </p:handoutMasterIdLst>
   <p:sldIdLst>
     <p:sldId id="256" r:id="rId2"/>
@@ -19,6 +19,7 @@
     <p:sldId id="261" r:id="rId7"/>
     <p:sldId id="262" r:id="rId8"/>
     <p:sldId id="263" r:id="rId9"/>
+    <p:sldId id="264" r:id="rId10"/>
   </p:sldIdLst>
   <p:sldSz cx="12192000" cy="6858000"/>
   <p:notesSz cx="6858000" cy="9144000"/>
@@ -2640,7 +2641,7 @@
           <a:p>
             <a:r>
               <a:rPr lang="en-US" dirty="0"/>
-              <a:t>NF Update</a:t>
+              <a:t>[WIP] NF Results</a:t>
             </a:r>
           </a:p>
         </p:txBody>
@@ -2668,7 +2669,7 @@
           <a:p>
             <a:r>
               <a:rPr lang="en-US" dirty="0"/>
-              <a:t>XX/XX/XXXX</a:t>
+              <a:t>Last updated: 01/12/2024</a:t>
             </a:r>
           </a:p>
         </p:txBody>
@@ -4536,53 +4537,6 @@
           </a:extLst>
         </p:spPr>
       </p:pic>
-      <p:pic>
-        <p:nvPicPr>
-          <p:cNvPr id="13" name="Picture 22">
-            <a:extLst>
-              <a:ext uri="{FF2B5EF4-FFF2-40B4-BE49-F238E27FC236}">
-                <a16:creationId xmlns:a16="http://schemas.microsoft.com/office/drawing/2014/main" id="{3C53175C-7FB5-9EDD-E72E-6D26B4230C99}"/>
-              </a:ext>
-            </a:extLst>
-          </p:cNvPr>
-          <p:cNvPicPr>
-            <a:picLocks noChangeAspect="1" noChangeArrowheads="1"/>
-          </p:cNvPicPr>
-          <p:nvPr/>
-        </p:nvPicPr>
-        <p:blipFill>
-          <a:blip r:embed="rId3">
-            <a:extLst>
-              <a:ext uri="{28A0092B-C50C-407E-A947-70E740481C1C}">
-                <a14:useLocalDpi xmlns:a14="http://schemas.microsoft.com/office/drawing/2010/main" val="0"/>
-              </a:ext>
-            </a:extLst>
-          </a:blip>
-          <a:srcRect/>
-          <a:stretch>
-            <a:fillRect/>
-          </a:stretch>
-        </p:blipFill>
-        <p:spPr bwMode="auto">
-          <a:xfrm>
-            <a:off x="4725598" y="2777965"/>
-            <a:ext cx="3655203" cy="2720790"/>
-          </a:xfrm>
-          <a:prstGeom prst="rect">
-            <a:avLst/>
-          </a:prstGeom>
-          <a:noFill/>
-          <a:extLst>
-            <a:ext uri="{909E8E84-426E-40DD-AFC4-6F175D3DCCD1}">
-              <a14:hiddenFill xmlns:a14="http://schemas.microsoft.com/office/drawing/2010/main">
-                <a:solidFill>
-                  <a:srgbClr val="FFFFFF"/>
-                </a:solidFill>
-              </a14:hiddenFill>
-            </a:ext>
-          </a:extLst>
-        </p:spPr>
-      </p:pic>
       <p:grpSp>
         <p:nvGrpSpPr>
           <p:cNvPr id="14" name="Group 13">
@@ -4618,7 +4572,7 @@
             <p:nvPr/>
           </p:nvPicPr>
           <p:blipFill>
-            <a:blip r:embed="rId4">
+            <a:blip r:embed="rId3">
               <a:extLst>
                 <a:ext uri="{28A0092B-C50C-407E-A947-70E740481C1C}">
                   <a14:useLocalDpi xmlns:a14="http://schemas.microsoft.com/office/drawing/2010/main" val="0"/>
@@ -4725,7 +4679,7 @@
             <p:nvPr/>
           </p:nvPicPr>
           <p:blipFill>
-            <a:blip r:embed="rId5">
+            <a:blip r:embed="rId4">
               <a:extLst>
                 <a:ext uri="{28A0092B-C50C-407E-A947-70E740481C1C}">
                   <a14:useLocalDpi xmlns:a14="http://schemas.microsoft.com/office/drawing/2010/main" val="0"/>
@@ -5909,6 +5863,97 @@
     <p:extLst>
       <p:ext uri="{BB962C8B-B14F-4D97-AF65-F5344CB8AC3E}">
         <p14:creationId xmlns:p14="http://schemas.microsoft.com/office/powerpoint/2010/main" val="889184620"/>
+      </p:ext>
+    </p:extLst>
+  </p:cSld>
+  <p:clrMapOvr>
+    <a:masterClrMapping/>
+  </p:clrMapOvr>
+</p:sld>
+</file>
+
+<file path=ppt/slides/slide9.xml><?xml version="1.0" encoding="utf-8"?>
+<p:sld xmlns:a="http://schemas.openxmlformats.org/drawingml/2006/main" xmlns:r="http://schemas.openxmlformats.org/officeDocument/2006/relationships" xmlns:p="http://schemas.openxmlformats.org/presentationml/2006/main">
+  <p:cSld>
+    <p:spTree>
+      <p:nvGrpSpPr>
+        <p:cNvPr id="1" name=""/>
+        <p:cNvGrpSpPr/>
+        <p:nvPr/>
+      </p:nvGrpSpPr>
+      <p:grpSpPr>
+        <a:xfrm>
+          <a:off x="0" y="0"/>
+          <a:ext cx="0" cy="0"/>
+          <a:chOff x="0" y="0"/>
+          <a:chExt cx="0" cy="0"/>
+        </a:xfrm>
+      </p:grpSpPr>
+      <p:sp>
+        <p:nvSpPr>
+          <p:cNvPr id="2" name="Title 1">
+            <a:extLst>
+              <a:ext uri="{FF2B5EF4-FFF2-40B4-BE49-F238E27FC236}">
+                <a16:creationId xmlns:a16="http://schemas.microsoft.com/office/drawing/2014/main" id="{97861170-0191-9B8E-B434-07BB3EB1DB34}"/>
+              </a:ext>
+            </a:extLst>
+          </p:cNvPr>
+          <p:cNvSpPr>
+            <a:spLocks noGrp="1"/>
+          </p:cNvSpPr>
+          <p:nvPr>
+            <p:ph type="title"/>
+          </p:nvPr>
+        </p:nvSpPr>
+        <p:spPr/>
+        <p:txBody>
+          <a:bodyPr/>
+          <a:lstStyle/>
+          <a:p>
+            <a:r>
+              <a:rPr lang="en-US" dirty="0" err="1"/>
+              <a:t>pNFH</a:t>
+            </a:r>
+            <a:r>
+              <a:rPr lang="en-US" dirty="0"/>
+              <a:t>(D2)</a:t>
+            </a:r>
+          </a:p>
+        </p:txBody>
+      </p:sp>
+      <p:sp>
+        <p:nvSpPr>
+          <p:cNvPr id="3" name="Slide Number Placeholder 2">
+            <a:extLst>
+              <a:ext uri="{FF2B5EF4-FFF2-40B4-BE49-F238E27FC236}">
+                <a16:creationId xmlns:a16="http://schemas.microsoft.com/office/drawing/2014/main" id="{DF2F98F4-7B82-DE0D-2D14-7FCBB6CD2ECB}"/>
+              </a:ext>
+            </a:extLst>
+          </p:cNvPr>
+          <p:cNvSpPr>
+            <a:spLocks noGrp="1"/>
+          </p:cNvSpPr>
+          <p:nvPr>
+            <p:ph type="sldNum" sz="quarter" idx="12"/>
+          </p:nvPr>
+        </p:nvSpPr>
+        <p:spPr/>
+        <p:txBody>
+          <a:bodyPr/>
+          <a:lstStyle/>
+          <a:p>
+            <a:fld id="{B40DB54C-0C58-4481-B5FF-5C3F14CFF9B3}" type="slidenum">
+              <a:rPr lang="en-US" smtClean="0"/>
+              <a:t>9</a:t>
+            </a:fld>
+            <a:endParaRPr lang="en-US"/>
+          </a:p>
+        </p:txBody>
+      </p:sp>
+    </p:spTree>
+    <p:extLst>
+      <p:ext uri="{BB962C8B-B14F-4D97-AF65-F5344CB8AC3E}">
+        <p14:creationId xmlns:p14="http://schemas.microsoft.com/office/powerpoint/2010/main" val="710196163"/>
       </p:ext>
     </p:extLst>
   </p:cSld>

--- a/202XXX NF Update.pptx
+++ b/202XXX NF Update.pptx
@@ -4519,7 +4519,7 @@
         </p:blipFill>
         <p:spPr bwMode="auto">
           <a:xfrm>
-            <a:off x="558769" y="2882599"/>
+            <a:off x="475218" y="2349144"/>
             <a:ext cx="3618658" cy="2616156"/>
           </a:xfrm>
           <a:prstGeom prst="rect">
@@ -4551,8 +4551,8 @@
         </p:nvGrpSpPr>
         <p:grpSpPr>
           <a:xfrm>
-            <a:off x="8510586" y="1680700"/>
-            <a:ext cx="3109914" cy="2403798"/>
+            <a:off x="4304943" y="2349144"/>
+            <a:ext cx="3384652" cy="2616156"/>
             <a:chOff x="5369752" y="142807"/>
             <a:chExt cx="3109914" cy="2403798"/>
           </a:xfrm>
@@ -4658,8 +4658,8 @@
         </p:nvGrpSpPr>
         <p:grpSpPr>
           <a:xfrm>
-            <a:off x="8596788" y="4204217"/>
-            <a:ext cx="2937510" cy="2270539"/>
+            <a:off x="7940573" y="2349144"/>
+            <a:ext cx="3384652" cy="2616156"/>
             <a:chOff x="3674846" y="4320986"/>
             <a:chExt cx="2937510" cy="2270539"/>
           </a:xfrm>
@@ -4769,50 +4769,6 @@
           <a:xfrm>
             <a:off x="6953250" y="4317041"/>
             <a:ext cx="2605366" cy="197809"/>
-          </a:xfrm>
-          <a:prstGeom prst="straightConnector1">
-            <a:avLst/>
-          </a:prstGeom>
-          <a:ln w="19050">
-            <a:solidFill>
-              <a:srgbClr val="C00000"/>
-            </a:solidFill>
-            <a:tailEnd type="triangle"/>
-          </a:ln>
-        </p:spPr>
-        <p:style>
-          <a:lnRef idx="1">
-            <a:schemeClr val="accent1"/>
-          </a:lnRef>
-          <a:fillRef idx="0">
-            <a:schemeClr val="accent1"/>
-          </a:fillRef>
-          <a:effectRef idx="0">
-            <a:schemeClr val="accent1"/>
-          </a:effectRef>
-          <a:fontRef idx="minor">
-            <a:schemeClr val="tx1"/>
-          </a:fontRef>
-        </p:style>
-      </p:cxnSp>
-      <p:cxnSp>
-        <p:nvCxnSpPr>
-          <p:cNvPr id="23" name="Straight Arrow Connector 22">
-            <a:extLst>
-              <a:ext uri="{FF2B5EF4-FFF2-40B4-BE49-F238E27FC236}">
-                <a16:creationId xmlns:a16="http://schemas.microsoft.com/office/drawing/2014/main" id="{2955DE1A-A487-C6E6-1478-67F8A823BADE}"/>
-              </a:ext>
-            </a:extLst>
-          </p:cNvPr>
-          <p:cNvCxnSpPr>
-            <a:cxnSpLocks/>
-          </p:cNvCxnSpPr>
-          <p:nvPr/>
-        </p:nvCxnSpPr>
-        <p:spPr>
-          <a:xfrm flipV="1">
-            <a:off x="5997066" y="2209800"/>
-            <a:ext cx="3442209" cy="2107241"/>
           </a:xfrm>
           <a:prstGeom prst="straightConnector1">
             <a:avLst/>
@@ -5046,18 +5002,153 @@
           <a:p>
             <a:r>
               <a:rPr lang="en-US" dirty="0"/>
-              <a:t>Shoulder from the bimodal charge distribution</a:t>
+              <a:t>Shoulder in density distribution due to bimodal charge distribution</a:t>
             </a:r>
           </a:p>
           <a:p>
             <a:pPr lvl="1"/>
             <a:r>
               <a:rPr lang="en-US" dirty="0"/>
-              <a:t>Approx half of the chains in inner layer and balance in outer</a:t>
+              <a:t>Distribution of the chains in inner vs outer layer approx. 50%</a:t>
             </a:r>
           </a:p>
         </p:txBody>
       </p:sp>
+      <p:pic>
+        <p:nvPicPr>
+          <p:cNvPr id="4098" name="Picture 2">
+            <a:extLst>
+              <a:ext uri="{FF2B5EF4-FFF2-40B4-BE49-F238E27FC236}">
+                <a16:creationId xmlns:a16="http://schemas.microsoft.com/office/drawing/2014/main" id="{A7EED208-D3D1-1820-4976-FE3848369CE1}"/>
+              </a:ext>
+            </a:extLst>
+          </p:cNvPr>
+          <p:cNvPicPr>
+            <a:picLocks noChangeAspect="1" noChangeArrowheads="1"/>
+          </p:cNvPicPr>
+          <p:nvPr/>
+        </p:nvPicPr>
+        <p:blipFill>
+          <a:blip r:embed="rId5">
+            <a:extLst>
+              <a:ext uri="{28A0092B-C50C-407E-A947-70E740481C1C}">
+                <a14:useLocalDpi xmlns:a14="http://schemas.microsoft.com/office/drawing/2010/main" val="0"/>
+              </a:ext>
+            </a:extLst>
+          </a:blip>
+          <a:srcRect/>
+          <a:stretch>
+            <a:fillRect/>
+          </a:stretch>
+        </p:blipFill>
+        <p:spPr bwMode="auto">
+          <a:xfrm>
+            <a:off x="3043768" y="5224586"/>
+            <a:ext cx="5964151" cy="1633414"/>
+          </a:xfrm>
+          <a:prstGeom prst="rect">
+            <a:avLst/>
+          </a:prstGeom>
+          <a:noFill/>
+          <a:extLst>
+            <a:ext uri="{909E8E84-426E-40DD-AFC4-6F175D3DCCD1}">
+              <a14:hiddenFill xmlns:a14="http://schemas.microsoft.com/office/drawing/2010/main">
+                <a:solidFill>
+                  <a:srgbClr val="FFFFFF"/>
+                </a:solidFill>
+              </a14:hiddenFill>
+            </a:ext>
+          </a:extLst>
+        </p:spPr>
+      </p:pic>
+      <p:cxnSp>
+        <p:nvCxnSpPr>
+          <p:cNvPr id="23" name="Straight Arrow Connector 22">
+            <a:extLst>
+              <a:ext uri="{FF2B5EF4-FFF2-40B4-BE49-F238E27FC236}">
+                <a16:creationId xmlns:a16="http://schemas.microsoft.com/office/drawing/2014/main" id="{2955DE1A-A487-C6E6-1478-67F8A823BADE}"/>
+              </a:ext>
+            </a:extLst>
+          </p:cNvPr>
+          <p:cNvCxnSpPr>
+            <a:cxnSpLocks/>
+          </p:cNvCxnSpPr>
+          <p:nvPr/>
+        </p:nvCxnSpPr>
+        <p:spPr>
+          <a:xfrm flipV="1">
+            <a:off x="4848225" y="4867257"/>
+            <a:ext cx="171450" cy="997048"/>
+          </a:xfrm>
+          <a:prstGeom prst="straightConnector1">
+            <a:avLst/>
+          </a:prstGeom>
+          <a:ln w="38100">
+            <a:solidFill>
+              <a:schemeClr val="tx1"/>
+            </a:solidFill>
+            <a:tailEnd type="triangle"/>
+          </a:ln>
+        </p:spPr>
+        <p:style>
+          <a:lnRef idx="1">
+            <a:schemeClr val="accent1"/>
+          </a:lnRef>
+          <a:fillRef idx="0">
+            <a:schemeClr val="accent1"/>
+          </a:fillRef>
+          <a:effectRef idx="0">
+            <a:schemeClr val="accent1"/>
+          </a:effectRef>
+          <a:fontRef idx="minor">
+            <a:schemeClr val="tx1"/>
+          </a:fontRef>
+        </p:style>
+      </p:cxnSp>
+      <p:cxnSp>
+        <p:nvCxnSpPr>
+          <p:cNvPr id="34" name="Straight Arrow Connector 33">
+            <a:extLst>
+              <a:ext uri="{FF2B5EF4-FFF2-40B4-BE49-F238E27FC236}">
+                <a16:creationId xmlns:a16="http://schemas.microsoft.com/office/drawing/2014/main" id="{40C0C881-84E6-096E-7193-50626015E4C8}"/>
+              </a:ext>
+            </a:extLst>
+          </p:cNvPr>
+          <p:cNvCxnSpPr>
+            <a:cxnSpLocks/>
+          </p:cNvCxnSpPr>
+          <p:nvPr/>
+        </p:nvCxnSpPr>
+        <p:spPr>
+          <a:xfrm flipV="1">
+            <a:off x="7451470" y="4774136"/>
+            <a:ext cx="1063880" cy="1002093"/>
+          </a:xfrm>
+          <a:prstGeom prst="straightConnector1">
+            <a:avLst/>
+          </a:prstGeom>
+          <a:ln w="38100">
+            <a:solidFill>
+              <a:schemeClr val="tx1"/>
+            </a:solidFill>
+            <a:tailEnd type="triangle"/>
+          </a:ln>
+        </p:spPr>
+        <p:style>
+          <a:lnRef idx="1">
+            <a:schemeClr val="accent1"/>
+          </a:lnRef>
+          <a:fillRef idx="0">
+            <a:schemeClr val="accent1"/>
+          </a:fillRef>
+          <a:effectRef idx="0">
+            <a:schemeClr val="accent1"/>
+          </a:effectRef>
+          <a:fontRef idx="minor">
+            <a:schemeClr val="tx1"/>
+          </a:fontRef>
+        </p:style>
+      </p:cxnSp>
     </p:spTree>
     <p:extLst>
       <p:ext uri="{BB962C8B-B14F-4D97-AF65-F5344CB8AC3E}">
@@ -5696,7 +5787,7 @@
             <a:pPr lvl="1"/>
             <a:r>
               <a:rPr lang="en-US" dirty="0"/>
-              <a:t>Note: Large decrease in volume due to lower D2 grafting density (in addition to loss of monomers): 0.03010 </a:t>
+              <a:t>Note: Large decrease in brush volume due to lower D2 grafting density (in addition to loss of monomers): 0.03010 </a:t>
             </a:r>
             <a:r>
               <a:rPr lang="en-US" dirty="0">

--- a/202XXX NF Update.pptx
+++ b/202XXX NF Update.pptx
@@ -5,10 +5,10 @@
     <p:sldMasterId id="2147483684" r:id="rId1"/>
   </p:sldMasterIdLst>
   <p:notesMasterIdLst>
-    <p:notesMasterId r:id="rId11"/>
+    <p:notesMasterId r:id="rId13"/>
   </p:notesMasterIdLst>
   <p:handoutMasterIdLst>
-    <p:handoutMasterId r:id="rId12"/>
+    <p:handoutMasterId r:id="rId14"/>
   </p:handoutMasterIdLst>
   <p:sldIdLst>
     <p:sldId id="256" r:id="rId2"/>
@@ -19,7 +19,9 @@
     <p:sldId id="261" r:id="rId7"/>
     <p:sldId id="262" r:id="rId8"/>
     <p:sldId id="263" r:id="rId9"/>
-    <p:sldId id="264" r:id="rId10"/>
+    <p:sldId id="265" r:id="rId10"/>
+    <p:sldId id="266" r:id="rId11"/>
+    <p:sldId id="264" r:id="rId12"/>
   </p:sldIdLst>
   <p:sldSz cx="12192000" cy="6858000"/>
   <p:notesSz cx="6858000" cy="9144000"/>
@@ -2716,6 +2718,748 @@
 </p:sld>
 </file>
 
+<file path=ppt/slides/slide10.xml><?xml version="1.0" encoding="utf-8"?>
+<p:sld xmlns:a="http://schemas.openxmlformats.org/drawingml/2006/main" xmlns:r="http://schemas.openxmlformats.org/officeDocument/2006/relationships" xmlns:p="http://schemas.openxmlformats.org/presentationml/2006/main">
+  <p:cSld>
+    <p:spTree>
+      <p:nvGrpSpPr>
+        <p:cNvPr id="1" name=""/>
+        <p:cNvGrpSpPr/>
+        <p:nvPr/>
+      </p:nvGrpSpPr>
+      <p:grpSpPr>
+        <a:xfrm>
+          <a:off x="0" y="0"/>
+          <a:ext cx="0" cy="0"/>
+          <a:chOff x="0" y="0"/>
+          <a:chExt cx="0" cy="0"/>
+        </a:xfrm>
+      </p:grpSpPr>
+      <p:sp>
+        <p:nvSpPr>
+          <p:cNvPr id="2" name="Title 1">
+            <a:extLst>
+              <a:ext uri="{FF2B5EF4-FFF2-40B4-BE49-F238E27FC236}">
+                <a16:creationId xmlns:a16="http://schemas.microsoft.com/office/drawing/2014/main" id="{E4185B72-430C-9180-300F-4543AF980796}"/>
+              </a:ext>
+            </a:extLst>
+          </p:cNvPr>
+          <p:cNvSpPr>
+            <a:spLocks noGrp="1"/>
+          </p:cNvSpPr>
+          <p:nvPr>
+            <p:ph type="title"/>
+          </p:nvPr>
+        </p:nvSpPr>
+        <p:spPr>
+          <a:xfrm>
+            <a:off x="0" y="136525"/>
+            <a:ext cx="12287250" cy="800128"/>
+          </a:xfrm>
+        </p:spPr>
+        <p:txBody>
+          <a:bodyPr>
+            <a:normAutofit/>
+          </a:bodyPr>
+          <a:lstStyle/>
+          <a:p>
+            <a:r>
+              <a:rPr lang="en-US" dirty="0" err="1"/>
+              <a:t>pNFH</a:t>
+            </a:r>
+            <a:r>
+              <a:rPr lang="en-US" dirty="0"/>
+              <a:t> Option 2: Proline chi increase, b60v10</a:t>
+            </a:r>
+          </a:p>
+        </p:txBody>
+      </p:sp>
+      <p:sp>
+        <p:nvSpPr>
+          <p:cNvPr id="3" name="Slide Number Placeholder 2">
+            <a:extLst>
+              <a:ext uri="{FF2B5EF4-FFF2-40B4-BE49-F238E27FC236}">
+                <a16:creationId xmlns:a16="http://schemas.microsoft.com/office/drawing/2014/main" id="{0098A3DB-DB2C-BEB7-388D-3EA08E613F01}"/>
+              </a:ext>
+            </a:extLst>
+          </p:cNvPr>
+          <p:cNvSpPr>
+            <a:spLocks noGrp="1"/>
+          </p:cNvSpPr>
+          <p:nvPr>
+            <p:ph type="sldNum" sz="quarter" idx="12"/>
+          </p:nvPr>
+        </p:nvSpPr>
+        <p:spPr/>
+        <p:txBody>
+          <a:bodyPr/>
+          <a:lstStyle/>
+          <a:p>
+            <a:fld id="{B40DB54C-0C58-4481-B5FF-5C3F14CFF9B3}" type="slidenum">
+              <a:rPr lang="en-US" smtClean="0"/>
+              <a:t>10</a:t>
+            </a:fld>
+            <a:endParaRPr lang="en-US"/>
+          </a:p>
+        </p:txBody>
+      </p:sp>
+    </p:spTree>
+    <p:extLst>
+      <p:ext uri="{BB962C8B-B14F-4D97-AF65-F5344CB8AC3E}">
+        <p14:creationId xmlns:p14="http://schemas.microsoft.com/office/powerpoint/2010/main" val="1937461763"/>
+      </p:ext>
+    </p:extLst>
+  </p:cSld>
+  <p:clrMapOvr>
+    <a:masterClrMapping/>
+  </p:clrMapOvr>
+</p:sld>
+</file>
+
+<file path=ppt/slides/slide11.xml><?xml version="1.0" encoding="utf-8"?>
+<p:sld xmlns:a="http://schemas.openxmlformats.org/drawingml/2006/main" xmlns:r="http://schemas.openxmlformats.org/officeDocument/2006/relationships" xmlns:p="http://schemas.openxmlformats.org/presentationml/2006/main">
+  <p:cSld>
+    <p:spTree>
+      <p:nvGrpSpPr>
+        <p:cNvPr id="1" name=""/>
+        <p:cNvGrpSpPr/>
+        <p:nvPr/>
+      </p:nvGrpSpPr>
+      <p:grpSpPr>
+        <a:xfrm>
+          <a:off x="0" y="0"/>
+          <a:ext cx="0" cy="0"/>
+          <a:chOff x="0" y="0"/>
+          <a:chExt cx="0" cy="0"/>
+        </a:xfrm>
+      </p:grpSpPr>
+      <p:sp>
+        <p:nvSpPr>
+          <p:cNvPr id="2" name="Title 1">
+            <a:extLst>
+              <a:ext uri="{FF2B5EF4-FFF2-40B4-BE49-F238E27FC236}">
+                <a16:creationId xmlns:a16="http://schemas.microsoft.com/office/drawing/2014/main" id="{97861170-0191-9B8E-B434-07BB3EB1DB34}"/>
+              </a:ext>
+            </a:extLst>
+          </p:cNvPr>
+          <p:cNvSpPr>
+            <a:spLocks noGrp="1"/>
+          </p:cNvSpPr>
+          <p:nvPr>
+            <p:ph type="title"/>
+          </p:nvPr>
+        </p:nvSpPr>
+        <p:spPr/>
+        <p:txBody>
+          <a:bodyPr/>
+          <a:lstStyle/>
+          <a:p>
+            <a:r>
+              <a:rPr lang="en-US" dirty="0" err="1"/>
+              <a:t>pNFH</a:t>
+            </a:r>
+            <a:r>
+              <a:rPr lang="en-US" dirty="0"/>
+              <a:t> Option 2: Why</a:t>
+            </a:r>
+          </a:p>
+        </p:txBody>
+      </p:sp>
+      <p:sp>
+        <p:nvSpPr>
+          <p:cNvPr id="3" name="Slide Number Placeholder 2">
+            <a:extLst>
+              <a:ext uri="{FF2B5EF4-FFF2-40B4-BE49-F238E27FC236}">
+                <a16:creationId xmlns:a16="http://schemas.microsoft.com/office/drawing/2014/main" id="{DF2F98F4-7B82-DE0D-2D14-7FCBB6CD2ECB}"/>
+              </a:ext>
+            </a:extLst>
+          </p:cNvPr>
+          <p:cNvSpPr>
+            <a:spLocks noGrp="1"/>
+          </p:cNvSpPr>
+          <p:nvPr>
+            <p:ph type="sldNum" sz="quarter" idx="12"/>
+          </p:nvPr>
+        </p:nvSpPr>
+        <p:spPr/>
+        <p:txBody>
+          <a:bodyPr/>
+          <a:lstStyle/>
+          <a:p>
+            <a:fld id="{B40DB54C-0C58-4481-B5FF-5C3F14CFF9B3}" type="slidenum">
+              <a:rPr lang="en-US" smtClean="0"/>
+              <a:t>11</a:t>
+            </a:fld>
+            <a:endParaRPr lang="en-US"/>
+          </a:p>
+        </p:txBody>
+      </p:sp>
+      <p:sp>
+        <p:nvSpPr>
+          <p:cNvPr id="4" name="Content Placeholder 2">
+            <a:extLst>
+              <a:ext uri="{FF2B5EF4-FFF2-40B4-BE49-F238E27FC236}">
+                <a16:creationId xmlns:a16="http://schemas.microsoft.com/office/drawing/2014/main" id="{92122E7C-1E25-25DB-07E5-DCE7D0F5A45E}"/>
+              </a:ext>
+            </a:extLst>
+          </p:cNvPr>
+          <p:cNvSpPr txBox="1">
+            <a:spLocks/>
+          </p:cNvSpPr>
+          <p:nvPr/>
+        </p:nvSpPr>
+        <p:spPr>
+          <a:xfrm>
+            <a:off x="838200" y="1081157"/>
+            <a:ext cx="10515600" cy="5109249"/>
+          </a:xfrm>
+          <a:prstGeom prst="rect">
+            <a:avLst/>
+          </a:prstGeom>
+        </p:spPr>
+        <p:txBody>
+          <a:bodyPr/>
+          <a:lstStyle>
+            <a:lvl1pPr marL="228600" indent="-228600" algn="l" defTabSz="914400" rtl="0" eaLnBrk="1" latinLnBrk="0" hangingPunct="1">
+              <a:lnSpc>
+                <a:spcPct val="100000"/>
+              </a:lnSpc>
+              <a:spcBef>
+                <a:spcPts val="1000"/>
+              </a:spcBef>
+              <a:spcAft>
+                <a:spcPts val="1200"/>
+              </a:spcAft>
+              <a:buFont typeface="Arial" panose="020B0604020202020204" pitchFamily="34" charset="0"/>
+              <a:buChar char="•"/>
+              <a:defRPr sz="2400" kern="1200">
+                <a:solidFill>
+                  <a:schemeClr val="tx1"/>
+                </a:solidFill>
+                <a:latin typeface="Lucida Grande" pitchFamily="2" charset="0"/>
+                <a:ea typeface="Lucida Grande" pitchFamily="2" charset="0"/>
+                <a:cs typeface="Lucida Grande" pitchFamily="2" charset="0"/>
+              </a:defRPr>
+            </a:lvl1pPr>
+            <a:lvl2pPr marL="685800" indent="-228600" algn="l" defTabSz="914400" rtl="0" eaLnBrk="1" latinLnBrk="0" hangingPunct="1">
+              <a:lnSpc>
+                <a:spcPct val="100000"/>
+              </a:lnSpc>
+              <a:spcBef>
+                <a:spcPts val="500"/>
+              </a:spcBef>
+              <a:spcAft>
+                <a:spcPts val="1200"/>
+              </a:spcAft>
+              <a:buFont typeface="Arial" panose="020B0604020202020204" pitchFamily="34" charset="0"/>
+              <a:buChar char="•"/>
+              <a:defRPr sz="2000" kern="1200">
+                <a:solidFill>
+                  <a:schemeClr val="tx1"/>
+                </a:solidFill>
+                <a:latin typeface="Lucida Grande" pitchFamily="2" charset="0"/>
+                <a:ea typeface="Lucida Grande" pitchFamily="2" charset="0"/>
+                <a:cs typeface="Lucida Grande" pitchFamily="2" charset="0"/>
+              </a:defRPr>
+            </a:lvl2pPr>
+            <a:lvl3pPr marL="1143000" indent="-228600" algn="l" defTabSz="914400" rtl="0" eaLnBrk="1" latinLnBrk="0" hangingPunct="1">
+              <a:lnSpc>
+                <a:spcPct val="100000"/>
+              </a:lnSpc>
+              <a:spcBef>
+                <a:spcPts val="500"/>
+              </a:spcBef>
+              <a:spcAft>
+                <a:spcPts val="1200"/>
+              </a:spcAft>
+              <a:buFont typeface="Arial" panose="020B0604020202020204" pitchFamily="34" charset="0"/>
+              <a:buChar char="•"/>
+              <a:defRPr sz="1800" kern="1200">
+                <a:solidFill>
+                  <a:schemeClr val="tx1"/>
+                </a:solidFill>
+                <a:latin typeface="Lucida Grande" pitchFamily="2" charset="0"/>
+                <a:ea typeface="Lucida Grande" pitchFamily="2" charset="0"/>
+                <a:cs typeface="Lucida Grande" pitchFamily="2" charset="0"/>
+              </a:defRPr>
+            </a:lvl3pPr>
+            <a:lvl4pPr marL="1600200" indent="-228600" algn="l" defTabSz="914400" rtl="0" eaLnBrk="1" latinLnBrk="0" hangingPunct="1">
+              <a:lnSpc>
+                <a:spcPct val="100000"/>
+              </a:lnSpc>
+              <a:spcBef>
+                <a:spcPts val="500"/>
+              </a:spcBef>
+              <a:spcAft>
+                <a:spcPts val="1200"/>
+              </a:spcAft>
+              <a:buFont typeface="Arial" panose="020B0604020202020204" pitchFamily="34" charset="0"/>
+              <a:buChar char="•"/>
+              <a:defRPr sz="1600" kern="1200">
+                <a:solidFill>
+                  <a:schemeClr val="tx1"/>
+                </a:solidFill>
+                <a:latin typeface="Lucida Grande" pitchFamily="2" charset="0"/>
+                <a:ea typeface="Lucida Grande" pitchFamily="2" charset="0"/>
+                <a:cs typeface="Lucida Grande" pitchFamily="2" charset="0"/>
+              </a:defRPr>
+            </a:lvl4pPr>
+            <a:lvl5pPr marL="2057400" indent="-228600" algn="l" defTabSz="914400" rtl="0" eaLnBrk="1" latinLnBrk="0" hangingPunct="1">
+              <a:lnSpc>
+                <a:spcPct val="100000"/>
+              </a:lnSpc>
+              <a:spcBef>
+                <a:spcPts val="500"/>
+              </a:spcBef>
+              <a:spcAft>
+                <a:spcPts val="1200"/>
+              </a:spcAft>
+              <a:buFont typeface="Arial" panose="020B0604020202020204" pitchFamily="34" charset="0"/>
+              <a:buChar char="•"/>
+              <a:defRPr sz="1600" kern="1200">
+                <a:solidFill>
+                  <a:schemeClr val="tx1"/>
+                </a:solidFill>
+                <a:latin typeface="Lucida Grande" pitchFamily="2" charset="0"/>
+                <a:ea typeface="Lucida Grande" pitchFamily="2" charset="0"/>
+                <a:cs typeface="Lucida Grande" pitchFamily="2" charset="0"/>
+              </a:defRPr>
+            </a:lvl5pPr>
+            <a:lvl6pPr marL="2514600" indent="-228600" algn="l" defTabSz="914400" rtl="0" eaLnBrk="1" latinLnBrk="0" hangingPunct="1">
+              <a:lnSpc>
+                <a:spcPct val="90000"/>
+              </a:lnSpc>
+              <a:spcBef>
+                <a:spcPts val="500"/>
+              </a:spcBef>
+              <a:buFont typeface="Arial" panose="020B0604020202020204" pitchFamily="34" charset="0"/>
+              <a:buChar char="•"/>
+              <a:defRPr sz="1800" kern="1200">
+                <a:solidFill>
+                  <a:schemeClr val="tx1"/>
+                </a:solidFill>
+                <a:latin typeface="+mn-lt"/>
+                <a:ea typeface="+mn-ea"/>
+                <a:cs typeface="+mn-cs"/>
+              </a:defRPr>
+            </a:lvl6pPr>
+            <a:lvl7pPr marL="2971800" indent="-228600" algn="l" defTabSz="914400" rtl="0" eaLnBrk="1" latinLnBrk="0" hangingPunct="1">
+              <a:lnSpc>
+                <a:spcPct val="90000"/>
+              </a:lnSpc>
+              <a:spcBef>
+                <a:spcPts val="500"/>
+              </a:spcBef>
+              <a:buFont typeface="Arial" panose="020B0604020202020204" pitchFamily="34" charset="0"/>
+              <a:buChar char="•"/>
+              <a:defRPr sz="1800" kern="1200">
+                <a:solidFill>
+                  <a:schemeClr val="tx1"/>
+                </a:solidFill>
+                <a:latin typeface="+mn-lt"/>
+                <a:ea typeface="+mn-ea"/>
+                <a:cs typeface="+mn-cs"/>
+              </a:defRPr>
+            </a:lvl7pPr>
+            <a:lvl8pPr marL="3429000" indent="-228600" algn="l" defTabSz="914400" rtl="0" eaLnBrk="1" latinLnBrk="0" hangingPunct="1">
+              <a:lnSpc>
+                <a:spcPct val="90000"/>
+              </a:lnSpc>
+              <a:spcBef>
+                <a:spcPts val="500"/>
+              </a:spcBef>
+              <a:buFont typeface="Arial" panose="020B0604020202020204" pitchFamily="34" charset="0"/>
+              <a:buChar char="•"/>
+              <a:defRPr sz="1800" kern="1200">
+                <a:solidFill>
+                  <a:schemeClr val="tx1"/>
+                </a:solidFill>
+                <a:latin typeface="+mn-lt"/>
+                <a:ea typeface="+mn-ea"/>
+                <a:cs typeface="+mn-cs"/>
+              </a:defRPr>
+            </a:lvl8pPr>
+            <a:lvl9pPr marL="3886200" indent="-228600" algn="l" defTabSz="914400" rtl="0" eaLnBrk="1" latinLnBrk="0" hangingPunct="1">
+              <a:lnSpc>
+                <a:spcPct val="90000"/>
+              </a:lnSpc>
+              <a:spcBef>
+                <a:spcPts val="500"/>
+              </a:spcBef>
+              <a:buFont typeface="Arial" panose="020B0604020202020204" pitchFamily="34" charset="0"/>
+              <a:buChar char="•"/>
+              <a:defRPr sz="1800" kern="1200">
+                <a:solidFill>
+                  <a:schemeClr val="tx1"/>
+                </a:solidFill>
+                <a:latin typeface="+mn-lt"/>
+                <a:ea typeface="+mn-ea"/>
+                <a:cs typeface="+mn-cs"/>
+              </a:defRPr>
+            </a:lvl9pPr>
+          </a:lstStyle>
+          <a:p>
+            <a:r>
+              <a:rPr lang="en-US" dirty="0"/>
+              <a:t>Proline F-H increased compared to NFL and NFM </a:t>
+            </a:r>
+          </a:p>
+          <a:p>
+            <a:pPr lvl="1"/>
+            <a:r>
+              <a:rPr lang="en-US" dirty="0"/>
+              <a:t>(Originally because </a:t>
+            </a:r>
+            <a:r>
+              <a:rPr lang="en-US" dirty="0" err="1"/>
+              <a:t>Zhulina</a:t>
+            </a:r>
+            <a:r>
+              <a:rPr lang="en-US" dirty="0"/>
+              <a:t> and </a:t>
+            </a:r>
+            <a:r>
+              <a:rPr lang="en-US" dirty="0" err="1"/>
+              <a:t>exptl</a:t>
+            </a:r>
+            <a:r>
+              <a:rPr lang="en-US" dirty="0"/>
+              <a:t> values very different)</a:t>
+            </a:r>
+          </a:p>
+          <a:p>
+            <a:pPr lvl="1"/>
+            <a:r>
+              <a:rPr lang="en-US" dirty="0"/>
+              <a:t>Phosphorylation may change F-H of </a:t>
+            </a:r>
+            <a:r>
+              <a:rPr lang="en-US" dirty="0" err="1"/>
+              <a:t>KsP</a:t>
+            </a:r>
+            <a:r>
+              <a:rPr lang="en-US" dirty="0"/>
+              <a:t> units</a:t>
+            </a:r>
+          </a:p>
+          <a:p>
+            <a:pPr lvl="1"/>
+            <a:r>
+              <a:rPr lang="en-US" dirty="0"/>
+              <a:t>More rigorous method is to change F-H of phosphorylated s/t </a:t>
+            </a:r>
+          </a:p>
+        </p:txBody>
+      </p:sp>
+      <p:grpSp>
+        <p:nvGrpSpPr>
+          <p:cNvPr id="12" name="Group 11">
+            <a:extLst>
+              <a:ext uri="{FF2B5EF4-FFF2-40B4-BE49-F238E27FC236}">
+                <a16:creationId xmlns:a16="http://schemas.microsoft.com/office/drawing/2014/main" id="{3E1786C8-28A5-85A3-9FF2-F76AAC713634}"/>
+              </a:ext>
+            </a:extLst>
+          </p:cNvPr>
+          <p:cNvGrpSpPr/>
+          <p:nvPr/>
+        </p:nvGrpSpPr>
+        <p:grpSpPr>
+          <a:xfrm>
+            <a:off x="1057274" y="3621424"/>
+            <a:ext cx="9353552" cy="2551182"/>
+            <a:chOff x="1066799" y="3225661"/>
+            <a:chExt cx="9353552" cy="2551182"/>
+          </a:xfrm>
+        </p:grpSpPr>
+        <p:grpSp>
+          <p:nvGrpSpPr>
+            <p:cNvPr id="9" name="Group 8">
+              <a:extLst>
+                <a:ext uri="{FF2B5EF4-FFF2-40B4-BE49-F238E27FC236}">
+                  <a16:creationId xmlns:a16="http://schemas.microsoft.com/office/drawing/2014/main" id="{038E499E-5C3F-CC45-A834-7DE6973B18DB}"/>
+                </a:ext>
+              </a:extLst>
+            </p:cNvPr>
+            <p:cNvGrpSpPr/>
+            <p:nvPr/>
+          </p:nvGrpSpPr>
+          <p:grpSpPr>
+            <a:xfrm>
+              <a:off x="1314451" y="3225661"/>
+              <a:ext cx="9105900" cy="2551182"/>
+              <a:chOff x="1181101" y="2890768"/>
+              <a:chExt cx="9105900" cy="2551182"/>
+            </a:xfrm>
+          </p:grpSpPr>
+          <p:pic>
+            <p:nvPicPr>
+              <p:cNvPr id="6146" name="Picture 2">
+                <a:extLst>
+                  <a:ext uri="{FF2B5EF4-FFF2-40B4-BE49-F238E27FC236}">
+                    <a16:creationId xmlns:a16="http://schemas.microsoft.com/office/drawing/2014/main" id="{B134C198-B1B8-0C08-1DB7-ED4CB07C26F5}"/>
+                  </a:ext>
+                </a:extLst>
+              </p:cNvPr>
+              <p:cNvPicPr>
+                <a:picLocks noChangeAspect="1" noChangeArrowheads="1"/>
+              </p:cNvPicPr>
+              <p:nvPr/>
+            </p:nvPicPr>
+            <p:blipFill rotWithShape="1">
+              <a:blip r:embed="rId2">
+                <a:extLst>
+                  <a:ext uri="{28A0092B-C50C-407E-A947-70E740481C1C}">
+                    <a14:useLocalDpi xmlns:a14="http://schemas.microsoft.com/office/drawing/2010/main" val="0"/>
+                  </a:ext>
+                </a:extLst>
+              </a:blip>
+              <a:srcRect b="84629"/>
+              <a:stretch/>
+            </p:blipFill>
+            <p:spPr bwMode="auto">
+              <a:xfrm>
+                <a:off x="1181101" y="2890768"/>
+                <a:ext cx="9105900" cy="338207"/>
+              </a:xfrm>
+              <a:prstGeom prst="rect">
+                <a:avLst/>
+              </a:prstGeom>
+              <a:noFill/>
+              <a:extLst>
+                <a:ext uri="{909E8E84-426E-40DD-AFC4-6F175D3DCCD1}">
+                  <a14:hiddenFill xmlns:a14="http://schemas.microsoft.com/office/drawing/2010/main">
+                    <a:solidFill>
+                      <a:srgbClr val="FFFFFF"/>
+                    </a:solidFill>
+                  </a14:hiddenFill>
+                </a:ext>
+              </a:extLst>
+            </p:spPr>
+          </p:pic>
+          <p:grpSp>
+            <p:nvGrpSpPr>
+              <p:cNvPr id="6" name="Group 5">
+                <a:extLst>
+                  <a:ext uri="{FF2B5EF4-FFF2-40B4-BE49-F238E27FC236}">
+                    <a16:creationId xmlns:a16="http://schemas.microsoft.com/office/drawing/2014/main" id="{EB5F9D72-4155-3200-CF6D-FE8973335D50}"/>
+                  </a:ext>
+                </a:extLst>
+              </p:cNvPr>
+              <p:cNvGrpSpPr/>
+              <p:nvPr/>
+            </p:nvGrpSpPr>
+            <p:grpSpPr>
+              <a:xfrm>
+                <a:off x="1181101" y="3228975"/>
+                <a:ext cx="8940113" cy="2212975"/>
+                <a:chOff x="5155438" y="5061492"/>
+                <a:chExt cx="5110627" cy="1265050"/>
+              </a:xfrm>
+            </p:grpSpPr>
+            <p:pic>
+              <p:nvPicPr>
+                <p:cNvPr id="7" name="Picture 6">
+                  <a:extLst>
+                    <a:ext uri="{FF2B5EF4-FFF2-40B4-BE49-F238E27FC236}">
+                      <a16:creationId xmlns:a16="http://schemas.microsoft.com/office/drawing/2014/main" id="{2473DE02-F7B8-7B44-0960-AB1DCECF2B04}"/>
+                    </a:ext>
+                  </a:extLst>
+                </p:cNvPr>
+                <p:cNvPicPr>
+                  <a:picLocks noChangeAspect="1" noChangeArrowheads="1"/>
+                </p:cNvPicPr>
+                <p:nvPr/>
+              </p:nvPicPr>
+              <p:blipFill rotWithShape="1">
+                <a:blip r:embed="rId3">
+                  <a:extLst>
+                    <a:ext uri="{28A0092B-C50C-407E-A947-70E740481C1C}">
+                      <a14:useLocalDpi xmlns:a14="http://schemas.microsoft.com/office/drawing/2010/main" val="0"/>
+                    </a:ext>
+                  </a:extLst>
+                </a:blip>
+                <a:srcRect t="1" b="84583"/>
+                <a:stretch/>
+              </p:blipFill>
+              <p:spPr bwMode="auto">
+                <a:xfrm>
+                  <a:off x="5155439" y="5061492"/>
+                  <a:ext cx="5110626" cy="190366"/>
+                </a:xfrm>
+                <a:prstGeom prst="rect">
+                  <a:avLst/>
+                </a:prstGeom>
+                <a:noFill/>
+                <a:extLst>
+                  <a:ext uri="{909E8E84-426E-40DD-AFC4-6F175D3DCCD1}">
+                    <a14:hiddenFill xmlns:a14="http://schemas.microsoft.com/office/drawing/2010/main">
+                      <a:solidFill>
+                        <a:srgbClr val="FFFFFF"/>
+                      </a:solidFill>
+                    </a14:hiddenFill>
+                  </a:ext>
+                </a:extLst>
+              </p:spPr>
+            </p:pic>
+            <p:pic>
+              <p:nvPicPr>
+                <p:cNvPr id="8" name="Picture 8">
+                  <a:extLst>
+                    <a:ext uri="{FF2B5EF4-FFF2-40B4-BE49-F238E27FC236}">
+                      <a16:creationId xmlns:a16="http://schemas.microsoft.com/office/drawing/2014/main" id="{2B490AEE-F8C5-89DC-60B4-BD1B1AEF1E0B}"/>
+                    </a:ext>
+                  </a:extLst>
+                </p:cNvPr>
+                <p:cNvPicPr>
+                  <a:picLocks noChangeAspect="1" noChangeArrowheads="1"/>
+                </p:cNvPicPr>
+                <p:nvPr/>
+              </p:nvPicPr>
+              <p:blipFill rotWithShape="1">
+                <a:blip r:embed="rId4">
+                  <a:extLst>
+                    <a:ext uri="{28A0092B-C50C-407E-A947-70E740481C1C}">
+                      <a14:useLocalDpi xmlns:a14="http://schemas.microsoft.com/office/drawing/2010/main" val="0"/>
+                    </a:ext>
+                  </a:extLst>
+                </a:blip>
+                <a:srcRect t="17568"/>
+                <a:stretch/>
+              </p:blipFill>
+              <p:spPr bwMode="auto">
+                <a:xfrm>
+                  <a:off x="5155438" y="5308599"/>
+                  <a:ext cx="5110627" cy="1017943"/>
+                </a:xfrm>
+                <a:prstGeom prst="rect">
+                  <a:avLst/>
+                </a:prstGeom>
+                <a:noFill/>
+                <a:extLst>
+                  <a:ext uri="{909E8E84-426E-40DD-AFC4-6F175D3DCCD1}">
+                    <a14:hiddenFill xmlns:a14="http://schemas.microsoft.com/office/drawing/2010/main">
+                      <a:solidFill>
+                        <a:srgbClr val="FFFFFF"/>
+                      </a:solidFill>
+                    </a14:hiddenFill>
+                  </a:ext>
+                </a:extLst>
+              </p:spPr>
+            </p:pic>
+          </p:grpSp>
+        </p:grpSp>
+        <p:sp>
+          <p:nvSpPr>
+            <p:cNvPr id="10" name="Rectangle 9">
+              <a:extLst>
+                <a:ext uri="{FF2B5EF4-FFF2-40B4-BE49-F238E27FC236}">
+                  <a16:creationId xmlns:a16="http://schemas.microsoft.com/office/drawing/2014/main" id="{F681E6B0-BC76-EC4B-78D8-74E1C0E31DF6}"/>
+                </a:ext>
+              </a:extLst>
+            </p:cNvPr>
+            <p:cNvSpPr/>
+            <p:nvPr/>
+          </p:nvSpPr>
+          <p:spPr>
+            <a:xfrm>
+              <a:off x="1066801" y="3225661"/>
+              <a:ext cx="946836" cy="333010"/>
+            </a:xfrm>
+            <a:prstGeom prst="rect">
+              <a:avLst/>
+            </a:prstGeom>
+          </p:spPr>
+          <p:style>
+            <a:lnRef idx="2">
+              <a:schemeClr val="accent1">
+                <a:shade val="15000"/>
+              </a:schemeClr>
+            </a:lnRef>
+            <a:fillRef idx="1">
+              <a:schemeClr val="accent1"/>
+            </a:fillRef>
+            <a:effectRef idx="0">
+              <a:schemeClr val="accent1"/>
+            </a:effectRef>
+            <a:fontRef idx="minor">
+              <a:schemeClr val="lt1"/>
+            </a:fontRef>
+          </p:style>
+          <p:txBody>
+            <a:bodyPr rtlCol="0" anchor="ctr"/>
+            <a:lstStyle/>
+            <a:p>
+              <a:pPr algn="ctr"/>
+              <a:r>
+                <a:rPr lang="en-US" dirty="0"/>
+                <a:t>Proline</a:t>
+              </a:r>
+            </a:p>
+          </p:txBody>
+        </p:sp>
+        <p:sp>
+          <p:nvSpPr>
+            <p:cNvPr id="11" name="Rectangle 10">
+              <a:extLst>
+                <a:ext uri="{FF2B5EF4-FFF2-40B4-BE49-F238E27FC236}">
+                  <a16:creationId xmlns:a16="http://schemas.microsoft.com/office/drawing/2014/main" id="{ACB61C0F-DF9E-E8E3-A183-52302F99F6C1}"/>
+                </a:ext>
+              </a:extLst>
+            </p:cNvPr>
+            <p:cNvSpPr/>
+            <p:nvPr/>
+          </p:nvSpPr>
+          <p:spPr>
+            <a:xfrm>
+              <a:off x="1066799" y="3578370"/>
+              <a:ext cx="1323976" cy="333010"/>
+            </a:xfrm>
+            <a:prstGeom prst="rect">
+              <a:avLst/>
+            </a:prstGeom>
+          </p:spPr>
+          <p:style>
+            <a:lnRef idx="2">
+              <a:schemeClr val="accent1">
+                <a:shade val="15000"/>
+              </a:schemeClr>
+            </a:lnRef>
+            <a:fillRef idx="1">
+              <a:schemeClr val="accent1"/>
+            </a:fillRef>
+            <a:effectRef idx="0">
+              <a:schemeClr val="accent1"/>
+            </a:effectRef>
+            <a:fontRef idx="minor">
+              <a:schemeClr val="lt1"/>
+            </a:fontRef>
+          </p:style>
+          <p:txBody>
+            <a:bodyPr rtlCol="0" anchor="ctr"/>
+            <a:lstStyle/>
+            <a:p>
+              <a:pPr algn="ctr"/>
+              <a:r>
+                <a:rPr lang="en-US" dirty="0"/>
+                <a:t>Phos sites</a:t>
+              </a:r>
+            </a:p>
+          </p:txBody>
+        </p:sp>
+      </p:grpSp>
+    </p:spTree>
+    <p:extLst>
+      <p:ext uri="{BB962C8B-B14F-4D97-AF65-F5344CB8AC3E}">
+        <p14:creationId xmlns:p14="http://schemas.microsoft.com/office/powerpoint/2010/main" val="710196163"/>
+      </p:ext>
+    </p:extLst>
+  </p:cSld>
+  <p:clrMapOvr>
+    <a:masterClrMapping/>
+  </p:clrMapOvr>
+</p:sld>
+</file>
+
 <file path=ppt/slides/slide2.xml><?xml version="1.0" encoding="utf-8"?>
 <p:sld xmlns:a="http://schemas.openxmlformats.org/drawingml/2006/main" xmlns:r="http://schemas.openxmlformats.org/officeDocument/2006/relationships" xmlns:p="http://schemas.openxmlformats.org/presentationml/2006/main">
   <p:cSld>
@@ -4519,7 +5263,7 @@
         </p:blipFill>
         <p:spPr bwMode="auto">
           <a:xfrm>
-            <a:off x="475218" y="2349144"/>
+            <a:off x="503793" y="2525458"/>
             <a:ext cx="3618658" cy="2616156"/>
           </a:xfrm>
           <a:prstGeom prst="rect">
@@ -4551,7 +5295,7 @@
         </p:nvGrpSpPr>
         <p:grpSpPr>
           <a:xfrm>
-            <a:off x="4304943" y="2349144"/>
+            <a:off x="4333518" y="2525458"/>
             <a:ext cx="3384652" cy="2616156"/>
             <a:chOff x="5369752" y="142807"/>
             <a:chExt cx="3109914" cy="2403798"/>
@@ -4658,7 +5402,7 @@
         </p:nvGrpSpPr>
         <p:grpSpPr>
           <a:xfrm>
-            <a:off x="7940573" y="2349144"/>
+            <a:off x="7969148" y="2525458"/>
             <a:ext cx="3384652" cy="2616156"/>
             <a:chOff x="3674846" y="4320986"/>
             <a:chExt cx="2937510" cy="2270539"/>
@@ -4751,50 +5495,6 @@
           </p:txBody>
         </p:sp>
       </p:grpSp>
-      <p:cxnSp>
-        <p:nvCxnSpPr>
-          <p:cNvPr id="21" name="Straight Arrow Connector 20">
-            <a:extLst>
-              <a:ext uri="{FF2B5EF4-FFF2-40B4-BE49-F238E27FC236}">
-                <a16:creationId xmlns:a16="http://schemas.microsoft.com/office/drawing/2014/main" id="{DA39E220-560B-0889-2559-61A33D16D2DD}"/>
-              </a:ext>
-            </a:extLst>
-          </p:cNvPr>
-          <p:cNvCxnSpPr>
-            <a:cxnSpLocks/>
-          </p:cNvCxnSpPr>
-          <p:nvPr/>
-        </p:nvCxnSpPr>
-        <p:spPr>
-          <a:xfrm>
-            <a:off x="6953250" y="4317041"/>
-            <a:ext cx="2605366" cy="197809"/>
-          </a:xfrm>
-          <a:prstGeom prst="straightConnector1">
-            <a:avLst/>
-          </a:prstGeom>
-          <a:ln w="19050">
-            <a:solidFill>
-              <a:srgbClr val="C00000"/>
-            </a:solidFill>
-            <a:tailEnd type="triangle"/>
-          </a:ln>
-        </p:spPr>
-        <p:style>
-          <a:lnRef idx="1">
-            <a:schemeClr val="accent1"/>
-          </a:lnRef>
-          <a:fillRef idx="0">
-            <a:schemeClr val="accent1"/>
-          </a:fillRef>
-          <a:effectRef idx="0">
-            <a:schemeClr val="accent1"/>
-          </a:effectRef>
-          <a:fontRef idx="minor">
-            <a:schemeClr val="tx1"/>
-          </a:fontRef>
-        </p:style>
-      </p:cxnSp>
       <p:sp>
         <p:nvSpPr>
           <p:cNvPr id="28" name="Content Placeholder 2">
@@ -5009,7 +5709,7 @@
             <a:pPr lvl="1"/>
             <a:r>
               <a:rPr lang="en-US" dirty="0"/>
-              <a:t>Distribution of the chains in inner vs outer layer approx. 50%</a:t>
+              <a:t>Fraction of chains in inner while rest in outer layer (fraction in inner layer decreases as screening decreases)</a:t>
             </a:r>
           </a:p>
         </p:txBody>
@@ -5121,8 +5821,8 @@
         </p:nvCxnSpPr>
         <p:spPr>
           <a:xfrm flipV="1">
-            <a:off x="7451470" y="4774136"/>
-            <a:ext cx="1063880" cy="1002093"/>
+            <a:off x="7451470" y="4867257"/>
+            <a:ext cx="907700" cy="908972"/>
           </a:xfrm>
           <a:prstGeom prst="straightConnector1">
             <a:avLst/>
@@ -5985,7 +6685,7 @@
           <p:cNvPr id="2" name="Title 1">
             <a:extLst>
               <a:ext uri="{FF2B5EF4-FFF2-40B4-BE49-F238E27FC236}">
-                <a16:creationId xmlns:a16="http://schemas.microsoft.com/office/drawing/2014/main" id="{97861170-0191-9B8E-B434-07BB3EB1DB34}"/>
+                <a16:creationId xmlns:a16="http://schemas.microsoft.com/office/drawing/2014/main" id="{0ECB7215-559A-C3D0-8516-BCDF0CBDA66A}"/>
               </a:ext>
             </a:extLst>
           </p:cNvPr>
@@ -6007,7 +6707,7 @@
             </a:r>
             <a:r>
               <a:rPr lang="en-US" dirty="0"/>
-              <a:t>(D2)</a:t>
+              <a:t> Option 1: same chi, b60v15</a:t>
             </a:r>
           </a:p>
         </p:txBody>
@@ -6017,7 +6717,7 @@
           <p:cNvPr id="3" name="Slide Number Placeholder 2">
             <a:extLst>
               <a:ext uri="{FF2B5EF4-FFF2-40B4-BE49-F238E27FC236}">
-                <a16:creationId xmlns:a16="http://schemas.microsoft.com/office/drawing/2014/main" id="{DF2F98F4-7B82-DE0D-2D14-7FCBB6CD2ECB}"/>
+                <a16:creationId xmlns:a16="http://schemas.microsoft.com/office/drawing/2014/main" id="{9E388C0F-15A0-7138-FEBA-D6A9424161E3}"/>
               </a:ext>
             </a:extLst>
           </p:cNvPr>
@@ -6041,10 +6741,229 @@
           </a:p>
         </p:txBody>
       </p:sp>
+      <p:sp>
+        <p:nvSpPr>
+          <p:cNvPr id="4" name="Content Placeholder 2">
+            <a:extLst>
+              <a:ext uri="{FF2B5EF4-FFF2-40B4-BE49-F238E27FC236}">
+                <a16:creationId xmlns:a16="http://schemas.microsoft.com/office/drawing/2014/main" id="{AC6A9A94-8932-B05B-C38B-DFBE459587B2}"/>
+              </a:ext>
+            </a:extLst>
+          </p:cNvPr>
+          <p:cNvSpPr txBox="1">
+            <a:spLocks/>
+          </p:cNvSpPr>
+          <p:nvPr/>
+        </p:nvSpPr>
+        <p:spPr>
+          <a:xfrm>
+            <a:off x="838200" y="1081157"/>
+            <a:ext cx="10515600" cy="5109249"/>
+          </a:xfrm>
+          <a:prstGeom prst="rect">
+            <a:avLst/>
+          </a:prstGeom>
+        </p:spPr>
+        <p:txBody>
+          <a:bodyPr/>
+          <a:lstStyle>
+            <a:lvl1pPr marL="228600" indent="-228600" algn="l" defTabSz="914400" rtl="0" eaLnBrk="1" latinLnBrk="0" hangingPunct="1">
+              <a:lnSpc>
+                <a:spcPct val="100000"/>
+              </a:lnSpc>
+              <a:spcBef>
+                <a:spcPts val="1000"/>
+              </a:spcBef>
+              <a:spcAft>
+                <a:spcPts val="1200"/>
+              </a:spcAft>
+              <a:buFont typeface="Arial" panose="020B0604020202020204" pitchFamily="34" charset="0"/>
+              <a:buChar char="•"/>
+              <a:defRPr sz="2400" kern="1200">
+                <a:solidFill>
+                  <a:schemeClr val="tx1"/>
+                </a:solidFill>
+                <a:latin typeface="Lucida Grande" pitchFamily="2" charset="0"/>
+                <a:ea typeface="Lucida Grande" pitchFamily="2" charset="0"/>
+                <a:cs typeface="Lucida Grande" pitchFamily="2" charset="0"/>
+              </a:defRPr>
+            </a:lvl1pPr>
+            <a:lvl2pPr marL="685800" indent="-228600" algn="l" defTabSz="914400" rtl="0" eaLnBrk="1" latinLnBrk="0" hangingPunct="1">
+              <a:lnSpc>
+                <a:spcPct val="100000"/>
+              </a:lnSpc>
+              <a:spcBef>
+                <a:spcPts val="500"/>
+              </a:spcBef>
+              <a:spcAft>
+                <a:spcPts val="1200"/>
+              </a:spcAft>
+              <a:buFont typeface="Arial" panose="020B0604020202020204" pitchFamily="34" charset="0"/>
+              <a:buChar char="•"/>
+              <a:defRPr sz="2000" kern="1200">
+                <a:solidFill>
+                  <a:schemeClr val="tx1"/>
+                </a:solidFill>
+                <a:latin typeface="Lucida Grande" pitchFamily="2" charset="0"/>
+                <a:ea typeface="Lucida Grande" pitchFamily="2" charset="0"/>
+                <a:cs typeface="Lucida Grande" pitchFamily="2" charset="0"/>
+              </a:defRPr>
+            </a:lvl2pPr>
+            <a:lvl3pPr marL="1143000" indent="-228600" algn="l" defTabSz="914400" rtl="0" eaLnBrk="1" latinLnBrk="0" hangingPunct="1">
+              <a:lnSpc>
+                <a:spcPct val="100000"/>
+              </a:lnSpc>
+              <a:spcBef>
+                <a:spcPts val="500"/>
+              </a:spcBef>
+              <a:spcAft>
+                <a:spcPts val="1200"/>
+              </a:spcAft>
+              <a:buFont typeface="Arial" panose="020B0604020202020204" pitchFamily="34" charset="0"/>
+              <a:buChar char="•"/>
+              <a:defRPr sz="1800" kern="1200">
+                <a:solidFill>
+                  <a:schemeClr val="tx1"/>
+                </a:solidFill>
+                <a:latin typeface="Lucida Grande" pitchFamily="2" charset="0"/>
+                <a:ea typeface="Lucida Grande" pitchFamily="2" charset="0"/>
+                <a:cs typeface="Lucida Grande" pitchFamily="2" charset="0"/>
+              </a:defRPr>
+            </a:lvl3pPr>
+            <a:lvl4pPr marL="1600200" indent="-228600" algn="l" defTabSz="914400" rtl="0" eaLnBrk="1" latinLnBrk="0" hangingPunct="1">
+              <a:lnSpc>
+                <a:spcPct val="100000"/>
+              </a:lnSpc>
+              <a:spcBef>
+                <a:spcPts val="500"/>
+              </a:spcBef>
+              <a:spcAft>
+                <a:spcPts val="1200"/>
+              </a:spcAft>
+              <a:buFont typeface="Arial" panose="020B0604020202020204" pitchFamily="34" charset="0"/>
+              <a:buChar char="•"/>
+              <a:defRPr sz="1600" kern="1200">
+                <a:solidFill>
+                  <a:schemeClr val="tx1"/>
+                </a:solidFill>
+                <a:latin typeface="Lucida Grande" pitchFamily="2" charset="0"/>
+                <a:ea typeface="Lucida Grande" pitchFamily="2" charset="0"/>
+                <a:cs typeface="Lucida Grande" pitchFamily="2" charset="0"/>
+              </a:defRPr>
+            </a:lvl4pPr>
+            <a:lvl5pPr marL="2057400" indent="-228600" algn="l" defTabSz="914400" rtl="0" eaLnBrk="1" latinLnBrk="0" hangingPunct="1">
+              <a:lnSpc>
+                <a:spcPct val="100000"/>
+              </a:lnSpc>
+              <a:spcBef>
+                <a:spcPts val="500"/>
+              </a:spcBef>
+              <a:spcAft>
+                <a:spcPts val="1200"/>
+              </a:spcAft>
+              <a:buFont typeface="Arial" panose="020B0604020202020204" pitchFamily="34" charset="0"/>
+              <a:buChar char="•"/>
+              <a:defRPr sz="1600" kern="1200">
+                <a:solidFill>
+                  <a:schemeClr val="tx1"/>
+                </a:solidFill>
+                <a:latin typeface="Lucida Grande" pitchFamily="2" charset="0"/>
+                <a:ea typeface="Lucida Grande" pitchFamily="2" charset="0"/>
+                <a:cs typeface="Lucida Grande" pitchFamily="2" charset="0"/>
+              </a:defRPr>
+            </a:lvl5pPr>
+            <a:lvl6pPr marL="2514600" indent="-228600" algn="l" defTabSz="914400" rtl="0" eaLnBrk="1" latinLnBrk="0" hangingPunct="1">
+              <a:lnSpc>
+                <a:spcPct val="90000"/>
+              </a:lnSpc>
+              <a:spcBef>
+                <a:spcPts val="500"/>
+              </a:spcBef>
+              <a:buFont typeface="Arial" panose="020B0604020202020204" pitchFamily="34" charset="0"/>
+              <a:buChar char="•"/>
+              <a:defRPr sz="1800" kern="1200">
+                <a:solidFill>
+                  <a:schemeClr val="tx1"/>
+                </a:solidFill>
+                <a:latin typeface="+mn-lt"/>
+                <a:ea typeface="+mn-ea"/>
+                <a:cs typeface="+mn-cs"/>
+              </a:defRPr>
+            </a:lvl6pPr>
+            <a:lvl7pPr marL="2971800" indent="-228600" algn="l" defTabSz="914400" rtl="0" eaLnBrk="1" latinLnBrk="0" hangingPunct="1">
+              <a:lnSpc>
+                <a:spcPct val="90000"/>
+              </a:lnSpc>
+              <a:spcBef>
+                <a:spcPts val="500"/>
+              </a:spcBef>
+              <a:buFont typeface="Arial" panose="020B0604020202020204" pitchFamily="34" charset="0"/>
+              <a:buChar char="•"/>
+              <a:defRPr sz="1800" kern="1200">
+                <a:solidFill>
+                  <a:schemeClr val="tx1"/>
+                </a:solidFill>
+                <a:latin typeface="+mn-lt"/>
+                <a:ea typeface="+mn-ea"/>
+                <a:cs typeface="+mn-cs"/>
+              </a:defRPr>
+            </a:lvl7pPr>
+            <a:lvl8pPr marL="3429000" indent="-228600" algn="l" defTabSz="914400" rtl="0" eaLnBrk="1" latinLnBrk="0" hangingPunct="1">
+              <a:lnSpc>
+                <a:spcPct val="90000"/>
+              </a:lnSpc>
+              <a:spcBef>
+                <a:spcPts val="500"/>
+              </a:spcBef>
+              <a:buFont typeface="Arial" panose="020B0604020202020204" pitchFamily="34" charset="0"/>
+              <a:buChar char="•"/>
+              <a:defRPr sz="1800" kern="1200">
+                <a:solidFill>
+                  <a:schemeClr val="tx1"/>
+                </a:solidFill>
+                <a:latin typeface="+mn-lt"/>
+                <a:ea typeface="+mn-ea"/>
+                <a:cs typeface="+mn-cs"/>
+              </a:defRPr>
+            </a:lvl8pPr>
+            <a:lvl9pPr marL="3886200" indent="-228600" algn="l" defTabSz="914400" rtl="0" eaLnBrk="1" latinLnBrk="0" hangingPunct="1">
+              <a:lnSpc>
+                <a:spcPct val="90000"/>
+              </a:lnSpc>
+              <a:spcBef>
+                <a:spcPts val="500"/>
+              </a:spcBef>
+              <a:buFont typeface="Arial" panose="020B0604020202020204" pitchFamily="34" charset="0"/>
+              <a:buChar char="•"/>
+              <a:defRPr sz="1800" kern="1200">
+                <a:solidFill>
+                  <a:schemeClr val="tx1"/>
+                </a:solidFill>
+                <a:latin typeface="+mn-lt"/>
+                <a:ea typeface="+mn-ea"/>
+                <a:cs typeface="+mn-cs"/>
+              </a:defRPr>
+            </a:lvl9pPr>
+          </a:lstStyle>
+          <a:p>
+            <a:r>
+              <a:rPr lang="en-US" dirty="0"/>
+              <a:t>No change in F-H parameters compared to NFL and NFM</a:t>
+            </a:r>
+          </a:p>
+          <a:p>
+            <a:pPr lvl="1"/>
+            <a:r>
+              <a:rPr lang="en-US" dirty="0"/>
+              <a:t>Worse fit than Option 2</a:t>
+            </a:r>
+          </a:p>
+        </p:txBody>
+      </p:sp>
     </p:spTree>
     <p:extLst>
       <p:ext uri="{BB962C8B-B14F-4D97-AF65-F5344CB8AC3E}">
-        <p14:creationId xmlns:p14="http://schemas.microsoft.com/office/powerpoint/2010/main" val="710196163"/>
+        <p14:creationId xmlns:p14="http://schemas.microsoft.com/office/powerpoint/2010/main" val="1229037523"/>
       </p:ext>
     </p:extLst>
   </p:cSld>

--- a/202XXX NF Update.pptx
+++ b/202XXX NF Update.pptx
@@ -2769,7 +2769,7 @@
             </a:r>
             <a:r>
               <a:rPr lang="en-US" dirty="0"/>
-              <a:t> Option 2: Proline chi increase, b60v10</a:t>
+              <a:t> Option 2</a:t>
             </a:r>
           </a:p>
         </p:txBody>
@@ -2803,6 +2803,117 @@
           </a:p>
         </p:txBody>
       </p:sp>
+      <p:grpSp>
+        <p:nvGrpSpPr>
+          <p:cNvPr id="4" name="Group 3">
+            <a:extLst>
+              <a:ext uri="{FF2B5EF4-FFF2-40B4-BE49-F238E27FC236}">
+                <a16:creationId xmlns:a16="http://schemas.microsoft.com/office/drawing/2014/main" id="{6F95DE01-3686-8D4C-EF81-3F9D23E4F520}"/>
+              </a:ext>
+            </a:extLst>
+          </p:cNvPr>
+          <p:cNvGrpSpPr/>
+          <p:nvPr/>
+        </p:nvGrpSpPr>
+        <p:grpSpPr>
+          <a:xfrm>
+            <a:off x="3002788" y="4971009"/>
+            <a:ext cx="6510912" cy="1611667"/>
+            <a:chOff x="5155438" y="5061492"/>
+            <a:chExt cx="5110627" cy="1265050"/>
+          </a:xfrm>
+        </p:grpSpPr>
+        <p:pic>
+          <p:nvPicPr>
+            <p:cNvPr id="5" name="Picture 6">
+              <a:extLst>
+                <a:ext uri="{FF2B5EF4-FFF2-40B4-BE49-F238E27FC236}">
+                  <a16:creationId xmlns:a16="http://schemas.microsoft.com/office/drawing/2014/main" id="{66A97EA1-1932-D12E-1E2B-87AE5F624A23}"/>
+                </a:ext>
+              </a:extLst>
+            </p:cNvPr>
+            <p:cNvPicPr>
+              <a:picLocks noChangeAspect="1" noChangeArrowheads="1"/>
+            </p:cNvPicPr>
+            <p:nvPr/>
+          </p:nvPicPr>
+          <p:blipFill rotWithShape="1">
+            <a:blip r:embed="rId2">
+              <a:extLst>
+                <a:ext uri="{28A0092B-C50C-407E-A947-70E740481C1C}">
+                  <a14:useLocalDpi xmlns:a14="http://schemas.microsoft.com/office/drawing/2010/main" val="0"/>
+                </a:ext>
+              </a:extLst>
+            </a:blip>
+            <a:srcRect t="1" b="84583"/>
+            <a:stretch/>
+          </p:blipFill>
+          <p:spPr bwMode="auto">
+            <a:xfrm>
+              <a:off x="5155439" y="5061492"/>
+              <a:ext cx="5110626" cy="190366"/>
+            </a:xfrm>
+            <a:prstGeom prst="rect">
+              <a:avLst/>
+            </a:prstGeom>
+            <a:noFill/>
+            <a:extLst>
+              <a:ext uri="{909E8E84-426E-40DD-AFC4-6F175D3DCCD1}">
+                <a14:hiddenFill xmlns:a14="http://schemas.microsoft.com/office/drawing/2010/main">
+                  <a:solidFill>
+                    <a:srgbClr val="FFFFFF"/>
+                  </a:solidFill>
+                </a14:hiddenFill>
+              </a:ext>
+            </a:extLst>
+          </p:spPr>
+        </p:pic>
+        <p:pic>
+          <p:nvPicPr>
+            <p:cNvPr id="6" name="Picture 8">
+              <a:extLst>
+                <a:ext uri="{FF2B5EF4-FFF2-40B4-BE49-F238E27FC236}">
+                  <a16:creationId xmlns:a16="http://schemas.microsoft.com/office/drawing/2014/main" id="{ADC66054-FEB1-6911-7E92-646DA5906DB3}"/>
+                </a:ext>
+              </a:extLst>
+            </p:cNvPr>
+            <p:cNvPicPr>
+              <a:picLocks noChangeAspect="1" noChangeArrowheads="1"/>
+            </p:cNvPicPr>
+            <p:nvPr/>
+          </p:nvPicPr>
+          <p:blipFill rotWithShape="1">
+            <a:blip r:embed="rId3">
+              <a:extLst>
+                <a:ext uri="{28A0092B-C50C-407E-A947-70E740481C1C}">
+                  <a14:useLocalDpi xmlns:a14="http://schemas.microsoft.com/office/drawing/2010/main" val="0"/>
+                </a:ext>
+              </a:extLst>
+            </a:blip>
+            <a:srcRect t="17568"/>
+            <a:stretch/>
+          </p:blipFill>
+          <p:spPr bwMode="auto">
+            <a:xfrm>
+              <a:off x="5155438" y="5308599"/>
+              <a:ext cx="5110627" cy="1017943"/>
+            </a:xfrm>
+            <a:prstGeom prst="rect">
+              <a:avLst/>
+            </a:prstGeom>
+            <a:noFill/>
+            <a:extLst>
+              <a:ext uri="{909E8E84-426E-40DD-AFC4-6F175D3DCCD1}">
+                <a14:hiddenFill xmlns:a14="http://schemas.microsoft.com/office/drawing/2010/main">
+                  <a:solidFill>
+                    <a:srgbClr val="FFFFFF"/>
+                  </a:solidFill>
+                </a14:hiddenFill>
+              </a:ext>
+            </a:extLst>
+          </p:spPr>
+        </p:pic>
+      </p:grpSp>
     </p:spTree>
     <p:extLst>
       <p:ext uri="{BB962C8B-B14F-4D97-AF65-F5344CB8AC3E}">
@@ -2860,7 +2971,7 @@
             </a:r>
             <a:r>
               <a:rPr lang="en-US" dirty="0"/>
-              <a:t> Option 2: Why</a:t>
+              <a:t> Options: Why</a:t>
             </a:r>
           </a:p>
         </p:txBody>
@@ -3101,14 +3212,19 @@
           <a:p>
             <a:r>
               <a:rPr lang="en-US" dirty="0"/>
-              <a:t>Proline F-H increased compared to NFL and NFM </a:t>
-            </a:r>
+              <a:t>Option 2 changes F-H of Proline (increase) in </a:t>
+            </a:r>
+            <a:r>
+              <a:rPr lang="en-US" dirty="0" err="1"/>
+              <a:t>pNFH</a:t>
+            </a:r>
+            <a:endParaRPr lang="en-US" dirty="0"/>
           </a:p>
           <a:p>
             <a:pPr lvl="1"/>
             <a:r>
               <a:rPr lang="en-US" dirty="0"/>
-              <a:t>(Originally because </a:t>
+              <a:t>Originally because </a:t>
             </a:r>
             <a:r>
               <a:rPr lang="en-US" dirty="0" err="1"/>
@@ -3116,7 +3232,26 @@
             </a:r>
             <a:r>
               <a:rPr lang="en-US" dirty="0"/>
-              <a:t> and </a:t>
+              <a:t> made P hydrophobic and </a:t>
+            </a:r>
+            <a:r>
+              <a:rPr lang="en-US" dirty="0" err="1"/>
+              <a:t>expts</a:t>
+            </a:r>
+            <a:r>
+              <a:rPr lang="en-US" dirty="0"/>
+              <a:t> reported P </a:t>
+            </a:r>
+            <a:r>
+              <a:rPr lang="en-US" dirty="0" err="1"/>
+              <a:t>hydrophillic</a:t>
+            </a:r>
+            <a:endParaRPr lang="en-US" dirty="0"/>
+          </a:p>
+          <a:p>
+            <a:r>
+              <a:rPr lang="en-US" dirty="0"/>
+              <a:t>Option 2 height response closest to </a:t>
             </a:r>
             <a:r>
               <a:rPr lang="en-US" dirty="0" err="1"/>
@@ -3124,7 +3259,7 @@
             </a:r>
             <a:r>
               <a:rPr lang="en-US" dirty="0"/>
-              <a:t> values very different)</a:t>
+              <a:t> values in all testing</a:t>
             </a:r>
           </a:p>
           <a:p>
@@ -3146,7 +3281,7 @@
             <a:pPr lvl="1"/>
             <a:r>
               <a:rPr lang="en-US" dirty="0"/>
-              <a:t>More rigorous method is to change F-H of phosphorylated s/t </a:t>
+              <a:t>More rigorous method is to change F-H of phosphorylated s/t instead of P</a:t>
             </a:r>
           </a:p>
         </p:txBody>
@@ -3165,7 +3300,7 @@
         </p:nvGrpSpPr>
         <p:grpSpPr>
           <a:xfrm>
-            <a:off x="1057274" y="3621424"/>
+            <a:off x="1066799" y="4306818"/>
             <a:ext cx="9353552" cy="2551182"/>
             <a:chOff x="1066799" y="3225661"/>
             <a:chExt cx="9353552" cy="2551182"/>
@@ -5147,6 +5282,481 @@
           </a:p>
         </p:txBody>
       </p:sp>
+      <p:grpSp>
+        <p:nvGrpSpPr>
+          <p:cNvPr id="15" name="Group 14">
+            <a:extLst>
+              <a:ext uri="{FF2B5EF4-FFF2-40B4-BE49-F238E27FC236}">
+                <a16:creationId xmlns:a16="http://schemas.microsoft.com/office/drawing/2014/main" id="{509CB42B-EA80-2FAC-451F-61541114DFD6}"/>
+              </a:ext>
+            </a:extLst>
+          </p:cNvPr>
+          <p:cNvGrpSpPr/>
+          <p:nvPr/>
+        </p:nvGrpSpPr>
+        <p:grpSpPr>
+          <a:xfrm>
+            <a:off x="5791562" y="1338332"/>
+            <a:ext cx="2852737" cy="2205014"/>
+            <a:chOff x="5311198" y="1081157"/>
+            <a:chExt cx="2852737" cy="2205014"/>
+          </a:xfrm>
+        </p:grpSpPr>
+        <p:pic>
+          <p:nvPicPr>
+            <p:cNvPr id="5124" name="Picture 4">
+              <a:extLst>
+                <a:ext uri="{FF2B5EF4-FFF2-40B4-BE49-F238E27FC236}">
+                  <a16:creationId xmlns:a16="http://schemas.microsoft.com/office/drawing/2014/main" id="{53E5BB20-FF45-BC59-9DE9-58C45D45C1B1}"/>
+                </a:ext>
+              </a:extLst>
+            </p:cNvPr>
+            <p:cNvPicPr>
+              <a:picLocks noChangeAspect="1" noChangeArrowheads="1"/>
+            </p:cNvPicPr>
+            <p:nvPr/>
+          </p:nvPicPr>
+          <p:blipFill>
+            <a:blip r:embed="rId3">
+              <a:extLst>
+                <a:ext uri="{28A0092B-C50C-407E-A947-70E740481C1C}">
+                  <a14:useLocalDpi xmlns:a14="http://schemas.microsoft.com/office/drawing/2010/main" val="0"/>
+                </a:ext>
+              </a:extLst>
+            </a:blip>
+            <a:srcRect/>
+            <a:stretch>
+              <a:fillRect/>
+            </a:stretch>
+          </p:blipFill>
+          <p:spPr bwMode="auto">
+            <a:xfrm>
+              <a:off x="5311198" y="1081157"/>
+              <a:ext cx="2852737" cy="2205014"/>
+            </a:xfrm>
+            <a:prstGeom prst="rect">
+              <a:avLst/>
+            </a:prstGeom>
+            <a:noFill/>
+            <a:extLst>
+              <a:ext uri="{909E8E84-426E-40DD-AFC4-6F175D3DCCD1}">
+                <a14:hiddenFill xmlns:a14="http://schemas.microsoft.com/office/drawing/2010/main">
+                  <a:solidFill>
+                    <a:srgbClr val="FFFFFF"/>
+                  </a:solidFill>
+                </a14:hiddenFill>
+              </a:ext>
+            </a:extLst>
+          </p:spPr>
+        </p:pic>
+        <p:sp>
+          <p:nvSpPr>
+            <p:cNvPr id="14" name="TextBox 13">
+              <a:extLst>
+                <a:ext uri="{FF2B5EF4-FFF2-40B4-BE49-F238E27FC236}">
+                  <a16:creationId xmlns:a16="http://schemas.microsoft.com/office/drawing/2014/main" id="{7A935CDF-EAA6-54AB-1D5A-12FFAAA19BAD}"/>
+                </a:ext>
+              </a:extLst>
+            </p:cNvPr>
+            <p:cNvSpPr txBox="1"/>
+            <p:nvPr/>
+          </p:nvSpPr>
+          <p:spPr>
+            <a:xfrm>
+              <a:off x="6096000" y="1362075"/>
+              <a:ext cx="323850" cy="369332"/>
+            </a:xfrm>
+            <a:prstGeom prst="rect">
+              <a:avLst/>
+            </a:prstGeom>
+            <a:noFill/>
+          </p:spPr>
+          <p:txBody>
+            <a:bodyPr wrap="square" rtlCol="0">
+              <a:spAutoFit/>
+            </a:bodyPr>
+            <a:lstStyle/>
+            <a:p>
+              <a:r>
+                <a:rPr lang="en-US" dirty="0">
+                  <a:solidFill>
+                    <a:srgbClr val="C00000"/>
+                  </a:solidFill>
+                </a:rPr>
+                <a:t>1</a:t>
+              </a:r>
+            </a:p>
+          </p:txBody>
+        </p:sp>
+      </p:grpSp>
+      <p:grpSp>
+        <p:nvGrpSpPr>
+          <p:cNvPr id="17" name="Group 16">
+            <a:extLst>
+              <a:ext uri="{FF2B5EF4-FFF2-40B4-BE49-F238E27FC236}">
+                <a16:creationId xmlns:a16="http://schemas.microsoft.com/office/drawing/2014/main" id="{C4D55808-492E-5A65-BFB5-1145C67A7DE4}"/>
+              </a:ext>
+            </a:extLst>
+          </p:cNvPr>
+          <p:cNvGrpSpPr/>
+          <p:nvPr/>
+        </p:nvGrpSpPr>
+        <p:grpSpPr>
+          <a:xfrm>
+            <a:off x="8739549" y="1338332"/>
+            <a:ext cx="2852737" cy="2205014"/>
+            <a:chOff x="8163935" y="1081157"/>
+            <a:chExt cx="2852737" cy="2205014"/>
+          </a:xfrm>
+        </p:grpSpPr>
+        <p:pic>
+          <p:nvPicPr>
+            <p:cNvPr id="5126" name="Picture 6">
+              <a:extLst>
+                <a:ext uri="{FF2B5EF4-FFF2-40B4-BE49-F238E27FC236}">
+                  <a16:creationId xmlns:a16="http://schemas.microsoft.com/office/drawing/2014/main" id="{E51D5379-DE37-AF51-E2AE-0C2E33ACA63B}"/>
+                </a:ext>
+              </a:extLst>
+            </p:cNvPr>
+            <p:cNvPicPr>
+              <a:picLocks noChangeAspect="1" noChangeArrowheads="1"/>
+            </p:cNvPicPr>
+            <p:nvPr/>
+          </p:nvPicPr>
+          <p:blipFill>
+            <a:blip r:embed="rId4">
+              <a:extLst>
+                <a:ext uri="{28A0092B-C50C-407E-A947-70E740481C1C}">
+                  <a14:useLocalDpi xmlns:a14="http://schemas.microsoft.com/office/drawing/2010/main" val="0"/>
+                </a:ext>
+              </a:extLst>
+            </a:blip>
+            <a:srcRect/>
+            <a:stretch>
+              <a:fillRect/>
+            </a:stretch>
+          </p:blipFill>
+          <p:spPr bwMode="auto">
+            <a:xfrm>
+              <a:off x="8163935" y="1081157"/>
+              <a:ext cx="2852737" cy="2205014"/>
+            </a:xfrm>
+            <a:prstGeom prst="rect">
+              <a:avLst/>
+            </a:prstGeom>
+            <a:noFill/>
+            <a:extLst>
+              <a:ext uri="{909E8E84-426E-40DD-AFC4-6F175D3DCCD1}">
+                <a14:hiddenFill xmlns:a14="http://schemas.microsoft.com/office/drawing/2010/main">
+                  <a:solidFill>
+                    <a:srgbClr val="FFFFFF"/>
+                  </a:solidFill>
+                </a14:hiddenFill>
+              </a:ext>
+            </a:extLst>
+          </p:spPr>
+        </p:pic>
+        <p:sp>
+          <p:nvSpPr>
+            <p:cNvPr id="16" name="TextBox 15">
+              <a:extLst>
+                <a:ext uri="{FF2B5EF4-FFF2-40B4-BE49-F238E27FC236}">
+                  <a16:creationId xmlns:a16="http://schemas.microsoft.com/office/drawing/2014/main" id="{8D0016D2-3F7B-94FC-EFB6-FBA168131EEB}"/>
+                </a:ext>
+              </a:extLst>
+            </p:cNvPr>
+            <p:cNvSpPr txBox="1"/>
+            <p:nvPr/>
+          </p:nvSpPr>
+          <p:spPr>
+            <a:xfrm>
+              <a:off x="8948737" y="1362075"/>
+              <a:ext cx="323850" cy="369332"/>
+            </a:xfrm>
+            <a:prstGeom prst="rect">
+              <a:avLst/>
+            </a:prstGeom>
+            <a:noFill/>
+          </p:spPr>
+          <p:txBody>
+            <a:bodyPr wrap="square" rtlCol="0">
+              <a:spAutoFit/>
+            </a:bodyPr>
+            <a:lstStyle/>
+            <a:p>
+              <a:r>
+                <a:rPr lang="en-US" dirty="0">
+                  <a:solidFill>
+                    <a:srgbClr val="C00000"/>
+                  </a:solidFill>
+                </a:rPr>
+                <a:t>2</a:t>
+              </a:r>
+            </a:p>
+          </p:txBody>
+        </p:sp>
+      </p:grpSp>
+      <p:pic>
+        <p:nvPicPr>
+          <p:cNvPr id="5122" name="Picture 2">
+            <a:extLst>
+              <a:ext uri="{FF2B5EF4-FFF2-40B4-BE49-F238E27FC236}">
+                <a16:creationId xmlns:a16="http://schemas.microsoft.com/office/drawing/2014/main" id="{3FC7071B-FA94-D57A-AE9D-9C2022815ED4}"/>
+              </a:ext>
+            </a:extLst>
+          </p:cNvPr>
+          <p:cNvPicPr>
+            <a:picLocks noChangeAspect="1" noChangeArrowheads="1"/>
+          </p:cNvPicPr>
+          <p:nvPr/>
+        </p:nvPicPr>
+        <p:blipFill>
+          <a:blip r:embed="rId5">
+            <a:extLst>
+              <a:ext uri="{28A0092B-C50C-407E-A947-70E740481C1C}">
+                <a14:useLocalDpi xmlns:a14="http://schemas.microsoft.com/office/drawing/2010/main" val="0"/>
+              </a:ext>
+            </a:extLst>
+          </a:blip>
+          <a:srcRect/>
+          <a:stretch>
+            <a:fillRect/>
+          </a:stretch>
+        </p:blipFill>
+        <p:spPr bwMode="auto">
+          <a:xfrm>
+            <a:off x="8228809" y="5304014"/>
+            <a:ext cx="2162823" cy="1553986"/>
+          </a:xfrm>
+          <a:prstGeom prst="rect">
+            <a:avLst/>
+          </a:prstGeom>
+          <a:noFill/>
+          <a:extLst>
+            <a:ext uri="{909E8E84-426E-40DD-AFC4-6F175D3DCCD1}">
+              <a14:hiddenFill xmlns:a14="http://schemas.microsoft.com/office/drawing/2010/main">
+                <a:solidFill>
+                  <a:srgbClr val="FFFFFF"/>
+                </a:solidFill>
+              </a14:hiddenFill>
+            </a:ext>
+          </a:extLst>
+        </p:spPr>
+      </p:pic>
+      <p:grpSp>
+        <p:nvGrpSpPr>
+          <p:cNvPr id="19" name="Group 18">
+            <a:extLst>
+              <a:ext uri="{FF2B5EF4-FFF2-40B4-BE49-F238E27FC236}">
+                <a16:creationId xmlns:a16="http://schemas.microsoft.com/office/drawing/2014/main" id="{7820BD1C-ACA6-9361-ECCC-551F0EEC5588}"/>
+              </a:ext>
+            </a:extLst>
+          </p:cNvPr>
+          <p:cNvGrpSpPr/>
+          <p:nvPr/>
+        </p:nvGrpSpPr>
+        <p:grpSpPr>
+          <a:xfrm>
+            <a:off x="5757862" y="3148418"/>
+            <a:ext cx="2852738" cy="2205015"/>
+            <a:chOff x="5757862" y="3148418"/>
+            <a:chExt cx="2852738" cy="2205015"/>
+          </a:xfrm>
+        </p:grpSpPr>
+        <p:pic>
+          <p:nvPicPr>
+            <p:cNvPr id="5128" name="Picture 8">
+              <a:extLst>
+                <a:ext uri="{FF2B5EF4-FFF2-40B4-BE49-F238E27FC236}">
+                  <a16:creationId xmlns:a16="http://schemas.microsoft.com/office/drawing/2014/main" id="{5118B868-3A20-B230-EDA1-42416D9E29FC}"/>
+                </a:ext>
+              </a:extLst>
+            </p:cNvPr>
+            <p:cNvPicPr>
+              <a:picLocks noChangeAspect="1" noChangeArrowheads="1"/>
+            </p:cNvPicPr>
+            <p:nvPr/>
+          </p:nvPicPr>
+          <p:blipFill>
+            <a:blip r:embed="rId6">
+              <a:extLst>
+                <a:ext uri="{28A0092B-C50C-407E-A947-70E740481C1C}">
+                  <a14:useLocalDpi xmlns:a14="http://schemas.microsoft.com/office/drawing/2010/main" val="0"/>
+                </a:ext>
+              </a:extLst>
+            </a:blip>
+            <a:srcRect/>
+            <a:stretch>
+              <a:fillRect/>
+            </a:stretch>
+          </p:blipFill>
+          <p:spPr bwMode="auto">
+            <a:xfrm>
+              <a:off x="5757862" y="3148418"/>
+              <a:ext cx="2852738" cy="2205015"/>
+            </a:xfrm>
+            <a:prstGeom prst="rect">
+              <a:avLst/>
+            </a:prstGeom>
+            <a:noFill/>
+            <a:extLst>
+              <a:ext uri="{909E8E84-426E-40DD-AFC4-6F175D3DCCD1}">
+                <a14:hiddenFill xmlns:a14="http://schemas.microsoft.com/office/drawing/2010/main">
+                  <a:solidFill>
+                    <a:srgbClr val="FFFFFF"/>
+                  </a:solidFill>
+                </a14:hiddenFill>
+              </a:ext>
+            </a:extLst>
+          </p:spPr>
+        </p:pic>
+        <p:sp>
+          <p:nvSpPr>
+            <p:cNvPr id="18" name="TextBox 17">
+              <a:extLst>
+                <a:ext uri="{FF2B5EF4-FFF2-40B4-BE49-F238E27FC236}">
+                  <a16:creationId xmlns:a16="http://schemas.microsoft.com/office/drawing/2014/main" id="{892A83D8-7424-4A6E-EDC4-994F4B1B811A}"/>
+                </a:ext>
+              </a:extLst>
+            </p:cNvPr>
+            <p:cNvSpPr txBox="1"/>
+            <p:nvPr/>
+          </p:nvSpPr>
+          <p:spPr>
+            <a:xfrm>
+              <a:off x="6576364" y="3407834"/>
+              <a:ext cx="323850" cy="369332"/>
+            </a:xfrm>
+            <a:prstGeom prst="rect">
+              <a:avLst/>
+            </a:prstGeom>
+            <a:noFill/>
+          </p:spPr>
+          <p:txBody>
+            <a:bodyPr wrap="square" rtlCol="0">
+              <a:spAutoFit/>
+            </a:bodyPr>
+            <a:lstStyle/>
+            <a:p>
+              <a:r>
+                <a:rPr lang="en-US" dirty="0">
+                  <a:solidFill>
+                    <a:srgbClr val="C00000"/>
+                  </a:solidFill>
+                </a:rPr>
+                <a:t>3</a:t>
+              </a:r>
+            </a:p>
+          </p:txBody>
+        </p:sp>
+      </p:grpSp>
+      <p:grpSp>
+        <p:nvGrpSpPr>
+          <p:cNvPr id="21" name="Group 20">
+            <a:extLst>
+              <a:ext uri="{FF2B5EF4-FFF2-40B4-BE49-F238E27FC236}">
+                <a16:creationId xmlns:a16="http://schemas.microsoft.com/office/drawing/2014/main" id="{8278671C-B7B6-F06B-3A3A-AB354615BB06}"/>
+              </a:ext>
+            </a:extLst>
+          </p:cNvPr>
+          <p:cNvGrpSpPr/>
+          <p:nvPr/>
+        </p:nvGrpSpPr>
+        <p:grpSpPr>
+          <a:xfrm>
+            <a:off x="8739549" y="3148417"/>
+            <a:ext cx="2852739" cy="2205016"/>
+            <a:chOff x="8739549" y="3148417"/>
+            <a:chExt cx="2852739" cy="2205016"/>
+          </a:xfrm>
+        </p:grpSpPr>
+        <p:pic>
+          <p:nvPicPr>
+            <p:cNvPr id="5130" name="Picture 10">
+              <a:extLst>
+                <a:ext uri="{FF2B5EF4-FFF2-40B4-BE49-F238E27FC236}">
+                  <a16:creationId xmlns:a16="http://schemas.microsoft.com/office/drawing/2014/main" id="{D4B729F6-6BC8-2597-239C-C96DA36B403C}"/>
+                </a:ext>
+              </a:extLst>
+            </p:cNvPr>
+            <p:cNvPicPr>
+              <a:picLocks noChangeAspect="1" noChangeArrowheads="1"/>
+            </p:cNvPicPr>
+            <p:nvPr/>
+          </p:nvPicPr>
+          <p:blipFill>
+            <a:blip r:embed="rId7">
+              <a:extLst>
+                <a:ext uri="{28A0092B-C50C-407E-A947-70E740481C1C}">
+                  <a14:useLocalDpi xmlns:a14="http://schemas.microsoft.com/office/drawing/2010/main" val="0"/>
+                </a:ext>
+              </a:extLst>
+            </a:blip>
+            <a:srcRect/>
+            <a:stretch>
+              <a:fillRect/>
+            </a:stretch>
+          </p:blipFill>
+          <p:spPr bwMode="auto">
+            <a:xfrm>
+              <a:off x="8739549" y="3148417"/>
+              <a:ext cx="2852739" cy="2205016"/>
+            </a:xfrm>
+            <a:prstGeom prst="rect">
+              <a:avLst/>
+            </a:prstGeom>
+            <a:noFill/>
+            <a:extLst>
+              <a:ext uri="{909E8E84-426E-40DD-AFC4-6F175D3DCCD1}">
+                <a14:hiddenFill xmlns:a14="http://schemas.microsoft.com/office/drawing/2010/main">
+                  <a:solidFill>
+                    <a:srgbClr val="FFFFFF"/>
+                  </a:solidFill>
+                </a14:hiddenFill>
+              </a:ext>
+            </a:extLst>
+          </p:spPr>
+        </p:pic>
+        <p:sp>
+          <p:nvSpPr>
+            <p:cNvPr id="20" name="TextBox 19">
+              <a:extLst>
+                <a:ext uri="{FF2B5EF4-FFF2-40B4-BE49-F238E27FC236}">
+                  <a16:creationId xmlns:a16="http://schemas.microsoft.com/office/drawing/2014/main" id="{3A5A68FE-F7E8-BC4D-96E0-2A00686C3027}"/>
+                </a:ext>
+              </a:extLst>
+            </p:cNvPr>
+            <p:cNvSpPr txBox="1"/>
+            <p:nvPr/>
+          </p:nvSpPr>
+          <p:spPr>
+            <a:xfrm>
+              <a:off x="9524351" y="3416551"/>
+              <a:ext cx="323850" cy="369332"/>
+            </a:xfrm>
+            <a:prstGeom prst="rect">
+              <a:avLst/>
+            </a:prstGeom>
+            <a:noFill/>
+          </p:spPr>
+          <p:txBody>
+            <a:bodyPr wrap="square" rtlCol="0">
+              <a:spAutoFit/>
+            </a:bodyPr>
+            <a:lstStyle/>
+            <a:p>
+              <a:r>
+                <a:rPr lang="en-US" dirty="0">
+                  <a:solidFill>
+                    <a:srgbClr val="C00000"/>
+                  </a:solidFill>
+                </a:rPr>
+                <a:t>4</a:t>
+              </a:r>
+            </a:p>
+          </p:txBody>
+        </p:sp>
+      </p:grpSp>
     </p:spTree>
     <p:extLst>
       <p:ext uri="{BB962C8B-B14F-4D97-AF65-F5344CB8AC3E}">
@@ -6707,7 +7317,7 @@
             </a:r>
             <a:r>
               <a:rPr lang="en-US" dirty="0"/>
-              <a:t> Option 1: same chi, b60v15</a:t>
+              <a:t>(D2) Option 1</a:t>
             </a:r>
           </a:p>
         </p:txBody>
@@ -6948,18 +7558,169 @@
           <a:p>
             <a:r>
               <a:rPr lang="en-US" dirty="0"/>
-              <a:t>No change in F-H parameters compared to NFL and NFM</a:t>
-            </a:r>
-          </a:p>
-          <a:p>
-            <a:pPr lvl="1"/>
-            <a:r>
-              <a:rPr lang="en-US" dirty="0"/>
-              <a:t>Worse fit than Option 2</a:t>
+              <a:t>Outer layer formed by </a:t>
             </a:r>
           </a:p>
         </p:txBody>
       </p:sp>
+      <p:pic>
+        <p:nvPicPr>
+          <p:cNvPr id="7170" name="Picture 2">
+            <a:extLst>
+              <a:ext uri="{FF2B5EF4-FFF2-40B4-BE49-F238E27FC236}">
+                <a16:creationId xmlns:a16="http://schemas.microsoft.com/office/drawing/2014/main" id="{72BDFBE8-D064-2CFA-AED7-04412C5B4DF4}"/>
+              </a:ext>
+            </a:extLst>
+          </p:cNvPr>
+          <p:cNvPicPr>
+            <a:picLocks noChangeAspect="1" noChangeArrowheads="1"/>
+          </p:cNvPicPr>
+          <p:nvPr/>
+        </p:nvPicPr>
+        <p:blipFill>
+          <a:blip r:embed="rId2">
+            <a:extLst>
+              <a:ext uri="{28A0092B-C50C-407E-A947-70E740481C1C}">
+                <a14:useLocalDpi xmlns:a14="http://schemas.microsoft.com/office/drawing/2010/main" val="0"/>
+              </a:ext>
+            </a:extLst>
+          </a:blip>
+          <a:srcRect/>
+          <a:stretch>
+            <a:fillRect/>
+          </a:stretch>
+        </p:blipFill>
+        <p:spPr bwMode="auto">
+          <a:xfrm>
+            <a:off x="996570" y="2052401"/>
+            <a:ext cx="3518280" cy="2768482"/>
+          </a:xfrm>
+          <a:prstGeom prst="rect">
+            <a:avLst/>
+          </a:prstGeom>
+          <a:noFill/>
+          <a:extLst>
+            <a:ext uri="{909E8E84-426E-40DD-AFC4-6F175D3DCCD1}">
+              <a14:hiddenFill xmlns:a14="http://schemas.microsoft.com/office/drawing/2010/main">
+                <a:solidFill>
+                  <a:srgbClr val="FFFFFF"/>
+                </a:solidFill>
+              </a14:hiddenFill>
+            </a:ext>
+          </a:extLst>
+        </p:spPr>
+      </p:pic>
+      <p:grpSp>
+        <p:nvGrpSpPr>
+          <p:cNvPr id="5" name="Group 4">
+            <a:extLst>
+              <a:ext uri="{FF2B5EF4-FFF2-40B4-BE49-F238E27FC236}">
+                <a16:creationId xmlns:a16="http://schemas.microsoft.com/office/drawing/2014/main" id="{D6BB36D1-5E92-45B4-243A-B6D3BB1EEC69}"/>
+              </a:ext>
+            </a:extLst>
+          </p:cNvPr>
+          <p:cNvGrpSpPr/>
+          <p:nvPr/>
+        </p:nvGrpSpPr>
+        <p:grpSpPr>
+          <a:xfrm>
+            <a:off x="3002788" y="4971009"/>
+            <a:ext cx="6510912" cy="1611667"/>
+            <a:chOff x="5155438" y="5061492"/>
+            <a:chExt cx="5110627" cy="1265050"/>
+          </a:xfrm>
+        </p:grpSpPr>
+        <p:pic>
+          <p:nvPicPr>
+            <p:cNvPr id="6" name="Picture 6">
+              <a:extLst>
+                <a:ext uri="{FF2B5EF4-FFF2-40B4-BE49-F238E27FC236}">
+                  <a16:creationId xmlns:a16="http://schemas.microsoft.com/office/drawing/2014/main" id="{600810A8-6DB8-5D93-35DA-94404BF5C219}"/>
+                </a:ext>
+              </a:extLst>
+            </p:cNvPr>
+            <p:cNvPicPr>
+              <a:picLocks noChangeAspect="1" noChangeArrowheads="1"/>
+            </p:cNvPicPr>
+            <p:nvPr/>
+          </p:nvPicPr>
+          <p:blipFill rotWithShape="1">
+            <a:blip r:embed="rId3">
+              <a:extLst>
+                <a:ext uri="{28A0092B-C50C-407E-A947-70E740481C1C}">
+                  <a14:useLocalDpi xmlns:a14="http://schemas.microsoft.com/office/drawing/2010/main" val="0"/>
+                </a:ext>
+              </a:extLst>
+            </a:blip>
+            <a:srcRect t="1" b="84583"/>
+            <a:stretch/>
+          </p:blipFill>
+          <p:spPr bwMode="auto">
+            <a:xfrm>
+              <a:off x="5155439" y="5061492"/>
+              <a:ext cx="5110626" cy="190366"/>
+            </a:xfrm>
+            <a:prstGeom prst="rect">
+              <a:avLst/>
+            </a:prstGeom>
+            <a:noFill/>
+            <a:extLst>
+              <a:ext uri="{909E8E84-426E-40DD-AFC4-6F175D3DCCD1}">
+                <a14:hiddenFill xmlns:a14="http://schemas.microsoft.com/office/drawing/2010/main">
+                  <a:solidFill>
+                    <a:srgbClr val="FFFFFF"/>
+                  </a:solidFill>
+                </a14:hiddenFill>
+              </a:ext>
+            </a:extLst>
+          </p:spPr>
+        </p:pic>
+        <p:pic>
+          <p:nvPicPr>
+            <p:cNvPr id="7" name="Picture 8">
+              <a:extLst>
+                <a:ext uri="{FF2B5EF4-FFF2-40B4-BE49-F238E27FC236}">
+                  <a16:creationId xmlns:a16="http://schemas.microsoft.com/office/drawing/2014/main" id="{2EABB3F6-3B88-5AC2-6A54-BFDB69661144}"/>
+                </a:ext>
+              </a:extLst>
+            </p:cNvPr>
+            <p:cNvPicPr>
+              <a:picLocks noChangeAspect="1" noChangeArrowheads="1"/>
+            </p:cNvPicPr>
+            <p:nvPr/>
+          </p:nvPicPr>
+          <p:blipFill rotWithShape="1">
+            <a:blip r:embed="rId4">
+              <a:extLst>
+                <a:ext uri="{28A0092B-C50C-407E-A947-70E740481C1C}">
+                  <a14:useLocalDpi xmlns:a14="http://schemas.microsoft.com/office/drawing/2010/main" val="0"/>
+                </a:ext>
+              </a:extLst>
+            </a:blip>
+            <a:srcRect t="17568"/>
+            <a:stretch/>
+          </p:blipFill>
+          <p:spPr bwMode="auto">
+            <a:xfrm>
+              <a:off x="5155438" y="5308599"/>
+              <a:ext cx="5110627" cy="1017943"/>
+            </a:xfrm>
+            <a:prstGeom prst="rect">
+              <a:avLst/>
+            </a:prstGeom>
+            <a:noFill/>
+            <a:extLst>
+              <a:ext uri="{909E8E84-426E-40DD-AFC4-6F175D3DCCD1}">
+                <a14:hiddenFill xmlns:a14="http://schemas.microsoft.com/office/drawing/2010/main">
+                  <a:solidFill>
+                    <a:srgbClr val="FFFFFF"/>
+                  </a:solidFill>
+                </a14:hiddenFill>
+              </a:ext>
+            </a:extLst>
+          </p:spPr>
+        </p:pic>
+      </p:grpSp>
     </p:spTree>
     <p:extLst>
       <p:ext uri="{BB962C8B-B14F-4D97-AF65-F5344CB8AC3E}">

--- a/202XXX NF Update.pptx
+++ b/202XXX NF Update.pptx
@@ -5052,7 +5052,7 @@
         </p:blipFill>
         <p:spPr bwMode="auto">
           <a:xfrm>
-            <a:off x="539003" y="2043306"/>
+            <a:off x="568299" y="1708045"/>
             <a:ext cx="4435068" cy="3206390"/>
           </a:xfrm>
           <a:prstGeom prst="rect">
@@ -5277,7 +5277,15 @@
           <a:p>
             <a:r>
               <a:rPr lang="en-US" dirty="0"/>
-              <a:t>Notes</a:t>
+              <a:t>Sparse brush with 3</a:t>
+            </a:r>
+            <a:r>
+              <a:rPr lang="en-US" baseline="30000" dirty="0"/>
+              <a:t>rd</a:t>
+            </a:r>
+            <a:r>
+              <a:rPr lang="en-US" dirty="0"/>
+              <a:t> block responsible for most of response to screening</a:t>
             </a:r>
           </a:p>
         </p:txBody>
@@ -5296,7 +5304,7 @@
         </p:nvGrpSpPr>
         <p:grpSpPr>
           <a:xfrm>
-            <a:off x="5791562" y="1338332"/>
+            <a:off x="5757863" y="2001842"/>
             <a:ext cx="2852737" cy="2205014"/>
             <a:chOff x="5311198" y="1081157"/>
             <a:chExt cx="2852737" cy="2205014"/>
@@ -5403,7 +5411,7 @@
         </p:nvGrpSpPr>
         <p:grpSpPr>
           <a:xfrm>
-            <a:off x="8739549" y="1338332"/>
+            <a:off x="8705850" y="2001842"/>
             <a:ext cx="2852737" cy="2205014"/>
             <a:chOff x="8163935" y="1081157"/>
             <a:chExt cx="2852737" cy="2205014"/>
@@ -5525,8 +5533,8 @@
         </p:blipFill>
         <p:spPr bwMode="auto">
           <a:xfrm>
-            <a:off x="8228809" y="5304014"/>
-            <a:ext cx="2162823" cy="1553986"/>
+            <a:off x="1744689" y="4948495"/>
+            <a:ext cx="2563016" cy="1841524"/>
           </a:xfrm>
           <a:prstGeom prst="rect">
             <a:avLst/>
@@ -5557,7 +5565,7 @@
         </p:nvGrpSpPr>
         <p:grpSpPr>
           <a:xfrm>
-            <a:off x="5757862" y="3148418"/>
+            <a:off x="5724163" y="3811928"/>
             <a:ext cx="2852738" cy="2205015"/>
             <a:chOff x="5757862" y="3148418"/>
             <a:chExt cx="2852738" cy="2205015"/>
@@ -5664,7 +5672,7 @@
         </p:nvGrpSpPr>
         <p:grpSpPr>
           <a:xfrm>
-            <a:off x="8739549" y="3148417"/>
+            <a:off x="8705850" y="3811927"/>
             <a:ext cx="2852739" cy="2205016"/>
             <a:chOff x="8739549" y="3148417"/>
             <a:chExt cx="2852739" cy="2205016"/>

--- a/202XXX NF Update.pptx
+++ b/202XXX NF Update.pptx
@@ -7566,64 +7566,33 @@
           <a:p>
             <a:r>
               <a:rPr lang="en-US" dirty="0"/>
-              <a:t>Outer layer formed by </a:t>
+              <a:t>2</a:t>
+            </a:r>
+            <a:r>
+              <a:rPr lang="en-US" baseline="30000" dirty="0"/>
+              <a:t>nd</a:t>
+            </a:r>
+            <a:r>
+              <a:rPr lang="en-US" dirty="0"/>
+              <a:t> block responsible for forming second layer (looks like flower conformation previously reported for </a:t>
+            </a:r>
+            <a:r>
+              <a:rPr lang="en-US" dirty="0" err="1"/>
+              <a:t>pNFH</a:t>
+            </a:r>
+            <a:r>
+              <a:rPr lang="en-US" dirty="0"/>
+              <a:t>)</a:t>
             </a:r>
           </a:p>
         </p:txBody>
       </p:sp>
-      <p:pic>
-        <p:nvPicPr>
-          <p:cNvPr id="7170" name="Picture 2">
-            <a:extLst>
-              <a:ext uri="{FF2B5EF4-FFF2-40B4-BE49-F238E27FC236}">
-                <a16:creationId xmlns:a16="http://schemas.microsoft.com/office/drawing/2014/main" id="{72BDFBE8-D064-2CFA-AED7-04412C5B4DF4}"/>
-              </a:ext>
-            </a:extLst>
-          </p:cNvPr>
-          <p:cNvPicPr>
-            <a:picLocks noChangeAspect="1" noChangeArrowheads="1"/>
-          </p:cNvPicPr>
-          <p:nvPr/>
-        </p:nvPicPr>
-        <p:blipFill>
-          <a:blip r:embed="rId2">
-            <a:extLst>
-              <a:ext uri="{28A0092B-C50C-407E-A947-70E740481C1C}">
-                <a14:useLocalDpi xmlns:a14="http://schemas.microsoft.com/office/drawing/2010/main" val="0"/>
-              </a:ext>
-            </a:extLst>
-          </a:blip>
-          <a:srcRect/>
-          <a:stretch>
-            <a:fillRect/>
-          </a:stretch>
-        </p:blipFill>
-        <p:spPr bwMode="auto">
-          <a:xfrm>
-            <a:off x="996570" y="2052401"/>
-            <a:ext cx="3518280" cy="2768482"/>
-          </a:xfrm>
-          <a:prstGeom prst="rect">
-            <a:avLst/>
-          </a:prstGeom>
-          <a:noFill/>
-          <a:extLst>
-            <a:ext uri="{909E8E84-426E-40DD-AFC4-6F175D3DCCD1}">
-              <a14:hiddenFill xmlns:a14="http://schemas.microsoft.com/office/drawing/2010/main">
-                <a:solidFill>
-                  <a:srgbClr val="FFFFFF"/>
-                </a:solidFill>
-              </a14:hiddenFill>
-            </a:ext>
-          </a:extLst>
-        </p:spPr>
-      </p:pic>
       <p:grpSp>
         <p:nvGrpSpPr>
-          <p:cNvPr id="5" name="Group 4">
-            <a:extLst>
-              <a:ext uri="{FF2B5EF4-FFF2-40B4-BE49-F238E27FC236}">
-                <a16:creationId xmlns:a16="http://schemas.microsoft.com/office/drawing/2014/main" id="{D6BB36D1-5E92-45B4-243A-B6D3BB1EEC69}"/>
+          <p:cNvPr id="9" name="Group 8">
+            <a:extLst>
+              <a:ext uri="{FF2B5EF4-FFF2-40B4-BE49-F238E27FC236}">
+                <a16:creationId xmlns:a16="http://schemas.microsoft.com/office/drawing/2014/main" id="{6C1EA11B-1D91-D48D-725B-C522C8444350}"/>
               </a:ext>
             </a:extLst>
           </p:cNvPr>
@@ -7632,18 +7601,18 @@
         </p:nvGrpSpPr>
         <p:grpSpPr>
           <a:xfrm>
-            <a:off x="3002788" y="4971009"/>
-            <a:ext cx="6510912" cy="1611667"/>
-            <a:chOff x="5155438" y="5061492"/>
-            <a:chExt cx="5110627" cy="1265050"/>
+            <a:off x="2358645" y="2036583"/>
+            <a:ext cx="3518280" cy="2768482"/>
+            <a:chOff x="2358645" y="2036583"/>
+            <a:chExt cx="3518280" cy="2768482"/>
           </a:xfrm>
         </p:grpSpPr>
         <p:pic>
           <p:nvPicPr>
-            <p:cNvPr id="6" name="Picture 6">
+            <p:cNvPr id="7170" name="Picture 2">
               <a:extLst>
                 <a:ext uri="{FF2B5EF4-FFF2-40B4-BE49-F238E27FC236}">
-                  <a16:creationId xmlns:a16="http://schemas.microsoft.com/office/drawing/2014/main" id="{600810A8-6DB8-5D93-35DA-94404BF5C219}"/>
+                  <a16:creationId xmlns:a16="http://schemas.microsoft.com/office/drawing/2014/main" id="{72BDFBE8-D064-2CFA-AED7-04412C5B4DF4}"/>
                 </a:ext>
               </a:extLst>
             </p:cNvPr>
@@ -7652,21 +7621,23 @@
             </p:cNvPicPr>
             <p:nvPr/>
           </p:nvPicPr>
-          <p:blipFill rotWithShape="1">
-            <a:blip r:embed="rId3">
+          <p:blipFill>
+            <a:blip r:embed="rId2">
               <a:extLst>
                 <a:ext uri="{28A0092B-C50C-407E-A947-70E740481C1C}">
                   <a14:useLocalDpi xmlns:a14="http://schemas.microsoft.com/office/drawing/2010/main" val="0"/>
                 </a:ext>
               </a:extLst>
             </a:blip>
-            <a:srcRect t="1" b="84583"/>
-            <a:stretch/>
+            <a:srcRect/>
+            <a:stretch>
+              <a:fillRect/>
+            </a:stretch>
           </p:blipFill>
           <p:spPr bwMode="auto">
             <a:xfrm>
-              <a:off x="5155439" y="5061492"/>
-              <a:ext cx="5110626" cy="190366"/>
+              <a:off x="2358645" y="2036583"/>
+              <a:ext cx="3518280" cy="2768482"/>
             </a:xfrm>
             <a:prstGeom prst="rect">
               <a:avLst/>
@@ -7683,12 +7654,69 @@
             </a:extLst>
           </p:spPr>
         </p:pic>
+        <p:sp>
+          <p:nvSpPr>
+            <p:cNvPr id="8" name="TextBox 7">
+              <a:extLst>
+                <a:ext uri="{FF2B5EF4-FFF2-40B4-BE49-F238E27FC236}">
+                  <a16:creationId xmlns:a16="http://schemas.microsoft.com/office/drawing/2014/main" id="{CFB405C2-E6B2-BA52-DC74-3295B960BE62}"/>
+                </a:ext>
+              </a:extLst>
+            </p:cNvPr>
+            <p:cNvSpPr txBox="1"/>
+            <p:nvPr/>
+          </p:nvSpPr>
+          <p:spPr>
+            <a:xfrm>
+              <a:off x="3152775" y="2476500"/>
+              <a:ext cx="952500" cy="369332"/>
+            </a:xfrm>
+            <a:prstGeom prst="rect">
+              <a:avLst/>
+            </a:prstGeom>
+            <a:noFill/>
+          </p:spPr>
+          <p:txBody>
+            <a:bodyPr wrap="square" rtlCol="0">
+              <a:spAutoFit/>
+            </a:bodyPr>
+            <a:lstStyle/>
+            <a:p>
+              <a:r>
+                <a:rPr lang="en-US" dirty="0" err="1"/>
+                <a:t>pNFH</a:t>
+              </a:r>
+              <a:endParaRPr lang="en-US" dirty="0"/>
+            </a:p>
+          </p:txBody>
+        </p:sp>
+      </p:grpSp>
+      <p:grpSp>
+        <p:nvGrpSpPr>
+          <p:cNvPr id="11" name="Group 10">
+            <a:extLst>
+              <a:ext uri="{FF2B5EF4-FFF2-40B4-BE49-F238E27FC236}">
+                <a16:creationId xmlns:a16="http://schemas.microsoft.com/office/drawing/2014/main" id="{9BAAF3F6-6F4D-2523-9974-27C9924B3B96}"/>
+              </a:ext>
+            </a:extLst>
+          </p:cNvPr>
+          <p:cNvGrpSpPr/>
+          <p:nvPr/>
+        </p:nvGrpSpPr>
+        <p:grpSpPr>
+          <a:xfrm>
+            <a:off x="5876925" y="2036582"/>
+            <a:ext cx="3518280" cy="2768483"/>
+            <a:chOff x="5876925" y="2036582"/>
+            <a:chExt cx="3518280" cy="2768483"/>
+          </a:xfrm>
+        </p:grpSpPr>
         <p:pic>
           <p:nvPicPr>
-            <p:cNvPr id="7" name="Picture 8">
+            <p:cNvPr id="7172" name="Picture 4">
               <a:extLst>
                 <a:ext uri="{FF2B5EF4-FFF2-40B4-BE49-F238E27FC236}">
-                  <a16:creationId xmlns:a16="http://schemas.microsoft.com/office/drawing/2014/main" id="{2EABB3F6-3B88-5AC2-6A54-BFDB69661144}"/>
+                  <a16:creationId xmlns:a16="http://schemas.microsoft.com/office/drawing/2014/main" id="{199056DB-F653-466E-F3EB-C875C954A70B}"/>
                 </a:ext>
               </a:extLst>
             </p:cNvPr>
@@ -7697,21 +7725,23 @@
             </p:cNvPicPr>
             <p:nvPr/>
           </p:nvPicPr>
-          <p:blipFill rotWithShape="1">
-            <a:blip r:embed="rId4">
+          <p:blipFill>
+            <a:blip r:embed="rId3">
               <a:extLst>
                 <a:ext uri="{28A0092B-C50C-407E-A947-70E740481C1C}">
                   <a14:useLocalDpi xmlns:a14="http://schemas.microsoft.com/office/drawing/2010/main" val="0"/>
                 </a:ext>
               </a:extLst>
             </a:blip>
-            <a:srcRect t="17568"/>
-            <a:stretch/>
+            <a:srcRect/>
+            <a:stretch>
+              <a:fillRect/>
+            </a:stretch>
           </p:blipFill>
           <p:spPr bwMode="auto">
             <a:xfrm>
-              <a:off x="5155438" y="5308599"/>
-              <a:ext cx="5110627" cy="1017943"/>
+              <a:off x="5876925" y="2036582"/>
+              <a:ext cx="3518280" cy="2768483"/>
             </a:xfrm>
             <a:prstGeom prst="rect">
               <a:avLst/>
@@ -7728,6 +7758,256 @@
             </a:extLst>
           </p:spPr>
         </p:pic>
+        <p:sp>
+          <p:nvSpPr>
+            <p:cNvPr id="10" name="TextBox 9">
+              <a:extLst>
+                <a:ext uri="{FF2B5EF4-FFF2-40B4-BE49-F238E27FC236}">
+                  <a16:creationId xmlns:a16="http://schemas.microsoft.com/office/drawing/2014/main" id="{3663E390-0B96-A913-9B33-708EC501E727}"/>
+                </a:ext>
+              </a:extLst>
+            </p:cNvPr>
+            <p:cNvSpPr txBox="1"/>
+            <p:nvPr/>
+          </p:nvSpPr>
+          <p:spPr>
+            <a:xfrm>
+              <a:off x="6619875" y="2457450"/>
+              <a:ext cx="1304925" cy="369332"/>
+            </a:xfrm>
+            <a:prstGeom prst="rect">
+              <a:avLst/>
+            </a:prstGeom>
+            <a:noFill/>
+          </p:spPr>
+          <p:txBody>
+            <a:bodyPr wrap="square" rtlCol="0">
+              <a:spAutoFit/>
+            </a:bodyPr>
+            <a:lstStyle/>
+            <a:p>
+              <a:r>
+                <a:rPr lang="en-US" dirty="0"/>
+                <a:t>pNFH_D2</a:t>
+              </a:r>
+            </a:p>
+          </p:txBody>
+        </p:sp>
+      </p:grpSp>
+      <p:grpSp>
+        <p:nvGrpSpPr>
+          <p:cNvPr id="18" name="Group 17">
+            <a:extLst>
+              <a:ext uri="{FF2B5EF4-FFF2-40B4-BE49-F238E27FC236}">
+                <a16:creationId xmlns:a16="http://schemas.microsoft.com/office/drawing/2014/main" id="{95265833-5E51-27FB-8B1C-A8B4C4A654DA}"/>
+              </a:ext>
+            </a:extLst>
+          </p:cNvPr>
+          <p:cNvGrpSpPr/>
+          <p:nvPr/>
+        </p:nvGrpSpPr>
+        <p:grpSpPr>
+          <a:xfrm>
+            <a:off x="2678300" y="5051814"/>
+            <a:ext cx="6835400" cy="1611667"/>
+            <a:chOff x="2678300" y="4971009"/>
+            <a:chExt cx="6835400" cy="1611667"/>
+          </a:xfrm>
+        </p:grpSpPr>
+        <p:grpSp>
+          <p:nvGrpSpPr>
+            <p:cNvPr id="5" name="Group 4">
+              <a:extLst>
+                <a:ext uri="{FF2B5EF4-FFF2-40B4-BE49-F238E27FC236}">
+                  <a16:creationId xmlns:a16="http://schemas.microsoft.com/office/drawing/2014/main" id="{D6BB36D1-5E92-45B4-243A-B6D3BB1EEC69}"/>
+                </a:ext>
+              </a:extLst>
+            </p:cNvPr>
+            <p:cNvGrpSpPr/>
+            <p:nvPr/>
+          </p:nvGrpSpPr>
+          <p:grpSpPr>
+            <a:xfrm>
+              <a:off x="3002788" y="4971009"/>
+              <a:ext cx="6510912" cy="1611667"/>
+              <a:chOff x="5155438" y="5061492"/>
+              <a:chExt cx="5110627" cy="1265050"/>
+            </a:xfrm>
+          </p:grpSpPr>
+          <p:pic>
+            <p:nvPicPr>
+              <p:cNvPr id="6" name="Picture 6">
+                <a:extLst>
+                  <a:ext uri="{FF2B5EF4-FFF2-40B4-BE49-F238E27FC236}">
+                    <a16:creationId xmlns:a16="http://schemas.microsoft.com/office/drawing/2014/main" id="{600810A8-6DB8-5D93-35DA-94404BF5C219}"/>
+                  </a:ext>
+                </a:extLst>
+              </p:cNvPr>
+              <p:cNvPicPr>
+                <a:picLocks noChangeAspect="1" noChangeArrowheads="1"/>
+              </p:cNvPicPr>
+              <p:nvPr/>
+            </p:nvPicPr>
+            <p:blipFill rotWithShape="1">
+              <a:blip r:embed="rId4">
+                <a:extLst>
+                  <a:ext uri="{28A0092B-C50C-407E-A947-70E740481C1C}">
+                    <a14:useLocalDpi xmlns:a14="http://schemas.microsoft.com/office/drawing/2010/main" val="0"/>
+                  </a:ext>
+                </a:extLst>
+              </a:blip>
+              <a:srcRect t="1" b="84583"/>
+              <a:stretch/>
+            </p:blipFill>
+            <p:spPr bwMode="auto">
+              <a:xfrm>
+                <a:off x="5155439" y="5061492"/>
+                <a:ext cx="5110626" cy="190366"/>
+              </a:xfrm>
+              <a:prstGeom prst="rect">
+                <a:avLst/>
+              </a:prstGeom>
+              <a:noFill/>
+              <a:extLst>
+                <a:ext uri="{909E8E84-426E-40DD-AFC4-6F175D3DCCD1}">
+                  <a14:hiddenFill xmlns:a14="http://schemas.microsoft.com/office/drawing/2010/main">
+                    <a:solidFill>
+                      <a:srgbClr val="FFFFFF"/>
+                    </a:solidFill>
+                  </a14:hiddenFill>
+                </a:ext>
+              </a:extLst>
+            </p:spPr>
+          </p:pic>
+          <p:pic>
+            <p:nvPicPr>
+              <p:cNvPr id="7" name="Picture 8">
+                <a:extLst>
+                  <a:ext uri="{FF2B5EF4-FFF2-40B4-BE49-F238E27FC236}">
+                    <a16:creationId xmlns:a16="http://schemas.microsoft.com/office/drawing/2014/main" id="{2EABB3F6-3B88-5AC2-6A54-BFDB69661144}"/>
+                  </a:ext>
+                </a:extLst>
+              </p:cNvPr>
+              <p:cNvPicPr>
+                <a:picLocks noChangeAspect="1" noChangeArrowheads="1"/>
+              </p:cNvPicPr>
+              <p:nvPr/>
+            </p:nvPicPr>
+            <p:blipFill rotWithShape="1">
+              <a:blip r:embed="rId5">
+                <a:extLst>
+                  <a:ext uri="{28A0092B-C50C-407E-A947-70E740481C1C}">
+                    <a14:useLocalDpi xmlns:a14="http://schemas.microsoft.com/office/drawing/2010/main" val="0"/>
+                  </a:ext>
+                </a:extLst>
+              </a:blip>
+              <a:srcRect t="17568"/>
+              <a:stretch/>
+            </p:blipFill>
+            <p:spPr bwMode="auto">
+              <a:xfrm>
+                <a:off x="5155438" y="5308599"/>
+                <a:ext cx="5110627" cy="1017943"/>
+              </a:xfrm>
+              <a:prstGeom prst="rect">
+                <a:avLst/>
+              </a:prstGeom>
+              <a:noFill/>
+              <a:extLst>
+                <a:ext uri="{909E8E84-426E-40DD-AFC4-6F175D3DCCD1}">
+                  <a14:hiddenFill xmlns:a14="http://schemas.microsoft.com/office/drawing/2010/main">
+                    <a:solidFill>
+                      <a:srgbClr val="FFFFFF"/>
+                    </a:solidFill>
+                  </a14:hiddenFill>
+                </a:ext>
+              </a:extLst>
+            </p:spPr>
+          </p:pic>
+        </p:grpSp>
+        <p:sp>
+          <p:nvSpPr>
+            <p:cNvPr id="16" name="Rectangle 15">
+              <a:extLst>
+                <a:ext uri="{FF2B5EF4-FFF2-40B4-BE49-F238E27FC236}">
+                  <a16:creationId xmlns:a16="http://schemas.microsoft.com/office/drawing/2014/main" id="{B959834C-C674-80AA-8E62-600B1775C292}"/>
+                </a:ext>
+              </a:extLst>
+            </p:cNvPr>
+            <p:cNvSpPr/>
+            <p:nvPr/>
+          </p:nvSpPr>
+          <p:spPr>
+            <a:xfrm>
+              <a:off x="3492304" y="4996658"/>
+              <a:ext cx="426026" cy="1118068"/>
+            </a:xfrm>
+            <a:prstGeom prst="rect">
+              <a:avLst/>
+            </a:prstGeom>
+            <a:noFill/>
+            <a:ln w="38100"/>
+          </p:spPr>
+          <p:style>
+            <a:lnRef idx="2">
+              <a:schemeClr val="accent1">
+                <a:shade val="15000"/>
+              </a:schemeClr>
+            </a:lnRef>
+            <a:fillRef idx="1">
+              <a:schemeClr val="accent1"/>
+            </a:fillRef>
+            <a:effectRef idx="0">
+              <a:schemeClr val="accent1"/>
+            </a:effectRef>
+            <a:fontRef idx="minor">
+              <a:schemeClr val="lt1"/>
+            </a:fontRef>
+          </p:style>
+          <p:txBody>
+            <a:bodyPr rtlCol="0" anchor="ctr"/>
+            <a:lstStyle/>
+            <a:p>
+              <a:pPr algn="ctr"/>
+              <a:endParaRPr lang="en-US" dirty="0"/>
+            </a:p>
+          </p:txBody>
+        </p:sp>
+        <p:sp>
+          <p:nvSpPr>
+            <p:cNvPr id="17" name="TextBox 16">
+              <a:extLst>
+                <a:ext uri="{FF2B5EF4-FFF2-40B4-BE49-F238E27FC236}">
+                  <a16:creationId xmlns:a16="http://schemas.microsoft.com/office/drawing/2014/main" id="{6C9BBD0E-72C4-97EF-5C0E-6C47C5F02788}"/>
+                </a:ext>
+              </a:extLst>
+            </p:cNvPr>
+            <p:cNvSpPr txBox="1"/>
+            <p:nvPr/>
+          </p:nvSpPr>
+          <p:spPr>
+            <a:xfrm>
+              <a:off x="2678300" y="6150244"/>
+              <a:ext cx="2353721" cy="369332"/>
+            </a:xfrm>
+            <a:prstGeom prst="rect">
+              <a:avLst/>
+            </a:prstGeom>
+            <a:noFill/>
+          </p:spPr>
+          <p:txBody>
+            <a:bodyPr wrap="none" rtlCol="0">
+              <a:spAutoFit/>
+            </a:bodyPr>
+            <a:lstStyle/>
+            <a:p>
+              <a:r>
+                <a:rPr lang="en-US" dirty="0"/>
+                <a:t>Approximate D2 region</a:t>
+              </a:r>
+            </a:p>
+          </p:txBody>
+        </p:sp>
       </p:grpSp>
     </p:spTree>
     <p:extLst>

--- a/202XXX NF Update.pptx
+++ b/202XXX NF Update.pptx
@@ -3300,10 +3300,10 @@
         </p:nvGrpSpPr>
         <p:grpSpPr>
           <a:xfrm>
-            <a:off x="1066799" y="4306818"/>
-            <a:ext cx="9353552" cy="2551182"/>
-            <a:chOff x="1066799" y="3225661"/>
-            <a:chExt cx="9353552" cy="2551182"/>
+            <a:off x="1247774" y="4306818"/>
+            <a:ext cx="9172577" cy="2551182"/>
+            <a:chOff x="1247774" y="3225661"/>
+            <a:chExt cx="9172577" cy="2551182"/>
           </a:xfrm>
         </p:grpSpPr>
         <p:grpSp>
@@ -3497,12 +3497,18 @@
           </p:nvSpPr>
           <p:spPr>
             <a:xfrm>
-              <a:off x="1066801" y="3225661"/>
+              <a:off x="1247776" y="3225661"/>
               <a:ext cx="946836" cy="333010"/>
             </a:xfrm>
             <a:prstGeom prst="rect">
               <a:avLst/>
             </a:prstGeom>
+            <a:solidFill>
+              <a:schemeClr val="bg1"/>
+            </a:solidFill>
+            <a:ln>
+              <a:noFill/>
+            </a:ln>
           </p:spPr>
           <p:style>
             <a:lnRef idx="2">
@@ -3524,9 +3530,12 @@
             <a:bodyPr rtlCol="0" anchor="ctr"/>
             <a:lstStyle/>
             <a:p>
-              <a:pPr algn="ctr"/>
               <a:r>
-                <a:rPr lang="en-US" dirty="0"/>
+                <a:rPr lang="en-US" dirty="0">
+                  <a:solidFill>
+                    <a:schemeClr val="tx1"/>
+                  </a:solidFill>
+                </a:rPr>
                 <a:t>Proline</a:t>
               </a:r>
             </a:p>
@@ -3546,12 +3555,18 @@
           </p:nvSpPr>
           <p:spPr>
             <a:xfrm>
-              <a:off x="1066799" y="3578370"/>
+              <a:off x="1247774" y="3578370"/>
               <a:ext cx="1323976" cy="333010"/>
             </a:xfrm>
             <a:prstGeom prst="rect">
               <a:avLst/>
             </a:prstGeom>
+            <a:solidFill>
+              <a:schemeClr val="bg1"/>
+            </a:solidFill>
+            <a:ln>
+              <a:noFill/>
+            </a:ln>
           </p:spPr>
           <p:style>
             <a:lnRef idx="2">
@@ -3573,9 +3588,12 @@
             <a:bodyPr rtlCol="0" anchor="ctr"/>
             <a:lstStyle/>
             <a:p>
-              <a:pPr algn="ctr"/>
               <a:r>
-                <a:rPr lang="en-US" dirty="0"/>
+                <a:rPr lang="en-US" dirty="0">
+                  <a:solidFill>
+                    <a:schemeClr val="tx1"/>
+                  </a:solidFill>
+                </a:rPr>
                 <a:t>Phos sites</a:t>
               </a:r>
             </a:p>

--- a/202XXX NF Update.pptx
+++ b/202XXX NF Update.pptx
@@ -3555,7 +3555,7 @@
           </p:nvSpPr>
           <p:spPr>
             <a:xfrm>
-              <a:off x="1247774" y="3578370"/>
+              <a:off x="1247774" y="3540270"/>
               <a:ext cx="1323976" cy="333010"/>
             </a:xfrm>
             <a:prstGeom prst="rect">

--- a/202XXX NF Update.pptx
+++ b/202XXX NF Update.pptx
@@ -2769,7 +2769,7 @@
             </a:r>
             <a:r>
               <a:rPr lang="en-US" dirty="0"/>
-              <a:t> Option 2</a:t>
+              <a:t>(D2) Option 2</a:t>
             </a:r>
           </a:p>
         </p:txBody>
@@ -2805,10 +2805,10 @@
       </p:sp>
       <p:grpSp>
         <p:nvGrpSpPr>
-          <p:cNvPr id="4" name="Group 3">
-            <a:extLst>
-              <a:ext uri="{FF2B5EF4-FFF2-40B4-BE49-F238E27FC236}">
-                <a16:creationId xmlns:a16="http://schemas.microsoft.com/office/drawing/2014/main" id="{6F95DE01-3686-8D4C-EF81-3F9D23E4F520}"/>
+          <p:cNvPr id="7" name="Group 6">
+            <a:extLst>
+              <a:ext uri="{FF2B5EF4-FFF2-40B4-BE49-F238E27FC236}">
+                <a16:creationId xmlns:a16="http://schemas.microsoft.com/office/drawing/2014/main" id="{ACD684EB-C2CA-974A-F012-40D5C2A4B326}"/>
               </a:ext>
             </a:extLst>
           </p:cNvPr>
@@ -2817,200 +2817,307 @@
         </p:nvGrpSpPr>
         <p:grpSpPr>
           <a:xfrm>
-            <a:off x="3002788" y="4971009"/>
-            <a:ext cx="6510912" cy="1611667"/>
-            <a:chOff x="5155438" y="5061492"/>
-            <a:chExt cx="5110627" cy="1265050"/>
+            <a:off x="2678300" y="5051814"/>
+            <a:ext cx="6835400" cy="1611667"/>
+            <a:chOff x="2678300" y="4971009"/>
+            <a:chExt cx="6835400" cy="1611667"/>
           </a:xfrm>
         </p:grpSpPr>
-        <p:pic>
-          <p:nvPicPr>
-            <p:cNvPr id="5" name="Picture 6">
+        <p:grpSp>
+          <p:nvGrpSpPr>
+            <p:cNvPr id="8" name="Group 7">
               <a:extLst>
                 <a:ext uri="{FF2B5EF4-FFF2-40B4-BE49-F238E27FC236}">
-                  <a16:creationId xmlns:a16="http://schemas.microsoft.com/office/drawing/2014/main" id="{66A97EA1-1932-D12E-1E2B-87AE5F624A23}"/>
+                  <a16:creationId xmlns:a16="http://schemas.microsoft.com/office/drawing/2014/main" id="{655A1440-3F8B-5B3A-3A72-7852878A0BB0}"/>
                 </a:ext>
               </a:extLst>
             </p:cNvPr>
-            <p:cNvPicPr>
-              <a:picLocks noChangeAspect="1" noChangeArrowheads="1"/>
-            </p:cNvPicPr>
+            <p:cNvGrpSpPr/>
             <p:nvPr/>
-          </p:nvPicPr>
-          <p:blipFill rotWithShape="1">
-            <a:blip r:embed="rId2">
+          </p:nvGrpSpPr>
+          <p:grpSpPr>
+            <a:xfrm>
+              <a:off x="3002788" y="4971009"/>
+              <a:ext cx="6510912" cy="1611667"/>
+              <a:chOff x="5155438" y="5061492"/>
+              <a:chExt cx="5110627" cy="1265050"/>
+            </a:xfrm>
+          </p:grpSpPr>
+          <p:pic>
+            <p:nvPicPr>
+              <p:cNvPr id="11" name="Picture 6">
+                <a:extLst>
+                  <a:ext uri="{FF2B5EF4-FFF2-40B4-BE49-F238E27FC236}">
+                    <a16:creationId xmlns:a16="http://schemas.microsoft.com/office/drawing/2014/main" id="{80C7F361-F255-58DF-32CF-3C3D53D398F4}"/>
+                  </a:ext>
+                </a:extLst>
+              </p:cNvPr>
+              <p:cNvPicPr>
+                <a:picLocks noChangeAspect="1" noChangeArrowheads="1"/>
+              </p:cNvPicPr>
+              <p:nvPr/>
+            </p:nvPicPr>
+            <p:blipFill rotWithShape="1">
+              <a:blip r:embed="rId2">
+                <a:extLst>
+                  <a:ext uri="{28A0092B-C50C-407E-A947-70E740481C1C}">
+                    <a14:useLocalDpi xmlns:a14="http://schemas.microsoft.com/office/drawing/2010/main" val="0"/>
+                  </a:ext>
+                </a:extLst>
+              </a:blip>
+              <a:srcRect t="1" b="84583"/>
+              <a:stretch/>
+            </p:blipFill>
+            <p:spPr bwMode="auto">
+              <a:xfrm>
+                <a:off x="5155439" y="5061492"/>
+                <a:ext cx="5110626" cy="190366"/>
+              </a:xfrm>
+              <a:prstGeom prst="rect">
+                <a:avLst/>
+              </a:prstGeom>
+              <a:noFill/>
               <a:extLst>
-                <a:ext uri="{28A0092B-C50C-407E-A947-70E740481C1C}">
-                  <a14:useLocalDpi xmlns:a14="http://schemas.microsoft.com/office/drawing/2010/main" val="0"/>
+                <a:ext uri="{909E8E84-426E-40DD-AFC4-6F175D3DCCD1}">
+                  <a14:hiddenFill xmlns:a14="http://schemas.microsoft.com/office/drawing/2010/main">
+                    <a:solidFill>
+                      <a:srgbClr val="FFFFFF"/>
+                    </a:solidFill>
+                  </a14:hiddenFill>
                 </a:ext>
               </a:extLst>
-            </a:blip>
-            <a:srcRect t="1" b="84583"/>
-            <a:stretch/>
-          </p:blipFill>
-          <p:spPr bwMode="auto">
+            </p:spPr>
+          </p:pic>
+          <p:pic>
+            <p:nvPicPr>
+              <p:cNvPr id="12" name="Picture 8">
+                <a:extLst>
+                  <a:ext uri="{FF2B5EF4-FFF2-40B4-BE49-F238E27FC236}">
+                    <a16:creationId xmlns:a16="http://schemas.microsoft.com/office/drawing/2014/main" id="{1326E169-08F5-CCA3-1E2D-8F9C44869350}"/>
+                  </a:ext>
+                </a:extLst>
+              </p:cNvPr>
+              <p:cNvPicPr>
+                <a:picLocks noChangeAspect="1" noChangeArrowheads="1"/>
+              </p:cNvPicPr>
+              <p:nvPr/>
+            </p:nvPicPr>
+            <p:blipFill rotWithShape="1">
+              <a:blip r:embed="rId3">
+                <a:extLst>
+                  <a:ext uri="{28A0092B-C50C-407E-A947-70E740481C1C}">
+                    <a14:useLocalDpi xmlns:a14="http://schemas.microsoft.com/office/drawing/2010/main" val="0"/>
+                  </a:ext>
+                </a:extLst>
+              </a:blip>
+              <a:srcRect t="17568"/>
+              <a:stretch/>
+            </p:blipFill>
+            <p:spPr bwMode="auto">
+              <a:xfrm>
+                <a:off x="5155438" y="5308599"/>
+                <a:ext cx="5110627" cy="1017943"/>
+              </a:xfrm>
+              <a:prstGeom prst="rect">
+                <a:avLst/>
+              </a:prstGeom>
+              <a:noFill/>
+              <a:extLst>
+                <a:ext uri="{909E8E84-426E-40DD-AFC4-6F175D3DCCD1}">
+                  <a14:hiddenFill xmlns:a14="http://schemas.microsoft.com/office/drawing/2010/main">
+                    <a:solidFill>
+                      <a:srgbClr val="FFFFFF"/>
+                    </a:solidFill>
+                  </a14:hiddenFill>
+                </a:ext>
+              </a:extLst>
+            </p:spPr>
+          </p:pic>
+        </p:grpSp>
+        <p:sp>
+          <p:nvSpPr>
+            <p:cNvPr id="9" name="Rectangle 8">
+              <a:extLst>
+                <a:ext uri="{FF2B5EF4-FFF2-40B4-BE49-F238E27FC236}">
+                  <a16:creationId xmlns:a16="http://schemas.microsoft.com/office/drawing/2014/main" id="{F8C87E94-2369-9EA8-4B2D-C02334463714}"/>
+                </a:ext>
+              </a:extLst>
+            </p:cNvPr>
+            <p:cNvSpPr/>
+            <p:nvPr/>
+          </p:nvSpPr>
+          <p:spPr>
             <a:xfrm>
-              <a:off x="5155439" y="5061492"/>
-              <a:ext cx="5110626" cy="190366"/>
+              <a:off x="3492304" y="4996658"/>
+              <a:ext cx="426026" cy="1118068"/>
             </a:xfrm>
             <a:prstGeom prst="rect">
               <a:avLst/>
             </a:prstGeom>
             <a:noFill/>
-            <a:extLst>
-              <a:ext uri="{909E8E84-426E-40DD-AFC4-6F175D3DCCD1}">
-                <a14:hiddenFill xmlns:a14="http://schemas.microsoft.com/office/drawing/2010/main">
-                  <a:solidFill>
-                    <a:srgbClr val="FFFFFF"/>
-                  </a:solidFill>
-                </a14:hiddenFill>
-              </a:ext>
-            </a:extLst>
+            <a:ln w="38100"/>
           </p:spPr>
-        </p:pic>
-        <p:pic>
-          <p:nvPicPr>
-            <p:cNvPr id="6" name="Picture 8">
+          <p:style>
+            <a:lnRef idx="2">
+              <a:schemeClr val="accent1">
+                <a:shade val="15000"/>
+              </a:schemeClr>
+            </a:lnRef>
+            <a:fillRef idx="1">
+              <a:schemeClr val="accent1"/>
+            </a:fillRef>
+            <a:effectRef idx="0">
+              <a:schemeClr val="accent1"/>
+            </a:effectRef>
+            <a:fontRef idx="minor">
+              <a:schemeClr val="lt1"/>
+            </a:fontRef>
+          </p:style>
+          <p:txBody>
+            <a:bodyPr rtlCol="0" anchor="ctr"/>
+            <a:lstStyle/>
+            <a:p>
+              <a:pPr algn="ctr"/>
+              <a:endParaRPr lang="en-US" dirty="0"/>
+            </a:p>
+          </p:txBody>
+        </p:sp>
+        <p:sp>
+          <p:nvSpPr>
+            <p:cNvPr id="10" name="TextBox 9">
               <a:extLst>
                 <a:ext uri="{FF2B5EF4-FFF2-40B4-BE49-F238E27FC236}">
-                  <a16:creationId xmlns:a16="http://schemas.microsoft.com/office/drawing/2014/main" id="{ADC66054-FEB1-6911-7E92-646DA5906DB3}"/>
+                  <a16:creationId xmlns:a16="http://schemas.microsoft.com/office/drawing/2014/main" id="{A7306232-F113-0F63-7CD3-814A3972735C}"/>
                 </a:ext>
               </a:extLst>
             </p:cNvPr>
-            <p:cNvPicPr>
-              <a:picLocks noChangeAspect="1" noChangeArrowheads="1"/>
-            </p:cNvPicPr>
+            <p:cNvSpPr txBox="1"/>
             <p:nvPr/>
-          </p:nvPicPr>
-          <p:blipFill rotWithShape="1">
-            <a:blip r:embed="rId3">
-              <a:extLst>
-                <a:ext uri="{28A0092B-C50C-407E-A947-70E740481C1C}">
-                  <a14:useLocalDpi xmlns:a14="http://schemas.microsoft.com/office/drawing/2010/main" val="0"/>
-                </a:ext>
-              </a:extLst>
-            </a:blip>
-            <a:srcRect t="17568"/>
-            <a:stretch/>
-          </p:blipFill>
-          <p:spPr bwMode="auto">
+          </p:nvSpPr>
+          <p:spPr>
             <a:xfrm>
-              <a:off x="5155438" y="5308599"/>
-              <a:ext cx="5110627" cy="1017943"/>
+              <a:off x="2678300" y="6150244"/>
+              <a:ext cx="2353721" cy="369332"/>
             </a:xfrm>
             <a:prstGeom prst="rect">
               <a:avLst/>
             </a:prstGeom>
             <a:noFill/>
-            <a:extLst>
-              <a:ext uri="{909E8E84-426E-40DD-AFC4-6F175D3DCCD1}">
-                <a14:hiddenFill xmlns:a14="http://schemas.microsoft.com/office/drawing/2010/main">
-                  <a:solidFill>
-                    <a:srgbClr val="FFFFFF"/>
-                  </a:solidFill>
-                </a14:hiddenFill>
-              </a:ext>
-            </a:extLst>
           </p:spPr>
-        </p:pic>
+          <p:txBody>
+            <a:bodyPr wrap="none" rtlCol="0">
+              <a:spAutoFit/>
+            </a:bodyPr>
+            <a:lstStyle/>
+            <a:p>
+              <a:r>
+                <a:rPr lang="en-US" dirty="0"/>
+                <a:t>Approximate D2 region</a:t>
+              </a:r>
+            </a:p>
+          </p:txBody>
+        </p:sp>
       </p:grpSp>
-    </p:spTree>
-    <p:extLst>
-      <p:ext uri="{BB962C8B-B14F-4D97-AF65-F5344CB8AC3E}">
-        <p14:creationId xmlns:p14="http://schemas.microsoft.com/office/powerpoint/2010/main" val="1937461763"/>
-      </p:ext>
-    </p:extLst>
-  </p:cSld>
-  <p:clrMapOvr>
-    <a:masterClrMapping/>
-  </p:clrMapOvr>
-</p:sld>
-</file>
-
-<file path=ppt/slides/slide11.xml><?xml version="1.0" encoding="utf-8"?>
-<p:sld xmlns:a="http://schemas.openxmlformats.org/drawingml/2006/main" xmlns:r="http://schemas.openxmlformats.org/officeDocument/2006/relationships" xmlns:p="http://schemas.openxmlformats.org/presentationml/2006/main">
-  <p:cSld>
-    <p:spTree>
-      <p:nvGrpSpPr>
-        <p:cNvPr id="1" name=""/>
-        <p:cNvGrpSpPr/>
-        <p:nvPr/>
-      </p:nvGrpSpPr>
-      <p:grpSpPr>
-        <a:xfrm>
-          <a:off x="0" y="0"/>
-          <a:ext cx="0" cy="0"/>
-          <a:chOff x="0" y="0"/>
-          <a:chExt cx="0" cy="0"/>
-        </a:xfrm>
-      </p:grpSpPr>
+      <p:pic>
+        <p:nvPicPr>
+          <p:cNvPr id="8194" name="Picture 2">
+            <a:extLst>
+              <a:ext uri="{FF2B5EF4-FFF2-40B4-BE49-F238E27FC236}">
+                <a16:creationId xmlns:a16="http://schemas.microsoft.com/office/drawing/2014/main" id="{4151E502-3AA0-96BF-8935-4EA72290D0DA}"/>
+              </a:ext>
+            </a:extLst>
+          </p:cNvPr>
+          <p:cNvPicPr>
+            <a:picLocks noChangeAspect="1" noChangeArrowheads="1"/>
+          </p:cNvPicPr>
+          <p:nvPr/>
+        </p:nvPicPr>
+        <p:blipFill>
+          <a:blip r:embed="rId4">
+            <a:extLst>
+              <a:ext uri="{28A0092B-C50C-407E-A947-70E740481C1C}">
+                <a14:useLocalDpi xmlns:a14="http://schemas.microsoft.com/office/drawing/2010/main" val="0"/>
+              </a:ext>
+            </a:extLst>
+          </a:blip>
+          <a:srcRect/>
+          <a:stretch>
+            <a:fillRect/>
+          </a:stretch>
+        </p:blipFill>
+        <p:spPr bwMode="auto">
+          <a:xfrm>
+            <a:off x="2555893" y="2167936"/>
+            <a:ext cx="3386392" cy="2664702"/>
+          </a:xfrm>
+          <a:prstGeom prst="rect">
+            <a:avLst/>
+          </a:prstGeom>
+          <a:noFill/>
+          <a:extLst>
+            <a:ext uri="{909E8E84-426E-40DD-AFC4-6F175D3DCCD1}">
+              <a14:hiddenFill xmlns:a14="http://schemas.microsoft.com/office/drawing/2010/main">
+                <a:solidFill>
+                  <a:srgbClr val="FFFFFF"/>
+                </a:solidFill>
+              </a14:hiddenFill>
+            </a:ext>
+          </a:extLst>
+        </p:spPr>
+      </p:pic>
+      <p:pic>
+        <p:nvPicPr>
+          <p:cNvPr id="8196" name="Picture 4">
+            <a:extLst>
+              <a:ext uri="{FF2B5EF4-FFF2-40B4-BE49-F238E27FC236}">
+                <a16:creationId xmlns:a16="http://schemas.microsoft.com/office/drawing/2014/main" id="{015124EA-BAF0-31A8-5EDE-8FA8FE585395}"/>
+              </a:ext>
+            </a:extLst>
+          </p:cNvPr>
+          <p:cNvPicPr>
+            <a:picLocks noChangeAspect="1" noChangeArrowheads="1"/>
+          </p:cNvPicPr>
+          <p:nvPr/>
+        </p:nvPicPr>
+        <p:blipFill>
+          <a:blip r:embed="rId5">
+            <a:extLst>
+              <a:ext uri="{28A0092B-C50C-407E-A947-70E740481C1C}">
+                <a14:useLocalDpi xmlns:a14="http://schemas.microsoft.com/office/drawing/2010/main" val="0"/>
+              </a:ext>
+            </a:extLst>
+          </a:blip>
+          <a:srcRect/>
+          <a:stretch>
+            <a:fillRect/>
+          </a:stretch>
+        </p:blipFill>
+        <p:spPr bwMode="auto">
+          <a:xfrm>
+            <a:off x="6127308" y="2167936"/>
+            <a:ext cx="3386392" cy="2664702"/>
+          </a:xfrm>
+          <a:prstGeom prst="rect">
+            <a:avLst/>
+          </a:prstGeom>
+          <a:noFill/>
+          <a:extLst>
+            <a:ext uri="{909E8E84-426E-40DD-AFC4-6F175D3DCCD1}">
+              <a14:hiddenFill xmlns:a14="http://schemas.microsoft.com/office/drawing/2010/main">
+                <a:solidFill>
+                  <a:srgbClr val="FFFFFF"/>
+                </a:solidFill>
+              </a14:hiddenFill>
+            </a:ext>
+          </a:extLst>
+        </p:spPr>
+      </p:pic>
       <p:sp>
         <p:nvSpPr>
-          <p:cNvPr id="2" name="Title 1">
-            <a:extLst>
-              <a:ext uri="{FF2B5EF4-FFF2-40B4-BE49-F238E27FC236}">
-                <a16:creationId xmlns:a16="http://schemas.microsoft.com/office/drawing/2014/main" id="{97861170-0191-9B8E-B434-07BB3EB1DB34}"/>
-              </a:ext>
-            </a:extLst>
-          </p:cNvPr>
-          <p:cNvSpPr>
-            <a:spLocks noGrp="1"/>
-          </p:cNvSpPr>
-          <p:nvPr>
-            <p:ph type="title"/>
-          </p:nvPr>
-        </p:nvSpPr>
-        <p:spPr/>
-        <p:txBody>
-          <a:bodyPr/>
-          <a:lstStyle/>
-          <a:p>
-            <a:r>
-              <a:rPr lang="en-US" dirty="0" err="1"/>
-              <a:t>pNFH</a:t>
-            </a:r>
-            <a:r>
-              <a:rPr lang="en-US" dirty="0"/>
-              <a:t> Options: Why</a:t>
-            </a:r>
-          </a:p>
-        </p:txBody>
-      </p:sp>
-      <p:sp>
-        <p:nvSpPr>
-          <p:cNvPr id="3" name="Slide Number Placeholder 2">
-            <a:extLst>
-              <a:ext uri="{FF2B5EF4-FFF2-40B4-BE49-F238E27FC236}">
-                <a16:creationId xmlns:a16="http://schemas.microsoft.com/office/drawing/2014/main" id="{DF2F98F4-7B82-DE0D-2D14-7FCBB6CD2ECB}"/>
-              </a:ext>
-            </a:extLst>
-          </p:cNvPr>
-          <p:cNvSpPr>
-            <a:spLocks noGrp="1"/>
-          </p:cNvSpPr>
-          <p:nvPr>
-            <p:ph type="sldNum" sz="quarter" idx="12"/>
-          </p:nvPr>
-        </p:nvSpPr>
-        <p:spPr/>
-        <p:txBody>
-          <a:bodyPr/>
-          <a:lstStyle/>
-          <a:p>
-            <a:fld id="{B40DB54C-0C58-4481-B5FF-5C3F14CFF9B3}" type="slidenum">
-              <a:rPr lang="en-US" smtClean="0"/>
-              <a:t>11</a:t>
-            </a:fld>
-            <a:endParaRPr lang="en-US"/>
-          </a:p>
-        </p:txBody>
-      </p:sp>
-      <p:sp>
-        <p:nvSpPr>
-          <p:cNvPr id="4" name="Content Placeholder 2">
-            <a:extLst>
-              <a:ext uri="{FF2B5EF4-FFF2-40B4-BE49-F238E27FC236}">
-                <a16:creationId xmlns:a16="http://schemas.microsoft.com/office/drawing/2014/main" id="{92122E7C-1E25-25DB-07E5-DCE7D0F5A45E}"/>
+          <p:cNvPr id="14" name="Content Placeholder 2">
+            <a:extLst>
+              <a:ext uri="{FF2B5EF4-FFF2-40B4-BE49-F238E27FC236}">
+                <a16:creationId xmlns:a16="http://schemas.microsoft.com/office/drawing/2014/main" id="{DBB3D562-8000-AC0F-3827-9F359BFCB712}"/>
               </a:ext>
             </a:extLst>
           </p:cNvPr>
@@ -3212,19 +3319,325 @@
           <a:p>
             <a:r>
               <a:rPr lang="en-US" dirty="0"/>
-              <a:t>Option 2 changes F-H of Proline (increase) in </a:t>
-            </a:r>
+              <a:t>Same conclusions as Option 1, but NFHD2 also forms second layer, just not as tall.</a:t>
+            </a:r>
+          </a:p>
+        </p:txBody>
+      </p:sp>
+    </p:spTree>
+    <p:extLst>
+      <p:ext uri="{BB962C8B-B14F-4D97-AF65-F5344CB8AC3E}">
+        <p14:creationId xmlns:p14="http://schemas.microsoft.com/office/powerpoint/2010/main" val="1937461763"/>
+      </p:ext>
+    </p:extLst>
+  </p:cSld>
+  <p:clrMapOvr>
+    <a:masterClrMapping/>
+  </p:clrMapOvr>
+</p:sld>
+</file>
+
+<file path=ppt/slides/slide11.xml><?xml version="1.0" encoding="utf-8"?>
+<p:sld xmlns:a="http://schemas.openxmlformats.org/drawingml/2006/main" xmlns:r="http://schemas.openxmlformats.org/officeDocument/2006/relationships" xmlns:p="http://schemas.openxmlformats.org/presentationml/2006/main">
+  <p:cSld>
+    <p:spTree>
+      <p:nvGrpSpPr>
+        <p:cNvPr id="1" name=""/>
+        <p:cNvGrpSpPr/>
+        <p:nvPr/>
+      </p:nvGrpSpPr>
+      <p:grpSpPr>
+        <a:xfrm>
+          <a:off x="0" y="0"/>
+          <a:ext cx="0" cy="0"/>
+          <a:chOff x="0" y="0"/>
+          <a:chExt cx="0" cy="0"/>
+        </a:xfrm>
+      </p:grpSpPr>
+      <p:sp>
+        <p:nvSpPr>
+          <p:cNvPr id="2" name="Title 1">
+            <a:extLst>
+              <a:ext uri="{FF2B5EF4-FFF2-40B4-BE49-F238E27FC236}">
+                <a16:creationId xmlns:a16="http://schemas.microsoft.com/office/drawing/2014/main" id="{97861170-0191-9B8E-B434-07BB3EB1DB34}"/>
+              </a:ext>
+            </a:extLst>
+          </p:cNvPr>
+          <p:cNvSpPr>
+            <a:spLocks noGrp="1"/>
+          </p:cNvSpPr>
+          <p:nvPr>
+            <p:ph type="title"/>
+          </p:nvPr>
+        </p:nvSpPr>
+        <p:spPr/>
+        <p:txBody>
+          <a:bodyPr/>
+          <a:lstStyle/>
+          <a:p>
             <a:r>
               <a:rPr lang="en-US" dirty="0" err="1"/>
               <a:t>pNFH</a:t>
             </a:r>
-            <a:endParaRPr lang="en-US" dirty="0"/>
+            <a:r>
+              <a:rPr lang="en-US" dirty="0"/>
+              <a:t> Options: Why</a:t>
+            </a:r>
+          </a:p>
+        </p:txBody>
+      </p:sp>
+      <p:sp>
+        <p:nvSpPr>
+          <p:cNvPr id="3" name="Slide Number Placeholder 2">
+            <a:extLst>
+              <a:ext uri="{FF2B5EF4-FFF2-40B4-BE49-F238E27FC236}">
+                <a16:creationId xmlns:a16="http://schemas.microsoft.com/office/drawing/2014/main" id="{DF2F98F4-7B82-DE0D-2D14-7FCBB6CD2ECB}"/>
+              </a:ext>
+            </a:extLst>
+          </p:cNvPr>
+          <p:cNvSpPr>
+            <a:spLocks noGrp="1"/>
+          </p:cNvSpPr>
+          <p:nvPr>
+            <p:ph type="sldNum" sz="quarter" idx="12"/>
+          </p:nvPr>
+        </p:nvSpPr>
+        <p:spPr/>
+        <p:txBody>
+          <a:bodyPr/>
+          <a:lstStyle/>
+          <a:p>
+            <a:fld id="{B40DB54C-0C58-4481-B5FF-5C3F14CFF9B3}" type="slidenum">
+              <a:rPr lang="en-US" smtClean="0"/>
+              <a:t>11</a:t>
+            </a:fld>
+            <a:endParaRPr lang="en-US"/>
+          </a:p>
+        </p:txBody>
+      </p:sp>
+      <p:sp>
+        <p:nvSpPr>
+          <p:cNvPr id="4" name="Content Placeholder 2">
+            <a:extLst>
+              <a:ext uri="{FF2B5EF4-FFF2-40B4-BE49-F238E27FC236}">
+                <a16:creationId xmlns:a16="http://schemas.microsoft.com/office/drawing/2014/main" id="{92122E7C-1E25-25DB-07E5-DCE7D0F5A45E}"/>
+              </a:ext>
+            </a:extLst>
+          </p:cNvPr>
+          <p:cNvSpPr txBox="1">
+            <a:spLocks/>
+          </p:cNvSpPr>
+          <p:nvPr/>
+        </p:nvSpPr>
+        <p:spPr>
+          <a:xfrm>
+            <a:off x="838200" y="1081157"/>
+            <a:ext cx="10515600" cy="5109249"/>
+          </a:xfrm>
+          <a:prstGeom prst="rect">
+            <a:avLst/>
+          </a:prstGeom>
+        </p:spPr>
+        <p:txBody>
+          <a:bodyPr/>
+          <a:lstStyle>
+            <a:lvl1pPr marL="228600" indent="-228600" algn="l" defTabSz="914400" rtl="0" eaLnBrk="1" latinLnBrk="0" hangingPunct="1">
+              <a:lnSpc>
+                <a:spcPct val="100000"/>
+              </a:lnSpc>
+              <a:spcBef>
+                <a:spcPts val="1000"/>
+              </a:spcBef>
+              <a:spcAft>
+                <a:spcPts val="1200"/>
+              </a:spcAft>
+              <a:buFont typeface="Arial" panose="020B0604020202020204" pitchFamily="34" charset="0"/>
+              <a:buChar char="•"/>
+              <a:defRPr sz="2400" kern="1200">
+                <a:solidFill>
+                  <a:schemeClr val="tx1"/>
+                </a:solidFill>
+                <a:latin typeface="Lucida Grande" pitchFamily="2" charset="0"/>
+                <a:ea typeface="Lucida Grande" pitchFamily="2" charset="0"/>
+                <a:cs typeface="Lucida Grande" pitchFamily="2" charset="0"/>
+              </a:defRPr>
+            </a:lvl1pPr>
+            <a:lvl2pPr marL="685800" indent="-228600" algn="l" defTabSz="914400" rtl="0" eaLnBrk="1" latinLnBrk="0" hangingPunct="1">
+              <a:lnSpc>
+                <a:spcPct val="100000"/>
+              </a:lnSpc>
+              <a:spcBef>
+                <a:spcPts val="500"/>
+              </a:spcBef>
+              <a:spcAft>
+                <a:spcPts val="1200"/>
+              </a:spcAft>
+              <a:buFont typeface="Arial" panose="020B0604020202020204" pitchFamily="34" charset="0"/>
+              <a:buChar char="•"/>
+              <a:defRPr sz="2000" kern="1200">
+                <a:solidFill>
+                  <a:schemeClr val="tx1"/>
+                </a:solidFill>
+                <a:latin typeface="Lucida Grande" pitchFamily="2" charset="0"/>
+                <a:ea typeface="Lucida Grande" pitchFamily="2" charset="0"/>
+                <a:cs typeface="Lucida Grande" pitchFamily="2" charset="0"/>
+              </a:defRPr>
+            </a:lvl2pPr>
+            <a:lvl3pPr marL="1143000" indent="-228600" algn="l" defTabSz="914400" rtl="0" eaLnBrk="1" latinLnBrk="0" hangingPunct="1">
+              <a:lnSpc>
+                <a:spcPct val="100000"/>
+              </a:lnSpc>
+              <a:spcBef>
+                <a:spcPts val="500"/>
+              </a:spcBef>
+              <a:spcAft>
+                <a:spcPts val="1200"/>
+              </a:spcAft>
+              <a:buFont typeface="Arial" panose="020B0604020202020204" pitchFamily="34" charset="0"/>
+              <a:buChar char="•"/>
+              <a:defRPr sz="1800" kern="1200">
+                <a:solidFill>
+                  <a:schemeClr val="tx1"/>
+                </a:solidFill>
+                <a:latin typeface="Lucida Grande" pitchFamily="2" charset="0"/>
+                <a:ea typeface="Lucida Grande" pitchFamily="2" charset="0"/>
+                <a:cs typeface="Lucida Grande" pitchFamily="2" charset="0"/>
+              </a:defRPr>
+            </a:lvl3pPr>
+            <a:lvl4pPr marL="1600200" indent="-228600" algn="l" defTabSz="914400" rtl="0" eaLnBrk="1" latinLnBrk="0" hangingPunct="1">
+              <a:lnSpc>
+                <a:spcPct val="100000"/>
+              </a:lnSpc>
+              <a:spcBef>
+                <a:spcPts val="500"/>
+              </a:spcBef>
+              <a:spcAft>
+                <a:spcPts val="1200"/>
+              </a:spcAft>
+              <a:buFont typeface="Arial" panose="020B0604020202020204" pitchFamily="34" charset="0"/>
+              <a:buChar char="•"/>
+              <a:defRPr sz="1600" kern="1200">
+                <a:solidFill>
+                  <a:schemeClr val="tx1"/>
+                </a:solidFill>
+                <a:latin typeface="Lucida Grande" pitchFamily="2" charset="0"/>
+                <a:ea typeface="Lucida Grande" pitchFamily="2" charset="0"/>
+                <a:cs typeface="Lucida Grande" pitchFamily="2" charset="0"/>
+              </a:defRPr>
+            </a:lvl4pPr>
+            <a:lvl5pPr marL="2057400" indent="-228600" algn="l" defTabSz="914400" rtl="0" eaLnBrk="1" latinLnBrk="0" hangingPunct="1">
+              <a:lnSpc>
+                <a:spcPct val="100000"/>
+              </a:lnSpc>
+              <a:spcBef>
+                <a:spcPts val="500"/>
+              </a:spcBef>
+              <a:spcAft>
+                <a:spcPts val="1200"/>
+              </a:spcAft>
+              <a:buFont typeface="Arial" panose="020B0604020202020204" pitchFamily="34" charset="0"/>
+              <a:buChar char="•"/>
+              <a:defRPr sz="1600" kern="1200">
+                <a:solidFill>
+                  <a:schemeClr val="tx1"/>
+                </a:solidFill>
+                <a:latin typeface="Lucida Grande" pitchFamily="2" charset="0"/>
+                <a:ea typeface="Lucida Grande" pitchFamily="2" charset="0"/>
+                <a:cs typeface="Lucida Grande" pitchFamily="2" charset="0"/>
+              </a:defRPr>
+            </a:lvl5pPr>
+            <a:lvl6pPr marL="2514600" indent="-228600" algn="l" defTabSz="914400" rtl="0" eaLnBrk="1" latinLnBrk="0" hangingPunct="1">
+              <a:lnSpc>
+                <a:spcPct val="90000"/>
+              </a:lnSpc>
+              <a:spcBef>
+                <a:spcPts val="500"/>
+              </a:spcBef>
+              <a:buFont typeface="Arial" panose="020B0604020202020204" pitchFamily="34" charset="0"/>
+              <a:buChar char="•"/>
+              <a:defRPr sz="1800" kern="1200">
+                <a:solidFill>
+                  <a:schemeClr val="tx1"/>
+                </a:solidFill>
+                <a:latin typeface="+mn-lt"/>
+                <a:ea typeface="+mn-ea"/>
+                <a:cs typeface="+mn-cs"/>
+              </a:defRPr>
+            </a:lvl6pPr>
+            <a:lvl7pPr marL="2971800" indent="-228600" algn="l" defTabSz="914400" rtl="0" eaLnBrk="1" latinLnBrk="0" hangingPunct="1">
+              <a:lnSpc>
+                <a:spcPct val="90000"/>
+              </a:lnSpc>
+              <a:spcBef>
+                <a:spcPts val="500"/>
+              </a:spcBef>
+              <a:buFont typeface="Arial" panose="020B0604020202020204" pitchFamily="34" charset="0"/>
+              <a:buChar char="•"/>
+              <a:defRPr sz="1800" kern="1200">
+                <a:solidFill>
+                  <a:schemeClr val="tx1"/>
+                </a:solidFill>
+                <a:latin typeface="+mn-lt"/>
+                <a:ea typeface="+mn-ea"/>
+                <a:cs typeface="+mn-cs"/>
+              </a:defRPr>
+            </a:lvl7pPr>
+            <a:lvl8pPr marL="3429000" indent="-228600" algn="l" defTabSz="914400" rtl="0" eaLnBrk="1" latinLnBrk="0" hangingPunct="1">
+              <a:lnSpc>
+                <a:spcPct val="90000"/>
+              </a:lnSpc>
+              <a:spcBef>
+                <a:spcPts val="500"/>
+              </a:spcBef>
+              <a:buFont typeface="Arial" panose="020B0604020202020204" pitchFamily="34" charset="0"/>
+              <a:buChar char="•"/>
+              <a:defRPr sz="1800" kern="1200">
+                <a:solidFill>
+                  <a:schemeClr val="tx1"/>
+                </a:solidFill>
+                <a:latin typeface="+mn-lt"/>
+                <a:ea typeface="+mn-ea"/>
+                <a:cs typeface="+mn-cs"/>
+              </a:defRPr>
+            </a:lvl8pPr>
+            <a:lvl9pPr marL="3886200" indent="-228600" algn="l" defTabSz="914400" rtl="0" eaLnBrk="1" latinLnBrk="0" hangingPunct="1">
+              <a:lnSpc>
+                <a:spcPct val="90000"/>
+              </a:lnSpc>
+              <a:spcBef>
+                <a:spcPts val="500"/>
+              </a:spcBef>
+              <a:buFont typeface="Arial" panose="020B0604020202020204" pitchFamily="34" charset="0"/>
+              <a:buChar char="•"/>
+              <a:defRPr sz="1800" kern="1200">
+                <a:solidFill>
+                  <a:schemeClr val="tx1"/>
+                </a:solidFill>
+                <a:latin typeface="+mn-lt"/>
+                <a:ea typeface="+mn-ea"/>
+                <a:cs typeface="+mn-cs"/>
+              </a:defRPr>
+            </a:lvl9pPr>
+          </a:lstStyle>
+          <a:p>
+            <a:r>
+              <a:rPr lang="en-US" dirty="0"/>
+              <a:t>Option 2 changes F-H of Proline (increase) in </a:t>
+            </a:r>
+            <a:r>
+              <a:rPr lang="en-US" dirty="0" err="1"/>
+              <a:t>pNFH</a:t>
+            </a:r>
+            <a:r>
+              <a:rPr lang="en-US" dirty="0"/>
+              <a:t>(D2)</a:t>
+            </a:r>
           </a:p>
           <a:p>
             <a:pPr lvl="1"/>
             <a:r>
               <a:rPr lang="en-US" dirty="0"/>
-              <a:t>Originally because </a:t>
+              <a:t>Originally testing F-H of Proline because </a:t>
             </a:r>
             <a:r>
               <a:rPr lang="en-US" dirty="0" err="1"/>
@@ -3240,13 +3653,23 @@
             </a:r>
             <a:r>
               <a:rPr lang="en-US" dirty="0"/>
-              <a:t> reported P </a:t>
+              <a:t> reported P hydrophilic</a:t>
+            </a:r>
+          </a:p>
+          <a:p>
+            <a:pPr lvl="1"/>
+            <a:r>
+              <a:rPr lang="en-US" dirty="0"/>
+              <a:t>However, changing F-H of Proline for NFH(D2) eliminates good fit with </a:t>
             </a:r>
             <a:r>
               <a:rPr lang="en-US" dirty="0" err="1"/>
-              <a:t>hydrophillic</a:t>
-            </a:r>
-            <a:endParaRPr lang="en-US" dirty="0"/>
+              <a:t>exptl</a:t>
+            </a:r>
+            <a:r>
+              <a:rPr lang="en-US" dirty="0"/>
+              <a:t> values</a:t>
+            </a:r>
           </a:p>
           <a:p>
             <a:r>
@@ -3300,10 +3723,10 @@
         </p:nvGrpSpPr>
         <p:grpSpPr>
           <a:xfrm>
-            <a:off x="1247774" y="4306818"/>
-            <a:ext cx="9172577" cy="2551182"/>
-            <a:chOff x="1247774" y="3225661"/>
-            <a:chExt cx="9172577" cy="2551182"/>
+            <a:off x="1701868" y="4769023"/>
+            <a:ext cx="7480233" cy="2088977"/>
+            <a:chOff x="929620" y="3126402"/>
+            <a:chExt cx="9490731" cy="2650441"/>
           </a:xfrm>
         </p:grpSpPr>
         <p:grpSp>
@@ -3497,8 +3920,8 @@
           </p:nvSpPr>
           <p:spPr>
             <a:xfrm>
-              <a:off x="1247776" y="3225661"/>
-              <a:ext cx="946836" cy="333010"/>
+              <a:off x="929620" y="3126402"/>
+              <a:ext cx="1264993" cy="432269"/>
             </a:xfrm>
             <a:prstGeom prst="rect">
               <a:avLst/>
@@ -3555,8 +3978,8 @@
           </p:nvSpPr>
           <p:spPr>
             <a:xfrm>
-              <a:off x="1247774" y="3540270"/>
-              <a:ext cx="1323976" cy="333010"/>
+              <a:off x="929621" y="3447384"/>
+              <a:ext cx="1583145" cy="543556"/>
             </a:xfrm>
             <a:prstGeom prst="rect">
               <a:avLst/>
@@ -4751,8 +5174,8 @@
         </p:nvSpPr>
         <p:spPr>
           <a:xfrm>
-            <a:off x="7971367" y="5200921"/>
-            <a:ext cx="4470400" cy="369332"/>
+            <a:off x="8038570" y="4340009"/>
+            <a:ext cx="3553883" cy="369332"/>
           </a:xfrm>
           <a:prstGeom prst="rect">
             <a:avLst/>
@@ -4790,8 +5213,8 @@
         </p:nvSpPr>
         <p:spPr>
           <a:xfrm>
-            <a:off x="7971367" y="1995771"/>
-            <a:ext cx="4470400" cy="369332"/>
+            <a:off x="8038570" y="1983873"/>
+            <a:ext cx="3458105" cy="369332"/>
           </a:xfrm>
           <a:prstGeom prst="rect">
             <a:avLst/>
@@ -4860,55 +5283,6 @@
           </a:extLst>
         </p:spPr>
       </p:pic>
-      <p:sp>
-        <p:nvSpPr>
-          <p:cNvPr id="8" name="Rectangle 7">
-            <a:extLst>
-              <a:ext uri="{FF2B5EF4-FFF2-40B4-BE49-F238E27FC236}">
-                <a16:creationId xmlns:a16="http://schemas.microsoft.com/office/drawing/2014/main" id="{C80888F7-7FF9-1DD3-582B-531D398E616C}"/>
-              </a:ext>
-            </a:extLst>
-          </p:cNvPr>
-          <p:cNvSpPr/>
-          <p:nvPr/>
-        </p:nvSpPr>
-        <p:spPr>
-          <a:xfrm>
-            <a:off x="8410575" y="5953125"/>
-            <a:ext cx="2809875" cy="619125"/>
-          </a:xfrm>
-          <a:prstGeom prst="rect">
-            <a:avLst/>
-          </a:prstGeom>
-        </p:spPr>
-        <p:style>
-          <a:lnRef idx="2">
-            <a:schemeClr val="accent1">
-              <a:shade val="15000"/>
-            </a:schemeClr>
-          </a:lnRef>
-          <a:fillRef idx="1">
-            <a:schemeClr val="accent1"/>
-          </a:fillRef>
-          <a:effectRef idx="0">
-            <a:schemeClr val="accent1"/>
-          </a:effectRef>
-          <a:fontRef idx="minor">
-            <a:schemeClr val="lt1"/>
-          </a:fontRef>
-        </p:style>
-        <p:txBody>
-          <a:bodyPr rtlCol="0" anchor="ctr"/>
-          <a:lstStyle/>
-          <a:p>
-            <a:pPr algn="ctr"/>
-            <a:r>
-              <a:rPr lang="en-US" dirty="0"/>
-              <a:t>Waiting on pHPr040D2/10 only</a:t>
-            </a:r>
-          </a:p>
-        </p:txBody>
-      </p:sp>
       <p:pic>
         <p:nvPicPr>
           <p:cNvPr id="9" name="Picture 2">
@@ -4938,6 +5312,51 @@
           <a:xfrm>
             <a:off x="131232" y="2629129"/>
             <a:ext cx="5193244" cy="2430396"/>
+          </a:xfrm>
+          <a:prstGeom prst="rect">
+            <a:avLst/>
+          </a:prstGeom>
+          <a:noFill/>
+          <a:extLst>
+            <a:ext uri="{909E8E84-426E-40DD-AFC4-6F175D3DCCD1}">
+              <a14:hiddenFill xmlns:a14="http://schemas.microsoft.com/office/drawing/2010/main">
+                <a:solidFill>
+                  <a:srgbClr val="FFFFFF"/>
+                </a:solidFill>
+              </a14:hiddenFill>
+            </a:ext>
+          </a:extLst>
+        </p:spPr>
+      </p:pic>
+      <p:pic>
+        <p:nvPicPr>
+          <p:cNvPr id="2052" name="Picture 4">
+            <a:extLst>
+              <a:ext uri="{FF2B5EF4-FFF2-40B4-BE49-F238E27FC236}">
+                <a16:creationId xmlns:a16="http://schemas.microsoft.com/office/drawing/2014/main" id="{E55C1D69-645A-9F57-FC49-3DA82CBA835A}"/>
+              </a:ext>
+            </a:extLst>
+          </p:cNvPr>
+          <p:cNvPicPr>
+            <a:picLocks noChangeAspect="1" noChangeArrowheads="1"/>
+          </p:cNvPicPr>
+          <p:nvPr/>
+        </p:nvPicPr>
+        <p:blipFill rotWithShape="1">
+          <a:blip r:embed="rId3">
+            <a:extLst>
+              <a:ext uri="{28A0092B-C50C-407E-A947-70E740481C1C}">
+                <a14:useLocalDpi xmlns:a14="http://schemas.microsoft.com/office/drawing/2010/main" val="0"/>
+              </a:ext>
+            </a:extLst>
+          </a:blip>
+          <a:srcRect l="68984"/>
+          <a:stretch/>
+        </p:blipFill>
+        <p:spPr bwMode="auto">
+          <a:xfrm>
+            <a:off x="5417045" y="3400425"/>
+            <a:ext cx="2376520" cy="2430396"/>
           </a:xfrm>
           <a:prstGeom prst="rect">
             <a:avLst/>
